--- a/AEM PPT 20240802.pptx
+++ b/AEM PPT 20240802.pptx
@@ -11,7 +11,7 @@
     <p:sldId id="256" r:id="rId2"/>
     <p:sldId id="257" r:id="rId3"/>
     <p:sldId id="258" r:id="rId4"/>
-    <p:sldId id="261" r:id="rId5"/>
+    <p:sldId id="262" r:id="rId5"/>
     <p:sldId id="260" r:id="rId6"/>
   </p:sldIdLst>
   <p:sldSz cx="12192000" cy="6858000"/>
@@ -122,7 +122,7 @@
 <file path=ppt/revisionInfo.xml><?xml version="1.0" encoding="utf-8"?>
 <p1510:revInfo xmlns:a="http://schemas.openxmlformats.org/drawingml/2006/main" xmlns:r="http://schemas.openxmlformats.org/officeDocument/2006/relationships" xmlns:p1510="http://schemas.microsoft.com/office/powerpoint/2015/10/main">
   <p1510:revLst>
-    <p1510:client id="{85AAAE19-B357-4872-855D-94141DD04949}" v="45" dt="2024-08-02T22:36:33.162"/>
+    <p1510:client id="{85AAAE19-B357-4872-855D-94141DD04949}" v="63" dt="2024-08-03T01:14:32.998"/>
     <p1510:client id="{D24E01E6-DCDE-46F8-9E94-96B8F7DC7E64}" v="45" dt="2024-08-02T02:41:47.357"/>
   </p1510:revLst>
 </p1510:revInfo>
@@ -504,8 +504,8 @@
   </pc:docChgLst>
   <pc:docChgLst>
     <pc:chgData name="David Guzzi" userId="2489b4ab3e3a2fa6" providerId="LiveId" clId="{85AAAE19-B357-4872-855D-94141DD04949}"/>
-    <pc:docChg chg="undo custSel addSld delSld modSld">
-      <pc:chgData name="David Guzzi" userId="2489b4ab3e3a2fa6" providerId="LiveId" clId="{85AAAE19-B357-4872-855D-94141DD04949}" dt="2024-08-02T23:20:39.253" v="5524" actId="113"/>
+    <pc:docChg chg="undo custSel addSld delSld modSld sldOrd">
+      <pc:chgData name="David Guzzi" userId="2489b4ab3e3a2fa6" providerId="LiveId" clId="{85AAAE19-B357-4872-855D-94141DD04949}" dt="2024-08-03T01:14:39.552" v="8248" actId="20577"/>
       <pc:docMkLst>
         <pc:docMk/>
       </pc:docMkLst>
@@ -525,7 +525,7 @@
         </pc:spChg>
       </pc:sldChg>
       <pc:sldChg chg="addSp delSp modSp mod">
-        <pc:chgData name="David Guzzi" userId="2489b4ab3e3a2fa6" providerId="LiveId" clId="{85AAAE19-B357-4872-855D-94141DD04949}" dt="2024-08-02T22:43:01.171" v="3418" actId="403"/>
+        <pc:chgData name="David Guzzi" userId="2489b4ab3e3a2fa6" providerId="LiveId" clId="{85AAAE19-B357-4872-855D-94141DD04949}" dt="2024-08-03T01:02:40.571" v="8202" actId="1036"/>
         <pc:sldMkLst>
           <pc:docMk/>
           <pc:sldMk cId="3783672256" sldId="257"/>
@@ -555,7 +555,7 @@
           </ac:spMkLst>
         </pc:spChg>
         <pc:graphicFrameChg chg="mod modGraphic">
-          <ac:chgData name="David Guzzi" userId="2489b4ab3e3a2fa6" providerId="LiveId" clId="{85AAAE19-B357-4872-855D-94141DD04949}" dt="2024-08-02T22:43:01.171" v="3418" actId="403"/>
+          <ac:chgData name="David Guzzi" userId="2489b4ab3e3a2fa6" providerId="LiveId" clId="{85AAAE19-B357-4872-855D-94141DD04949}" dt="2024-08-03T01:02:40.571" v="8202" actId="1036"/>
           <ac:graphicFrameMkLst>
             <pc:docMk/>
             <pc:sldMk cId="3783672256" sldId="257"/>
@@ -564,7 +564,7 @@
         </pc:graphicFrameChg>
       </pc:sldChg>
       <pc:sldChg chg="addSp delSp modSp mod">
-        <pc:chgData name="David Guzzi" userId="2489b4ab3e3a2fa6" providerId="LiveId" clId="{85AAAE19-B357-4872-855D-94141DD04949}" dt="2024-08-02T23:20:39.253" v="5524" actId="113"/>
+        <pc:chgData name="David Guzzi" userId="2489b4ab3e3a2fa6" providerId="LiveId" clId="{85AAAE19-B357-4872-855D-94141DD04949}" dt="2024-08-02T23:35:17.499" v="5530" actId="572"/>
         <pc:sldMkLst>
           <pc:docMk/>
           <pc:sldMk cId="1281886352" sldId="258"/>
@@ -610,7 +610,7 @@
           </ac:spMkLst>
         </pc:spChg>
         <pc:graphicFrameChg chg="mod modGraphic">
-          <ac:chgData name="David Guzzi" userId="2489b4ab3e3a2fa6" providerId="LiveId" clId="{85AAAE19-B357-4872-855D-94141DD04949}" dt="2024-08-02T22:38:06.594" v="3408" actId="20577"/>
+          <ac:chgData name="David Guzzi" userId="2489b4ab3e3a2fa6" providerId="LiveId" clId="{85AAAE19-B357-4872-855D-94141DD04949}" dt="2024-08-02T23:35:17.499" v="5530" actId="572"/>
           <ac:graphicFrameMkLst>
             <pc:docMk/>
             <pc:sldMk cId="1281886352" sldId="258"/>
@@ -673,8 +673,111 @@
           </ac:graphicFrameMkLst>
         </pc:graphicFrameChg>
       </pc:sldChg>
-      <pc:sldChg chg="addSp delSp modSp add mod">
-        <pc:chgData name="David Guzzi" userId="2489b4ab3e3a2fa6" providerId="LiveId" clId="{85AAAE19-B357-4872-855D-94141DD04949}" dt="2024-08-02T22:46:34.617" v="3472" actId="20577"/>
+      <pc:sldChg chg="addSp delSp modSp mod">
+        <pc:chgData name="David Guzzi" userId="2489b4ab3e3a2fa6" providerId="LiveId" clId="{85AAAE19-B357-4872-855D-94141DD04949}" dt="2024-08-03T01:14:39.552" v="8248" actId="20577"/>
+        <pc:sldMkLst>
+          <pc:docMk/>
+          <pc:sldMk cId="3749266279" sldId="260"/>
+        </pc:sldMkLst>
+        <pc:spChg chg="add mod">
+          <ac:chgData name="David Guzzi" userId="2489b4ab3e3a2fa6" providerId="LiveId" clId="{85AAAE19-B357-4872-855D-94141DD04949}" dt="2024-08-03T01:14:39.552" v="8248" actId="20577"/>
+          <ac:spMkLst>
+            <pc:docMk/>
+            <pc:sldMk cId="3749266279" sldId="260"/>
+            <ac:spMk id="2" creationId="{805CDE67-4A45-7C69-7E87-B6F0AF9B73EE}"/>
+          </ac:spMkLst>
+        </pc:spChg>
+        <pc:spChg chg="add mod">
+          <ac:chgData name="David Guzzi" userId="2489b4ab3e3a2fa6" providerId="LiveId" clId="{85AAAE19-B357-4872-855D-94141DD04949}" dt="2024-08-03T00:34:41.580" v="6111" actId="5793"/>
+          <ac:spMkLst>
+            <pc:docMk/>
+            <pc:sldMk cId="3749266279" sldId="260"/>
+            <ac:spMk id="7" creationId="{ACE806B7-6AD9-A791-6A29-034E0A880F69}"/>
+          </ac:spMkLst>
+        </pc:spChg>
+        <pc:spChg chg="add mod">
+          <ac:chgData name="David Guzzi" userId="2489b4ab3e3a2fa6" providerId="LiveId" clId="{85AAAE19-B357-4872-855D-94141DD04949}" dt="2024-08-03T00:34:46.392" v="6113" actId="1076"/>
+          <ac:spMkLst>
+            <pc:docMk/>
+            <pc:sldMk cId="3749266279" sldId="260"/>
+            <ac:spMk id="14" creationId="{F08A2BD3-E5C3-8F45-0113-B4EE42201576}"/>
+          </ac:spMkLst>
+        </pc:spChg>
+        <pc:spChg chg="del">
+          <ac:chgData name="David Guzzi" userId="2489b4ab3e3a2fa6" providerId="LiveId" clId="{85AAAE19-B357-4872-855D-94141DD04949}" dt="2024-08-03T01:14:32.707" v="8212" actId="478"/>
+          <ac:spMkLst>
+            <pc:docMk/>
+            <pc:sldMk cId="3749266279" sldId="260"/>
+            <ac:spMk id="15" creationId="{1AE0CFA4-BF39-C1EE-21D8-378FFE013E6E}"/>
+          </ac:spMkLst>
+        </pc:spChg>
+        <pc:spChg chg="add mod">
+          <ac:chgData name="David Guzzi" userId="2489b4ab3e3a2fa6" providerId="LiveId" clId="{85AAAE19-B357-4872-855D-94141DD04949}" dt="2024-08-03T01:02:18.870" v="8196" actId="403"/>
+          <ac:spMkLst>
+            <pc:docMk/>
+            <pc:sldMk cId="3749266279" sldId="260"/>
+            <ac:spMk id="16" creationId="{FB718C48-AAE3-626F-83C5-15DB757B84EF}"/>
+          </ac:spMkLst>
+        </pc:spChg>
+        <pc:spChg chg="del">
+          <ac:chgData name="David Guzzi" userId="2489b4ab3e3a2fa6" providerId="LiveId" clId="{85AAAE19-B357-4872-855D-94141DD04949}" dt="2024-08-03T00:18:56.574" v="5604" actId="478"/>
+          <ac:spMkLst>
+            <pc:docMk/>
+            <pc:sldMk cId="3749266279" sldId="260"/>
+            <ac:spMk id="21" creationId="{4CD3D2A6-CE6E-0C0C-C644-A18F02DF76F3}"/>
+          </ac:spMkLst>
+        </pc:spChg>
+        <pc:graphicFrameChg chg="add del mod modGraphic">
+          <ac:chgData name="David Guzzi" userId="2489b4ab3e3a2fa6" providerId="LiveId" clId="{85AAAE19-B357-4872-855D-94141DD04949}" dt="2024-08-03T00:28:14.995" v="5939" actId="478"/>
+          <ac:graphicFrameMkLst>
+            <pc:docMk/>
+            <pc:sldMk cId="3749266279" sldId="260"/>
+            <ac:graphicFrameMk id="8" creationId="{0B15858F-C974-1F51-14D7-E0D94EE86A43}"/>
+          </ac:graphicFrameMkLst>
+        </pc:graphicFrameChg>
+        <pc:graphicFrameChg chg="add del mod modGraphic">
+          <ac:chgData name="David Guzzi" userId="2489b4ab3e3a2fa6" providerId="LiveId" clId="{85AAAE19-B357-4872-855D-94141DD04949}" dt="2024-08-03T00:28:13.620" v="5938" actId="478"/>
+          <ac:graphicFrameMkLst>
+            <pc:docMk/>
+            <pc:sldMk cId="3749266279" sldId="260"/>
+            <ac:graphicFrameMk id="9" creationId="{C8952F6D-A60C-8DDC-A980-7D62D15CE48B}"/>
+          </ac:graphicFrameMkLst>
+        </pc:graphicFrameChg>
+        <pc:graphicFrameChg chg="add mod modGraphic">
+          <ac:chgData name="David Guzzi" userId="2489b4ab3e3a2fa6" providerId="LiveId" clId="{85AAAE19-B357-4872-855D-94141DD04949}" dt="2024-08-03T00:35:02.660" v="6117" actId="20577"/>
+          <ac:graphicFrameMkLst>
+            <pc:docMk/>
+            <pc:sldMk cId="3749266279" sldId="260"/>
+            <ac:graphicFrameMk id="10" creationId="{C6E18BC0-1A22-0C9D-832E-1F931077AD53}"/>
+          </ac:graphicFrameMkLst>
+        </pc:graphicFrameChg>
+        <pc:graphicFrameChg chg="add mod modGraphic">
+          <ac:chgData name="David Guzzi" userId="2489b4ab3e3a2fa6" providerId="LiveId" clId="{85AAAE19-B357-4872-855D-94141DD04949}" dt="2024-08-03T00:46:10.874" v="6948" actId="404"/>
+          <ac:graphicFrameMkLst>
+            <pc:docMk/>
+            <pc:sldMk cId="3749266279" sldId="260"/>
+            <ac:graphicFrameMk id="12" creationId="{F51AC913-1EBD-5BAC-396C-3E8FB88AC7EE}"/>
+          </ac:graphicFrameMkLst>
+        </pc:graphicFrameChg>
+        <pc:picChg chg="add del mod">
+          <ac:chgData name="David Guzzi" userId="2489b4ab3e3a2fa6" providerId="LiveId" clId="{85AAAE19-B357-4872-855D-94141DD04949}" dt="2024-08-02T23:55:12.201" v="5590" actId="478"/>
+          <ac:picMkLst>
+            <pc:docMk/>
+            <pc:sldMk cId="3749266279" sldId="260"/>
+            <ac:picMk id="3" creationId="{83DF6356-4F46-D520-D2D4-D4E66BC896CA}"/>
+          </ac:picMkLst>
+        </pc:picChg>
+        <pc:picChg chg="add mod">
+          <ac:chgData name="David Guzzi" userId="2489b4ab3e3a2fa6" providerId="LiveId" clId="{85AAAE19-B357-4872-855D-94141DD04949}" dt="2024-08-03T00:34:49.626" v="6114" actId="1076"/>
+          <ac:picMkLst>
+            <pc:docMk/>
+            <pc:sldMk cId="3749266279" sldId="260"/>
+            <ac:picMk id="6" creationId="{998D9140-5DAC-C50E-213F-E6646390C68E}"/>
+          </ac:picMkLst>
+        </pc:picChg>
+      </pc:sldChg>
+      <pc:sldChg chg="addSp delSp modSp add del mod">
+        <pc:chgData name="David Guzzi" userId="2489b4ab3e3a2fa6" providerId="LiveId" clId="{85AAAE19-B357-4872-855D-94141DD04949}" dt="2024-08-03T01:03:39.917" v="8211" actId="47"/>
         <pc:sldMkLst>
           <pc:docMk/>
           <pc:sldMk cId="572055099" sldId="261"/>
@@ -704,7 +807,7 @@
           </ac:spMkLst>
         </pc:spChg>
         <pc:spChg chg="add mod">
-          <ac:chgData name="David Guzzi" userId="2489b4ab3e3a2fa6" providerId="LiveId" clId="{85AAAE19-B357-4872-855D-94141DD04949}" dt="2024-08-02T22:46:34.617" v="3472" actId="20577"/>
+          <ac:chgData name="David Guzzi" userId="2489b4ab3e3a2fa6" providerId="LiveId" clId="{85AAAE19-B357-4872-855D-94141DD04949}" dt="2024-08-02T23:50:36.914" v="5543" actId="1036"/>
           <ac:spMkLst>
             <pc:docMk/>
             <pc:sldMk cId="572055099" sldId="261"/>
@@ -712,7 +815,7 @@
           </ac:spMkLst>
         </pc:spChg>
         <pc:spChg chg="add mod">
-          <ac:chgData name="David Guzzi" userId="2489b4ab3e3a2fa6" providerId="LiveId" clId="{85AAAE19-B357-4872-855D-94141DD04949}" dt="2024-08-02T21:31:13.247" v="1954" actId="1035"/>
+          <ac:chgData name="David Guzzi" userId="2489b4ab3e3a2fa6" providerId="LiveId" clId="{85AAAE19-B357-4872-855D-94141DD04949}" dt="2024-08-02T23:50:36.914" v="5543" actId="1036"/>
           <ac:spMkLst>
             <pc:docMk/>
             <pc:sldMk cId="572055099" sldId="261"/>
@@ -728,7 +831,7 @@
           </ac:spMkLst>
         </pc:spChg>
         <pc:spChg chg="add mod">
-          <ac:chgData name="David Guzzi" userId="2489b4ab3e3a2fa6" providerId="LiveId" clId="{85AAAE19-B357-4872-855D-94141DD04949}" dt="2024-08-02T22:46:29.374" v="3458" actId="20577"/>
+          <ac:chgData name="David Guzzi" userId="2489b4ab3e3a2fa6" providerId="LiveId" clId="{85AAAE19-B357-4872-855D-94141DD04949}" dt="2024-08-02T23:50:31.222" v="5536" actId="1036"/>
           <ac:spMkLst>
             <pc:docMk/>
             <pc:sldMk cId="572055099" sldId="261"/>
@@ -736,7 +839,7 @@
           </ac:spMkLst>
         </pc:spChg>
         <pc:spChg chg="add mod">
-          <ac:chgData name="David Guzzi" userId="2489b4ab3e3a2fa6" providerId="LiveId" clId="{85AAAE19-B357-4872-855D-94141DD04949}" dt="2024-08-02T21:53:08.401" v="2916" actId="1035"/>
+          <ac:chgData name="David Guzzi" userId="2489b4ab3e3a2fa6" providerId="LiveId" clId="{85AAAE19-B357-4872-855D-94141DD04949}" dt="2024-08-02T23:50:31.222" v="5536" actId="1036"/>
           <ac:spMkLst>
             <pc:docMk/>
             <pc:sldMk cId="572055099" sldId="261"/>
@@ -744,7 +847,7 @@
           </ac:spMkLst>
         </pc:spChg>
         <pc:spChg chg="add mod">
-          <ac:chgData name="David Guzzi" userId="2489b4ab3e3a2fa6" providerId="LiveId" clId="{85AAAE19-B357-4872-855D-94141DD04949}" dt="2024-08-02T21:53:08.401" v="2916" actId="1035"/>
+          <ac:chgData name="David Guzzi" userId="2489b4ab3e3a2fa6" providerId="LiveId" clId="{85AAAE19-B357-4872-855D-94141DD04949}" dt="2024-08-02T23:51:53.597" v="5585" actId="20577"/>
           <ac:spMkLst>
             <pc:docMk/>
             <pc:sldMk cId="572055099" sldId="261"/>
@@ -800,7 +903,7 @@
           </ac:graphicFrameMkLst>
         </pc:graphicFrameChg>
         <pc:graphicFrameChg chg="add mod modGraphic">
-          <ac:chgData name="David Guzzi" userId="2489b4ab3e3a2fa6" providerId="LiveId" clId="{85AAAE19-B357-4872-855D-94141DD04949}" dt="2024-08-02T22:36:13.491" v="3365"/>
+          <ac:chgData name="David Guzzi" userId="2489b4ab3e3a2fa6" providerId="LiveId" clId="{85AAAE19-B357-4872-855D-94141DD04949}" dt="2024-08-03T01:00:48.444" v="8024" actId="207"/>
           <ac:graphicFrameMkLst>
             <pc:docMk/>
             <pc:sldMk cId="572055099" sldId="261"/>
@@ -815,6 +918,157 @@
             <ac:graphicFrameMk id="20" creationId="{121489D2-8749-57EA-7EA6-CC1FEA73D3FE}"/>
           </ac:graphicFrameMkLst>
         </pc:graphicFrameChg>
+      </pc:sldChg>
+      <pc:sldChg chg="addSp delSp modSp add mod ord">
+        <pc:chgData name="David Guzzi" userId="2489b4ab3e3a2fa6" providerId="LiveId" clId="{85AAAE19-B357-4872-855D-94141DD04949}" dt="2024-08-03T01:03:29.480" v="8210"/>
+        <pc:sldMkLst>
+          <pc:docMk/>
+          <pc:sldMk cId="2506785096" sldId="262"/>
+        </pc:sldMkLst>
+        <pc:spChg chg="add mod">
+          <ac:chgData name="David Guzzi" userId="2489b4ab3e3a2fa6" providerId="LiveId" clId="{85AAAE19-B357-4872-855D-94141DD04949}" dt="2024-08-03T01:03:29.480" v="8210"/>
+          <ac:spMkLst>
+            <pc:docMk/>
+            <pc:sldMk cId="2506785096" sldId="262"/>
+            <ac:spMk id="2" creationId="{9EA9C085-9AE8-371B-D6E3-50D014C99193}"/>
+          </ac:spMkLst>
+        </pc:spChg>
+        <pc:spChg chg="add mod">
+          <ac:chgData name="David Guzzi" userId="2489b4ab3e3a2fa6" providerId="LiveId" clId="{85AAAE19-B357-4872-855D-94141DD04949}" dt="2024-08-03T01:03:29.480" v="8210"/>
+          <ac:spMkLst>
+            <pc:docMk/>
+            <pc:sldMk cId="2506785096" sldId="262"/>
+            <ac:spMk id="4" creationId="{5F0A230F-780F-8547-55F0-001EB20BD5AC}"/>
+          </ac:spMkLst>
+        </pc:spChg>
+        <pc:spChg chg="del">
+          <ac:chgData name="David Guzzi" userId="2489b4ab3e3a2fa6" providerId="LiveId" clId="{85AAAE19-B357-4872-855D-94141DD04949}" dt="2024-08-03T01:03:26.420" v="8206" actId="478"/>
+          <ac:spMkLst>
+            <pc:docMk/>
+            <pc:sldMk cId="2506785096" sldId="262"/>
+            <ac:spMk id="7" creationId="{ACE806B7-6AD9-A791-6A29-034E0A880F69}"/>
+          </ac:spMkLst>
+        </pc:spChg>
+        <pc:spChg chg="add mod">
+          <ac:chgData name="David Guzzi" userId="2489b4ab3e3a2fa6" providerId="LiveId" clId="{85AAAE19-B357-4872-855D-94141DD04949}" dt="2024-08-03T01:03:29.480" v="8210"/>
+          <ac:spMkLst>
+            <pc:docMk/>
+            <pc:sldMk cId="2506785096" sldId="262"/>
+            <ac:spMk id="8" creationId="{6884236A-4682-6C75-DAE2-F7DC053D949F}"/>
+          </ac:spMkLst>
+        </pc:spChg>
+        <pc:spChg chg="del">
+          <ac:chgData name="David Guzzi" userId="2489b4ab3e3a2fa6" providerId="LiveId" clId="{85AAAE19-B357-4872-855D-94141DD04949}" dt="2024-08-03T01:03:26.420" v="8206" actId="478"/>
+          <ac:spMkLst>
+            <pc:docMk/>
+            <pc:sldMk cId="2506785096" sldId="262"/>
+            <ac:spMk id="14" creationId="{F08A2BD3-E5C3-8F45-0113-B4EE42201576}"/>
+          </ac:spMkLst>
+        </pc:spChg>
+        <pc:spChg chg="del">
+          <ac:chgData name="David Guzzi" userId="2489b4ab3e3a2fa6" providerId="LiveId" clId="{85AAAE19-B357-4872-855D-94141DD04949}" dt="2024-08-03T01:03:26.420" v="8206" actId="478"/>
+          <ac:spMkLst>
+            <pc:docMk/>
+            <pc:sldMk cId="2506785096" sldId="262"/>
+            <ac:spMk id="15" creationId="{1AE0CFA4-BF39-C1EE-21D8-378FFE013E6E}"/>
+          </ac:spMkLst>
+        </pc:spChg>
+        <pc:spChg chg="del mod">
+          <ac:chgData name="David Guzzi" userId="2489b4ab3e3a2fa6" providerId="LiveId" clId="{85AAAE19-B357-4872-855D-94141DD04949}" dt="2024-08-03T01:03:28.406" v="8209" actId="478"/>
+          <ac:spMkLst>
+            <pc:docMk/>
+            <pc:sldMk cId="2506785096" sldId="262"/>
+            <ac:spMk id="16" creationId="{FB718C48-AAE3-626F-83C5-15DB757B84EF}"/>
+          </ac:spMkLst>
+        </pc:spChg>
+        <pc:spChg chg="add mod">
+          <ac:chgData name="David Guzzi" userId="2489b4ab3e3a2fa6" providerId="LiveId" clId="{85AAAE19-B357-4872-855D-94141DD04949}" dt="2024-08-03T01:03:29.480" v="8210"/>
+          <ac:spMkLst>
+            <pc:docMk/>
+            <pc:sldMk cId="2506785096" sldId="262"/>
+            <ac:spMk id="17" creationId="{FBAE1DA1-4565-084E-A8EB-D5795D44315D}"/>
+          </ac:spMkLst>
+        </pc:spChg>
+        <pc:spChg chg="add mod">
+          <ac:chgData name="David Guzzi" userId="2489b4ab3e3a2fa6" providerId="LiveId" clId="{85AAAE19-B357-4872-855D-94141DD04949}" dt="2024-08-03T01:03:29.480" v="8210"/>
+          <ac:spMkLst>
+            <pc:docMk/>
+            <pc:sldMk cId="2506785096" sldId="262"/>
+            <ac:spMk id="19" creationId="{A6B512A1-E352-BE4D-011F-2F2A6F317A4F}"/>
+          </ac:spMkLst>
+        </pc:spChg>
+        <pc:spChg chg="add mod">
+          <ac:chgData name="David Guzzi" userId="2489b4ab3e3a2fa6" providerId="LiveId" clId="{85AAAE19-B357-4872-855D-94141DD04949}" dt="2024-08-03T01:03:29.480" v="8210"/>
+          <ac:spMkLst>
+            <pc:docMk/>
+            <pc:sldMk cId="2506785096" sldId="262"/>
+            <ac:spMk id="20" creationId="{05994FD3-D415-DA35-7F16-50190771D905}"/>
+          </ac:spMkLst>
+        </pc:spChg>
+        <pc:spChg chg="add mod">
+          <ac:chgData name="David Guzzi" userId="2489b4ab3e3a2fa6" providerId="LiveId" clId="{85AAAE19-B357-4872-855D-94141DD04949}" dt="2024-08-03T01:03:29.480" v="8210"/>
+          <ac:spMkLst>
+            <pc:docMk/>
+            <pc:sldMk cId="2506785096" sldId="262"/>
+            <ac:spMk id="22" creationId="{DE8F765E-1015-F86A-1781-FACAA84E448A}"/>
+          </ac:spMkLst>
+        </pc:spChg>
+        <pc:graphicFrameChg chg="add mod">
+          <ac:chgData name="David Guzzi" userId="2489b4ab3e3a2fa6" providerId="LiveId" clId="{85AAAE19-B357-4872-855D-94141DD04949}" dt="2024-08-03T01:03:29.480" v="8210"/>
+          <ac:graphicFrameMkLst>
+            <pc:docMk/>
+            <pc:sldMk cId="2506785096" sldId="262"/>
+            <ac:graphicFrameMk id="3" creationId="{B4C4062C-A9FA-741D-30EA-691584549DC7}"/>
+          </ac:graphicFrameMkLst>
+        </pc:graphicFrameChg>
+        <pc:graphicFrameChg chg="add mod">
+          <ac:chgData name="David Guzzi" userId="2489b4ab3e3a2fa6" providerId="LiveId" clId="{85AAAE19-B357-4872-855D-94141DD04949}" dt="2024-08-03T01:03:29.480" v="8210"/>
+          <ac:graphicFrameMkLst>
+            <pc:docMk/>
+            <pc:sldMk cId="2506785096" sldId="262"/>
+            <ac:graphicFrameMk id="9" creationId="{BD4722A2-88A8-5A4F-EF59-AA34E3744826}"/>
+          </ac:graphicFrameMkLst>
+        </pc:graphicFrameChg>
+        <pc:graphicFrameChg chg="del">
+          <ac:chgData name="David Guzzi" userId="2489b4ab3e3a2fa6" providerId="LiveId" clId="{85AAAE19-B357-4872-855D-94141DD04949}" dt="2024-08-03T01:03:26.420" v="8206" actId="478"/>
+          <ac:graphicFrameMkLst>
+            <pc:docMk/>
+            <pc:sldMk cId="2506785096" sldId="262"/>
+            <ac:graphicFrameMk id="10" creationId="{C6E18BC0-1A22-0C9D-832E-1F931077AD53}"/>
+          </ac:graphicFrameMkLst>
+        </pc:graphicFrameChg>
+        <pc:graphicFrameChg chg="del">
+          <ac:chgData name="David Guzzi" userId="2489b4ab3e3a2fa6" providerId="LiveId" clId="{85AAAE19-B357-4872-855D-94141DD04949}" dt="2024-08-03T01:03:26.420" v="8206" actId="478"/>
+          <ac:graphicFrameMkLst>
+            <pc:docMk/>
+            <pc:sldMk cId="2506785096" sldId="262"/>
+            <ac:graphicFrameMk id="12" creationId="{F51AC913-1EBD-5BAC-396C-3E8FB88AC7EE}"/>
+          </ac:graphicFrameMkLst>
+        </pc:graphicFrameChg>
+        <pc:graphicFrameChg chg="add mod">
+          <ac:chgData name="David Guzzi" userId="2489b4ab3e3a2fa6" providerId="LiveId" clId="{85AAAE19-B357-4872-855D-94141DD04949}" dt="2024-08-03T01:03:29.480" v="8210"/>
+          <ac:graphicFrameMkLst>
+            <pc:docMk/>
+            <pc:sldMk cId="2506785096" sldId="262"/>
+            <ac:graphicFrameMk id="18" creationId="{3A70FC15-885C-EB5A-FDB1-339C05A0FB8E}"/>
+          </ac:graphicFrameMkLst>
+        </pc:graphicFrameChg>
+        <pc:graphicFrameChg chg="add mod">
+          <ac:chgData name="David Guzzi" userId="2489b4ab3e3a2fa6" providerId="LiveId" clId="{85AAAE19-B357-4872-855D-94141DD04949}" dt="2024-08-03T01:03:29.480" v="8210"/>
+          <ac:graphicFrameMkLst>
+            <pc:docMk/>
+            <pc:sldMk cId="2506785096" sldId="262"/>
+            <ac:graphicFrameMk id="21" creationId="{438C37C7-1B46-A358-29FC-0824780D22A5}"/>
+          </ac:graphicFrameMkLst>
+        </pc:graphicFrameChg>
+        <pc:picChg chg="del">
+          <ac:chgData name="David Guzzi" userId="2489b4ab3e3a2fa6" providerId="LiveId" clId="{85AAAE19-B357-4872-855D-94141DD04949}" dt="2024-08-03T01:03:27.210" v="8207" actId="478"/>
+          <ac:picMkLst>
+            <pc:docMk/>
+            <pc:sldMk cId="2506785096" sldId="262"/>
+            <ac:picMk id="6" creationId="{998D9140-5DAC-C50E-213F-E6646390C68E}"/>
+          </ac:picMkLst>
+        </pc:picChg>
       </pc:sldChg>
     </pc:docChg>
   </pc:docChgLst>
@@ -6159,37 +6413,7 @@
                 <a:uFillTx/>
                 <a:latin typeface="Walbaum Display (Cuerpo)"/>
               </a:rPr>
-              <a:t>Para el presente análisis, se </a:t>
-            </a:r>
-            <a:r>
-              <a:rPr kumimoji="0" lang="es-ES" sz="1400" b="0" i="0" u="none" strike="noStrike" kern="1200" cap="none" spc="0" normalizeH="0" baseline="0" noProof="0">
-                <a:ln>
-                  <a:noFill/>
-                </a:ln>
-                <a:solidFill>
-                  <a:sysClr val="windowText" lastClr="000000"/>
-                </a:solidFill>
-                <a:effectLst/>
-                <a:uLnTx/>
-                <a:uFillTx/>
-                <a:latin typeface="Walbaum Display (Cuerpo)"/>
-              </a:rPr>
-              <a:t>ha seleccionado </a:t>
-            </a:r>
-            <a:r>
-              <a:rPr kumimoji="0" lang="es-ES" sz="1400" b="0" i="0" u="none" strike="noStrike" kern="1200" cap="none" spc="0" normalizeH="0" baseline="0" noProof="0" dirty="0">
-                <a:ln>
-                  <a:noFill/>
-                </a:ln>
-                <a:solidFill>
-                  <a:sysClr val="windowText" lastClr="000000"/>
-                </a:solidFill>
-                <a:effectLst/>
-                <a:uLnTx/>
-                <a:uFillTx/>
-                <a:latin typeface="Walbaum Display (Cuerpo)"/>
-              </a:rPr>
-              <a:t>el </a:t>
+              <a:t>Para el presente análisis, se ha seleccionado el </a:t>
             </a:r>
             <a:r>
               <a:rPr kumimoji="0" lang="es-ES" sz="1400" b="1" i="0" u="none" strike="noStrike" kern="1200" cap="none" spc="0" normalizeH="0" baseline="0" noProof="0" dirty="0">
@@ -6281,13 +6505,13 @@
           <p:nvPr>
             <p:extLst>
               <p:ext uri="{D42A27DB-BD31-4B8C-83A1-F6EECF244321}">
-                <p14:modId xmlns:p14="http://schemas.microsoft.com/office/powerpoint/2010/main" val="3604667110"/>
+                <p14:modId xmlns:p14="http://schemas.microsoft.com/office/powerpoint/2010/main" val="1802934225"/>
               </p:ext>
             </p:extLst>
           </p:nvPr>
         </p:nvGraphicFramePr>
         <p:xfrm>
-          <a:off x="697347" y="2939795"/>
+          <a:off x="697347" y="2848355"/>
           <a:ext cx="10652761" cy="2971800"/>
         </p:xfrm>
         <a:graphic>
@@ -9768,7 +9992,7 @@
           <p:nvPr>
             <p:extLst>
               <p:ext uri="{D42A27DB-BD31-4B8C-83A1-F6EECF244321}">
-                <p14:modId xmlns:p14="http://schemas.microsoft.com/office/powerpoint/2010/main" val="2443453861"/>
+                <p14:modId xmlns:p14="http://schemas.microsoft.com/office/powerpoint/2010/main" val="1226997348"/>
               </p:ext>
             </p:extLst>
           </p:nvPr>
@@ -16305,7 +16529,7 @@
                     <a:p>
                       <a:pPr algn="ctr" fontAlgn="b"/>
                       <a:r>
-                        <a:rPr lang="es-AR" sz="1000" b="0" i="0" u="none" strike="noStrike">
+                        <a:rPr lang="es-AR" sz="1000" b="0" i="0" u="none" strike="noStrike" dirty="0">
                           <a:solidFill>
                             <a:srgbClr val="000000"/>
                           </a:solidFill>
@@ -16922,7 +17146,7 @@
                     <a:p>
                       <a:pPr algn="ctr" fontAlgn="b"/>
                       <a:r>
-                        <a:rPr lang="es-AR" sz="1000" b="0" i="0" u="none" strike="noStrike">
+                        <a:rPr lang="es-AR" sz="1000" b="0" i="0" u="none" strike="noStrike" dirty="0">
                           <a:solidFill>
                             <a:srgbClr val="000000"/>
                           </a:solidFill>
@@ -17481,6 +17705,17 @@
                       <a:headEnd type="none" w="med" len="med"/>
                       <a:tailEnd type="none" w="med" len="med"/>
                     </a:lnT>
+                    <a:lnB w="12700" cap="flat" cmpd="sng" algn="ctr">
+                      <a:solidFill>
+                        <a:schemeClr val="tx1">
+                          <a:lumMod val="85000"/>
+                        </a:schemeClr>
+                      </a:solidFill>
+                      <a:prstDash val="sysDash"/>
+                      <a:round/>
+                      <a:headEnd type="none" w="med" len="med"/>
+                      <a:tailEnd type="none" w="med" len="med"/>
+                    </a:lnB>
                     <a:noFill/>
                   </a:tcPr>
                 </a:tc>
@@ -17514,7 +17749,7 @@
                     <a:lnB w="12700" cap="flat" cmpd="sng" algn="ctr">
                       <a:solidFill>
                         <a:schemeClr val="tx1">
-                          <a:lumMod val="75000"/>
+                          <a:lumMod val="85000"/>
                         </a:schemeClr>
                       </a:solidFill>
                       <a:prstDash val="sysDash"/>
@@ -17557,7 +17792,7 @@
                     <a:lnB w="12700" cap="flat" cmpd="sng" algn="ctr">
                       <a:solidFill>
                         <a:schemeClr val="tx1">
-                          <a:lumMod val="75000"/>
+                          <a:lumMod val="85000"/>
                         </a:schemeClr>
                       </a:solidFill>
                       <a:prstDash val="sysDash"/>
@@ -17600,7 +17835,7 @@
                     <a:lnB w="12700" cap="flat" cmpd="sng" algn="ctr">
                       <a:solidFill>
                         <a:schemeClr val="tx1">
-                          <a:lumMod val="75000"/>
+                          <a:lumMod val="85000"/>
                         </a:schemeClr>
                       </a:solidFill>
                       <a:prstDash val="sysDash"/>
@@ -17643,7 +17878,7 @@
                     <a:lnB w="12700" cap="flat" cmpd="sng" algn="ctr">
                       <a:solidFill>
                         <a:schemeClr val="tx1">
-                          <a:lumMod val="75000"/>
+                          <a:lumMod val="85000"/>
                         </a:schemeClr>
                       </a:solidFill>
                       <a:prstDash val="sysDash"/>
@@ -17686,7 +17921,7 @@
                     <a:lnB w="12700" cap="flat" cmpd="sng" algn="ctr">
                       <a:solidFill>
                         <a:schemeClr val="tx1">
-                          <a:lumMod val="75000"/>
+                          <a:lumMod val="85000"/>
                         </a:schemeClr>
                       </a:solidFill>
                       <a:prstDash val="sysDash"/>
@@ -17729,7 +17964,7 @@
                     <a:lnB w="12700" cap="flat" cmpd="sng" algn="ctr">
                       <a:solidFill>
                         <a:schemeClr val="tx1">
-                          <a:lumMod val="75000"/>
+                          <a:lumMod val="85000"/>
                         </a:schemeClr>
                       </a:solidFill>
                       <a:prstDash val="sysDash"/>
@@ -17772,7 +18007,7 @@
                     <a:lnB w="12700" cap="flat" cmpd="sng" algn="ctr">
                       <a:solidFill>
                         <a:schemeClr val="tx1">
-                          <a:lumMod val="75000"/>
+                          <a:lumMod val="85000"/>
                         </a:schemeClr>
                       </a:solidFill>
                       <a:prstDash val="sysDash"/>
@@ -17818,7 +18053,7 @@
                     <a:lnL w="12700" cap="flat" cmpd="sng" algn="ctr">
                       <a:solidFill>
                         <a:schemeClr val="tx1">
-                          <a:lumMod val="75000"/>
+                          <a:lumMod val="85000"/>
                         </a:schemeClr>
                       </a:solidFill>
                       <a:prstDash val="sysDash"/>
@@ -17829,7 +18064,7 @@
                     <a:lnR w="12700" cap="flat" cmpd="sng" algn="ctr">
                       <a:solidFill>
                         <a:schemeClr val="tx1">
-                          <a:lumMod val="75000"/>
+                          <a:lumMod val="85000"/>
                         </a:schemeClr>
                       </a:solidFill>
                       <a:prstDash val="sysDash"/>
@@ -17840,7 +18075,7 @@
                     <a:lnT w="12700" cap="flat" cmpd="sng" algn="ctr">
                       <a:solidFill>
                         <a:schemeClr val="tx1">
-                          <a:lumMod val="75000"/>
+                          <a:lumMod val="85000"/>
                         </a:schemeClr>
                       </a:solidFill>
                       <a:prstDash val="sysDash"/>
@@ -17851,7 +18086,7 @@
                     <a:lnB w="12700" cap="flat" cmpd="sng" algn="ctr">
                       <a:solidFill>
                         <a:schemeClr val="tx1">
-                          <a:lumMod val="75000"/>
+                          <a:lumMod val="85000"/>
                         </a:schemeClr>
                       </a:solidFill>
                       <a:prstDash val="sysDash"/>
@@ -17888,7 +18123,7 @@
                     <a:lnL w="12700" cap="flat" cmpd="sng" algn="ctr">
                       <a:solidFill>
                         <a:schemeClr val="tx1">
-                          <a:lumMod val="75000"/>
+                          <a:lumMod val="85000"/>
                         </a:schemeClr>
                       </a:solidFill>
                       <a:prstDash val="sysDash"/>
@@ -17899,7 +18134,7 @@
                     <a:lnR w="12700" cap="flat" cmpd="sng" algn="ctr">
                       <a:solidFill>
                         <a:schemeClr val="tx1">
-                          <a:lumMod val="75000"/>
+                          <a:lumMod val="85000"/>
                         </a:schemeClr>
                       </a:solidFill>
                       <a:prstDash val="sysDash"/>
@@ -17910,7 +18145,7 @@
                     <a:lnT w="12700" cap="flat" cmpd="sng" algn="ctr">
                       <a:solidFill>
                         <a:schemeClr val="tx1">
-                          <a:lumMod val="75000"/>
+                          <a:lumMod val="85000"/>
                         </a:schemeClr>
                       </a:solidFill>
                       <a:prstDash val="sysDash"/>
@@ -17921,7 +18156,7 @@
                     <a:lnB w="12700" cap="flat" cmpd="sng" algn="ctr">
                       <a:solidFill>
                         <a:schemeClr val="tx1">
-                          <a:lumMod val="75000"/>
+                          <a:lumMod val="85000"/>
                         </a:schemeClr>
                       </a:solidFill>
                       <a:prstDash val="sysDash"/>
@@ -17956,7 +18191,7 @@
                     <a:lnL w="12700" cap="flat" cmpd="sng" algn="ctr">
                       <a:solidFill>
                         <a:schemeClr val="tx1">
-                          <a:lumMod val="75000"/>
+                          <a:lumMod val="85000"/>
                         </a:schemeClr>
                       </a:solidFill>
                       <a:prstDash val="sysDash"/>
@@ -17967,7 +18202,7 @@
                     <a:lnR w="12700" cap="flat" cmpd="sng" algn="ctr">
                       <a:solidFill>
                         <a:schemeClr val="tx1">
-                          <a:lumMod val="75000"/>
+                          <a:lumMod val="85000"/>
                         </a:schemeClr>
                       </a:solidFill>
                       <a:prstDash val="sysDash"/>
@@ -17978,7 +18213,7 @@
                     <a:lnT w="12700" cap="flat" cmpd="sng" algn="ctr">
                       <a:solidFill>
                         <a:schemeClr val="tx1">
-                          <a:lumMod val="75000"/>
+                          <a:lumMod val="85000"/>
                         </a:schemeClr>
                       </a:solidFill>
                       <a:prstDash val="sysDash"/>
@@ -17989,7 +18224,7 @@
                     <a:lnB w="12700" cap="flat" cmpd="sng" algn="ctr">
                       <a:solidFill>
                         <a:schemeClr val="tx1">
-                          <a:lumMod val="75000"/>
+                          <a:lumMod val="85000"/>
                         </a:schemeClr>
                       </a:solidFill>
                       <a:prstDash val="sysDash"/>
@@ -18024,7 +18259,7 @@
                     <a:lnL w="12700" cap="flat" cmpd="sng" algn="ctr">
                       <a:solidFill>
                         <a:schemeClr val="tx1">
-                          <a:lumMod val="75000"/>
+                          <a:lumMod val="85000"/>
                         </a:schemeClr>
                       </a:solidFill>
                       <a:prstDash val="sysDash"/>
@@ -18035,7 +18270,7 @@
                     <a:lnR w="12700" cap="flat" cmpd="sng" algn="ctr">
                       <a:solidFill>
                         <a:schemeClr val="tx1">
-                          <a:lumMod val="75000"/>
+                          <a:lumMod val="85000"/>
                         </a:schemeClr>
                       </a:solidFill>
                       <a:prstDash val="sysDash"/>
@@ -18046,7 +18281,7 @@
                     <a:lnT w="12700" cap="flat" cmpd="sng" algn="ctr">
                       <a:solidFill>
                         <a:schemeClr val="tx1">
-                          <a:lumMod val="75000"/>
+                          <a:lumMod val="85000"/>
                         </a:schemeClr>
                       </a:solidFill>
                       <a:prstDash val="sysDash"/>
@@ -18057,7 +18292,7 @@
                     <a:lnB w="12700" cap="flat" cmpd="sng" algn="ctr">
                       <a:solidFill>
                         <a:schemeClr val="tx1">
-                          <a:lumMod val="75000"/>
+                          <a:lumMod val="85000"/>
                         </a:schemeClr>
                       </a:solidFill>
                       <a:prstDash val="sysDash"/>
@@ -18092,7 +18327,7 @@
                     <a:lnL w="12700" cap="flat" cmpd="sng" algn="ctr">
                       <a:solidFill>
                         <a:schemeClr val="tx1">
-                          <a:lumMod val="75000"/>
+                          <a:lumMod val="85000"/>
                         </a:schemeClr>
                       </a:solidFill>
                       <a:prstDash val="sysDash"/>
@@ -18103,7 +18338,7 @@
                     <a:lnR w="12700" cap="flat" cmpd="sng" algn="ctr">
                       <a:solidFill>
                         <a:schemeClr val="tx1">
-                          <a:lumMod val="75000"/>
+                          <a:lumMod val="85000"/>
                         </a:schemeClr>
                       </a:solidFill>
                       <a:prstDash val="sysDash"/>
@@ -18114,7 +18349,7 @@
                     <a:lnT w="12700" cap="flat" cmpd="sng" algn="ctr">
                       <a:solidFill>
                         <a:schemeClr val="tx1">
-                          <a:lumMod val="75000"/>
+                          <a:lumMod val="85000"/>
                         </a:schemeClr>
                       </a:solidFill>
                       <a:prstDash val="sysDash"/>
@@ -18125,7 +18360,7 @@
                     <a:lnB w="12700" cap="flat" cmpd="sng" algn="ctr">
                       <a:solidFill>
                         <a:schemeClr val="tx1">
-                          <a:lumMod val="75000"/>
+                          <a:lumMod val="85000"/>
                         </a:schemeClr>
                       </a:solidFill>
                       <a:prstDash val="sysDash"/>
@@ -18160,7 +18395,7 @@
                     <a:lnL w="12700" cap="flat" cmpd="sng" algn="ctr">
                       <a:solidFill>
                         <a:schemeClr val="tx1">
-                          <a:lumMod val="75000"/>
+                          <a:lumMod val="85000"/>
                         </a:schemeClr>
                       </a:solidFill>
                       <a:prstDash val="sysDash"/>
@@ -18171,7 +18406,7 @@
                     <a:lnR w="12700" cap="flat" cmpd="sng" algn="ctr">
                       <a:solidFill>
                         <a:schemeClr val="tx1">
-                          <a:lumMod val="75000"/>
+                          <a:lumMod val="85000"/>
                         </a:schemeClr>
                       </a:solidFill>
                       <a:prstDash val="sysDash"/>
@@ -18182,7 +18417,7 @@
                     <a:lnT w="12700" cap="flat" cmpd="sng" algn="ctr">
                       <a:solidFill>
                         <a:schemeClr val="tx1">
-                          <a:lumMod val="75000"/>
+                          <a:lumMod val="85000"/>
                         </a:schemeClr>
                       </a:solidFill>
                       <a:prstDash val="sysDash"/>
@@ -18193,7 +18428,7 @@
                     <a:lnB w="12700" cap="flat" cmpd="sng" algn="ctr">
                       <a:solidFill>
                         <a:schemeClr val="tx1">
-                          <a:lumMod val="75000"/>
+                          <a:lumMod val="85000"/>
                         </a:schemeClr>
                       </a:solidFill>
                       <a:prstDash val="sysDash"/>
@@ -18228,7 +18463,7 @@
                     <a:lnL w="12700" cap="flat" cmpd="sng" algn="ctr">
                       <a:solidFill>
                         <a:schemeClr val="tx1">
-                          <a:lumMod val="75000"/>
+                          <a:lumMod val="85000"/>
                         </a:schemeClr>
                       </a:solidFill>
                       <a:prstDash val="sysDash"/>
@@ -18239,7 +18474,7 @@
                     <a:lnR w="12700" cap="flat" cmpd="sng" algn="ctr">
                       <a:solidFill>
                         <a:schemeClr val="tx1">
-                          <a:lumMod val="75000"/>
+                          <a:lumMod val="85000"/>
                         </a:schemeClr>
                       </a:solidFill>
                       <a:prstDash val="sysDash"/>
@@ -18250,7 +18485,7 @@
                     <a:lnT w="12700" cap="flat" cmpd="sng" algn="ctr">
                       <a:solidFill>
                         <a:schemeClr val="tx1">
-                          <a:lumMod val="75000"/>
+                          <a:lumMod val="85000"/>
                         </a:schemeClr>
                       </a:solidFill>
                       <a:prstDash val="sysDash"/>
@@ -18261,7 +18496,7 @@
                     <a:lnB w="12700" cap="flat" cmpd="sng" algn="ctr">
                       <a:solidFill>
                         <a:schemeClr val="tx1">
-                          <a:lumMod val="75000"/>
+                          <a:lumMod val="85000"/>
                         </a:schemeClr>
                       </a:solidFill>
                       <a:prstDash val="sysDash"/>
@@ -18296,7 +18531,7 @@
                     <a:lnL w="12700" cap="flat" cmpd="sng" algn="ctr">
                       <a:solidFill>
                         <a:schemeClr val="tx1">
-                          <a:lumMod val="75000"/>
+                          <a:lumMod val="85000"/>
                         </a:schemeClr>
                       </a:solidFill>
                       <a:prstDash val="sysDash"/>
@@ -18307,7 +18542,7 @@
                     <a:lnR w="12700" cap="flat" cmpd="sng" algn="ctr">
                       <a:solidFill>
                         <a:schemeClr val="tx1">
-                          <a:lumMod val="75000"/>
+                          <a:lumMod val="85000"/>
                         </a:schemeClr>
                       </a:solidFill>
                       <a:prstDash val="sysDash"/>
@@ -18318,7 +18553,7 @@
                     <a:lnT w="12700" cap="flat" cmpd="sng" algn="ctr">
                       <a:solidFill>
                         <a:schemeClr val="tx1">
-                          <a:lumMod val="75000"/>
+                          <a:lumMod val="85000"/>
                         </a:schemeClr>
                       </a:solidFill>
                       <a:prstDash val="sysDash"/>
@@ -18329,7 +18564,7 @@
                     <a:lnB w="12700" cap="flat" cmpd="sng" algn="ctr">
                       <a:solidFill>
                         <a:schemeClr val="tx1">
-                          <a:lumMod val="75000"/>
+                          <a:lumMod val="85000"/>
                         </a:schemeClr>
                       </a:solidFill>
                       <a:prstDash val="sysDash"/>
@@ -18739,7 +18974,7 @@
         </p:nvCxnSpPr>
         <p:spPr>
           <a:xfrm>
-            <a:off x="449656" y="6347578"/>
+            <a:off x="1055802" y="6212264"/>
             <a:ext cx="10080000" cy="0"/>
           </a:xfrm>
           <a:prstGeom prst="line">
@@ -18782,12 +19017,7 @@
             <p:ph type="ftr" sz="quarter" idx="11"/>
           </p:nvPr>
         </p:nvSpPr>
-        <p:spPr>
-          <a:xfrm>
-            <a:off x="449656" y="6363260"/>
-            <a:ext cx="3959157" cy="365125"/>
-          </a:xfrm>
-        </p:spPr>
+        <p:spPr/>
         <p:txBody>
           <a:bodyPr/>
           <a:lstStyle/>
@@ -18858,10 +19088,10 @@
       </p:sp>
       <p:sp>
         <p:nvSpPr>
-          <p:cNvPr id="3" name="CuadroTexto 2">
+          <p:cNvPr id="2" name="CuadroTexto 1">
             <a:extLst>
               <a:ext uri="{FF2B5EF4-FFF2-40B4-BE49-F238E27FC236}">
-                <a16:creationId xmlns:a16="http://schemas.microsoft.com/office/drawing/2014/main" id="{9E02381C-AEAE-D3D3-1E2F-7E2825E5E649}"/>
+                <a16:creationId xmlns:a16="http://schemas.microsoft.com/office/drawing/2014/main" id="{9EA9C085-9AE8-371B-D6E3-50D014C99193}"/>
               </a:ext>
             </a:extLst>
           </p:cNvPr>
@@ -18897,10 +19127,10 @@
       </p:sp>
       <p:graphicFrame>
         <p:nvGraphicFramePr>
-          <p:cNvPr id="7" name="Tabla 6">
+          <p:cNvPr id="3" name="Tabla 2">
             <a:extLst>
               <a:ext uri="{FF2B5EF4-FFF2-40B4-BE49-F238E27FC236}">
-                <a16:creationId xmlns:a16="http://schemas.microsoft.com/office/drawing/2014/main" id="{B645CDAB-244E-61F2-1475-7782D09DC214}"/>
+                <a16:creationId xmlns:a16="http://schemas.microsoft.com/office/drawing/2014/main" id="{B4C4062C-A9FA-741D-30EA-691584549DC7}"/>
               </a:ext>
             </a:extLst>
           </p:cNvPr>
@@ -18910,7 +19140,7 @@
           <p:nvPr>
             <p:extLst>
               <p:ext uri="{D42A27DB-BD31-4B8C-83A1-F6EECF244321}">
-                <p14:modId xmlns:p14="http://schemas.microsoft.com/office/powerpoint/2010/main" val="2410984856"/>
+                <p14:modId xmlns:p14="http://schemas.microsoft.com/office/powerpoint/2010/main" val="89127984"/>
               </p:ext>
             </p:extLst>
           </p:nvPr>
@@ -23695,10 +23925,10 @@
       </p:graphicFrame>
       <p:sp>
         <p:nvSpPr>
-          <p:cNvPr id="8" name="Marcador de contenido 2">
+          <p:cNvPr id="4" name="Marcador de contenido 2">
             <a:extLst>
               <a:ext uri="{FF2B5EF4-FFF2-40B4-BE49-F238E27FC236}">
-                <a16:creationId xmlns:a16="http://schemas.microsoft.com/office/drawing/2014/main" id="{FAEF4F76-B04F-FBC4-6BAD-ECD852020180}"/>
+                <a16:creationId xmlns:a16="http://schemas.microsoft.com/office/drawing/2014/main" id="{5F0A230F-780F-8547-55F0-001EB20BD5AC}"/>
               </a:ext>
             </a:extLst>
           </p:cNvPr>
@@ -23709,7 +23939,7 @@
         </p:nvSpPr>
         <p:spPr>
           <a:xfrm>
-            <a:off x="197963" y="720816"/>
+            <a:off x="197963" y="784824"/>
             <a:ext cx="4044099" cy="296130"/>
           </a:xfrm>
           <a:prstGeom prst="rect">
@@ -23991,10 +24221,10 @@
       </p:sp>
       <p:sp>
         <p:nvSpPr>
-          <p:cNvPr id="9" name="Marcador de contenido 2">
+          <p:cNvPr id="8" name="Marcador de contenido 2">
             <a:extLst>
               <a:ext uri="{FF2B5EF4-FFF2-40B4-BE49-F238E27FC236}">
-                <a16:creationId xmlns:a16="http://schemas.microsoft.com/office/drawing/2014/main" id="{90035730-0BC5-2FEF-1FAA-403B6A2EE983}"/>
+                <a16:creationId xmlns:a16="http://schemas.microsoft.com/office/drawing/2014/main" id="{6884236A-4682-6C75-DAE2-F7DC053D949F}"/>
               </a:ext>
             </a:extLst>
           </p:cNvPr>
@@ -24005,7 +24235,7 @@
         </p:nvSpPr>
         <p:spPr>
           <a:xfrm>
-            <a:off x="8842343" y="720816"/>
+            <a:off x="8842343" y="784824"/>
             <a:ext cx="3044857" cy="296130"/>
           </a:xfrm>
           <a:prstGeom prst="rect">
@@ -24286,10 +24516,10 @@
       </p:sp>
       <p:graphicFrame>
         <p:nvGraphicFramePr>
-          <p:cNvPr id="15" name="Tabla 14">
+          <p:cNvPr id="9" name="Tabla 8">
             <a:extLst>
               <a:ext uri="{FF2B5EF4-FFF2-40B4-BE49-F238E27FC236}">
-                <a16:creationId xmlns:a16="http://schemas.microsoft.com/office/drawing/2014/main" id="{D9C2567C-1D2E-775A-240B-2C4AEDFCC78D}"/>
+                <a16:creationId xmlns:a16="http://schemas.microsoft.com/office/drawing/2014/main" id="{BD4722A2-88A8-5A4F-EF59-AA34E3744826}"/>
               </a:ext>
             </a:extLst>
           </p:cNvPr>
@@ -24299,7 +24529,7 @@
           <p:nvPr>
             <p:extLst>
               <p:ext uri="{D42A27DB-BD31-4B8C-83A1-F6EECF244321}">
-                <p14:modId xmlns:p14="http://schemas.microsoft.com/office/powerpoint/2010/main" val="1658369275"/>
+                <p14:modId xmlns:p14="http://schemas.microsoft.com/office/powerpoint/2010/main" val="3407451413"/>
               </p:ext>
             </p:extLst>
           </p:nvPr>
@@ -25109,10 +25339,10 @@
       </p:graphicFrame>
       <p:sp>
         <p:nvSpPr>
-          <p:cNvPr id="16" name="Marcador de contenido 2">
+          <p:cNvPr id="17" name="Marcador de contenido 2">
             <a:extLst>
               <a:ext uri="{FF2B5EF4-FFF2-40B4-BE49-F238E27FC236}">
-                <a16:creationId xmlns:a16="http://schemas.microsoft.com/office/drawing/2014/main" id="{DC751BEB-2F7E-9161-5A77-F4F165D4BBC4}"/>
+                <a16:creationId xmlns:a16="http://schemas.microsoft.com/office/drawing/2014/main" id="{FBAE1DA1-4565-084E-A8EB-D5795D44315D}"/>
               </a:ext>
             </a:extLst>
           </p:cNvPr>
@@ -25866,10 +26096,10 @@
       </p:sp>
       <p:graphicFrame>
         <p:nvGraphicFramePr>
-          <p:cNvPr id="17" name="Tabla 16">
+          <p:cNvPr id="18" name="Tabla 17">
             <a:extLst>
               <a:ext uri="{FF2B5EF4-FFF2-40B4-BE49-F238E27FC236}">
-                <a16:creationId xmlns:a16="http://schemas.microsoft.com/office/drawing/2014/main" id="{B6F477BF-7BC4-84C5-E0C6-AAADB381F070}"/>
+                <a16:creationId xmlns:a16="http://schemas.microsoft.com/office/drawing/2014/main" id="{3A70FC15-885C-EB5A-FDB1-339C05A0FB8E}"/>
               </a:ext>
             </a:extLst>
           </p:cNvPr>
@@ -25879,7 +26109,7 @@
           <p:nvPr>
             <p:extLst>
               <p:ext uri="{D42A27DB-BD31-4B8C-83A1-F6EECF244321}">
-                <p14:modId xmlns:p14="http://schemas.microsoft.com/office/powerpoint/2010/main" val="2546328542"/>
+                <p14:modId xmlns:p14="http://schemas.microsoft.com/office/powerpoint/2010/main" val="2996784914"/>
               </p:ext>
             </p:extLst>
           </p:nvPr>
@@ -27294,9 +27524,9 @@
                     <a:p>
                       <a:pPr algn="ctr" fontAlgn="ctr"/>
                       <a:r>
-                        <a:rPr lang="es-AR" sz="900" b="0" i="0" u="none" strike="noStrike">
+                        <a:rPr lang="es-AR" sz="900" b="0" i="0" u="none" strike="noStrike" dirty="0">
                           <a:solidFill>
-                            <a:srgbClr val="000000"/>
+                            <a:srgbClr val="00B050"/>
                           </a:solidFill>
                           <a:effectLst/>
                           <a:latin typeface="Walbaum Display (Cuerpo)"/>
@@ -27842,9 +28072,9 @@
                     <a:p>
                       <a:pPr algn="ctr" fontAlgn="ctr"/>
                       <a:r>
-                        <a:rPr lang="es-AR" sz="900" b="0" i="0" u="none" strike="noStrike">
+                        <a:rPr lang="es-AR" sz="900" b="0" i="0" u="none" strike="noStrike" dirty="0">
                           <a:solidFill>
-                            <a:srgbClr val="000000"/>
+                            <a:srgbClr val="FF0000"/>
                           </a:solidFill>
                           <a:effectLst/>
                           <a:latin typeface="Walbaum Display (Cuerpo)"/>
@@ -27908,9 +28138,9 @@
                     <a:p>
                       <a:pPr algn="ctr" fontAlgn="ctr"/>
                       <a:r>
-                        <a:rPr lang="es-AR" sz="900" b="0" i="0" u="none" strike="noStrike">
+                        <a:rPr lang="es-AR" sz="900" b="0" i="0" u="none" strike="noStrike" dirty="0">
                           <a:solidFill>
-                            <a:srgbClr val="000000"/>
+                            <a:srgbClr val="FF0000"/>
                           </a:solidFill>
                           <a:effectLst/>
                           <a:latin typeface="Walbaum Display (Cuerpo)"/>
@@ -28389,9 +28619,9 @@
                     <a:p>
                       <a:pPr algn="ctr" fontAlgn="ctr"/>
                       <a:r>
-                        <a:rPr lang="es-AR" sz="900" b="0" i="0" u="none" strike="noStrike">
+                        <a:rPr lang="es-AR" sz="900" b="0" i="0" u="none" strike="noStrike" dirty="0">
                           <a:solidFill>
-                            <a:srgbClr val="000000"/>
+                            <a:srgbClr val="FF0000"/>
                           </a:solidFill>
                           <a:effectLst/>
                           <a:latin typeface="Walbaum Display (Cuerpo)"/>
@@ -28455,9 +28685,9 @@
                     <a:p>
                       <a:pPr algn="ctr" fontAlgn="ctr"/>
                       <a:r>
-                        <a:rPr lang="es-AR" sz="900" b="0" i="0" u="none" strike="noStrike">
+                        <a:rPr lang="es-AR" sz="900" b="0" i="0" u="none" strike="noStrike" dirty="0">
                           <a:solidFill>
-                            <a:srgbClr val="000000"/>
+                            <a:srgbClr val="00B050"/>
                           </a:solidFill>
                           <a:effectLst/>
                           <a:latin typeface="Walbaum Display (Cuerpo)"/>
@@ -28521,9 +28751,9 @@
                     <a:p>
                       <a:pPr algn="ctr" fontAlgn="ctr"/>
                       <a:r>
-                        <a:rPr lang="es-AR" sz="900" b="0" i="0" u="none" strike="noStrike">
+                        <a:rPr lang="es-AR" sz="900" b="0" i="0" u="none" strike="noStrike" dirty="0">
                           <a:solidFill>
-                            <a:srgbClr val="000000"/>
+                            <a:srgbClr val="00B050"/>
                           </a:solidFill>
                           <a:effectLst/>
                           <a:latin typeface="Walbaum Display (Cuerpo)"/>
@@ -28935,9 +29165,9 @@
                     <a:p>
                       <a:pPr algn="ctr" fontAlgn="ctr"/>
                       <a:r>
-                        <a:rPr lang="es-AR" sz="900" b="0" i="0" u="none" strike="noStrike">
+                        <a:rPr lang="es-AR" sz="900" b="0" i="0" u="none" strike="noStrike" dirty="0">
                           <a:solidFill>
-                            <a:srgbClr val="000000"/>
+                            <a:srgbClr val="FF0000"/>
                           </a:solidFill>
                           <a:effectLst/>
                           <a:latin typeface="Walbaum Display (Cuerpo)"/>
@@ -29001,9 +29231,9 @@
                     <a:p>
                       <a:pPr algn="ctr" fontAlgn="ctr"/>
                       <a:r>
-                        <a:rPr lang="es-AR" sz="900" b="0" i="0" u="none" strike="noStrike">
+                        <a:rPr lang="es-AR" sz="900" b="0" i="0" u="none" strike="noStrike" dirty="0">
                           <a:solidFill>
-                            <a:srgbClr val="000000"/>
+                            <a:srgbClr val="FF0000"/>
                           </a:solidFill>
                           <a:effectLst/>
                           <a:latin typeface="Walbaum Display (Cuerpo)"/>
@@ -29067,9 +29297,9 @@
                     <a:p>
                       <a:pPr algn="ctr" fontAlgn="ctr"/>
                       <a:r>
-                        <a:rPr lang="es-AR" sz="900" b="0" i="0" u="none" strike="noStrike">
+                        <a:rPr lang="es-AR" sz="900" b="0" i="0" u="none" strike="noStrike" dirty="0">
                           <a:solidFill>
-                            <a:srgbClr val="000000"/>
+                            <a:srgbClr val="00B050"/>
                           </a:solidFill>
                           <a:effectLst/>
                           <a:latin typeface="Walbaum Display (Cuerpo)"/>
@@ -29133,9 +29363,9 @@
                     <a:p>
                       <a:pPr algn="ctr" fontAlgn="ctr"/>
                       <a:r>
-                        <a:rPr lang="es-AR" sz="900" b="0" i="0" u="none" strike="noStrike">
+                        <a:rPr lang="es-AR" sz="900" b="0" i="0" u="none" strike="noStrike" dirty="0">
                           <a:solidFill>
-                            <a:srgbClr val="000000"/>
+                            <a:srgbClr val="00B050"/>
                           </a:solidFill>
                           <a:effectLst/>
                           <a:latin typeface="Walbaum Display (Cuerpo)"/>
@@ -29480,9 +29710,9 @@
                     <a:p>
                       <a:pPr algn="ctr" fontAlgn="ctr"/>
                       <a:r>
-                        <a:rPr lang="es-AR" sz="900" b="0" i="0" u="none" strike="noStrike">
+                        <a:rPr lang="es-AR" sz="900" b="0" i="0" u="none" strike="noStrike" dirty="0">
                           <a:solidFill>
-                            <a:srgbClr val="000000"/>
+                            <a:srgbClr val="00B050"/>
                           </a:solidFill>
                           <a:effectLst/>
                           <a:latin typeface="Walbaum Display (Cuerpo)"/>
@@ -29546,9 +29776,9 @@
                     <a:p>
                       <a:pPr algn="ctr" fontAlgn="ctr"/>
                       <a:r>
-                        <a:rPr lang="es-AR" sz="900" b="0" i="0" u="none" strike="noStrike">
+                        <a:rPr lang="es-AR" sz="900" b="0" i="0" u="none" strike="noStrike" dirty="0">
                           <a:solidFill>
-                            <a:srgbClr val="000000"/>
+                            <a:srgbClr val="FF0000"/>
                           </a:solidFill>
                           <a:effectLst/>
                           <a:latin typeface="Walbaum Display (Cuerpo)"/>
@@ -29612,9 +29842,9 @@
                     <a:p>
                       <a:pPr algn="ctr" fontAlgn="ctr"/>
                       <a:r>
-                        <a:rPr lang="es-AR" sz="900" b="0" i="0" u="none" strike="noStrike">
+                        <a:rPr lang="es-AR" sz="900" b="0" i="0" u="none" strike="noStrike" dirty="0">
                           <a:solidFill>
-                            <a:srgbClr val="000000"/>
+                            <a:srgbClr val="00B050"/>
                           </a:solidFill>
                           <a:effectLst/>
                           <a:latin typeface="Walbaum Display (Cuerpo)"/>
@@ -29678,9 +29908,9 @@
                     <a:p>
                       <a:pPr algn="ctr" fontAlgn="ctr"/>
                       <a:r>
-                        <a:rPr lang="es-AR" sz="900" b="0" i="0" u="none" strike="noStrike">
+                        <a:rPr lang="es-AR" sz="900" b="0" i="0" u="none" strike="noStrike" dirty="0">
                           <a:solidFill>
-                            <a:srgbClr val="000000"/>
+                            <a:srgbClr val="00B050"/>
                           </a:solidFill>
                           <a:effectLst/>
                           <a:latin typeface="Walbaum Display (Cuerpo)"/>
@@ -29744,9 +29974,9 @@
                     <a:p>
                       <a:pPr algn="ctr" fontAlgn="ctr"/>
                       <a:r>
-                        <a:rPr lang="es-AR" sz="900" b="0" i="0" u="none" strike="noStrike">
+                        <a:rPr lang="es-AR" sz="900" b="0" i="0" u="none" strike="noStrike" dirty="0">
                           <a:solidFill>
-                            <a:srgbClr val="000000"/>
+                            <a:srgbClr val="00B050"/>
                           </a:solidFill>
                           <a:effectLst/>
                           <a:latin typeface="Walbaum Display (Cuerpo)"/>
@@ -30024,9 +30254,9 @@
                     <a:p>
                       <a:pPr algn="ctr" fontAlgn="ctr"/>
                       <a:r>
-                        <a:rPr lang="es-AR" sz="900" b="0" i="0" u="none" strike="noStrike">
+                        <a:rPr lang="es-AR" sz="900" b="0" i="0" u="none" strike="noStrike" dirty="0">
                           <a:solidFill>
-                            <a:srgbClr val="000000"/>
+                            <a:srgbClr val="00B050"/>
                           </a:solidFill>
                           <a:effectLst/>
                           <a:latin typeface="Walbaum Display (Cuerpo)"/>
@@ -30090,9 +30320,9 @@
                     <a:p>
                       <a:pPr algn="ctr" fontAlgn="ctr"/>
                       <a:r>
-                        <a:rPr lang="es-AR" sz="900" b="0" i="0" u="none" strike="noStrike">
+                        <a:rPr lang="es-AR" sz="900" b="0" i="0" u="none" strike="noStrike" dirty="0">
                           <a:solidFill>
-                            <a:srgbClr val="000000"/>
+                            <a:srgbClr val="00B050"/>
                           </a:solidFill>
                           <a:effectLst/>
                           <a:latin typeface="Walbaum Display (Cuerpo)"/>
@@ -30156,9 +30386,9 @@
                     <a:p>
                       <a:pPr algn="ctr" fontAlgn="ctr"/>
                       <a:r>
-                        <a:rPr lang="es-AR" sz="900" b="0" i="0" u="none" strike="noStrike">
+                        <a:rPr lang="es-AR" sz="900" b="0" i="0" u="none" strike="noStrike" dirty="0">
                           <a:solidFill>
-                            <a:srgbClr val="000000"/>
+                            <a:srgbClr val="FF0000"/>
                           </a:solidFill>
                           <a:effectLst/>
                           <a:latin typeface="Walbaum Display (Cuerpo)"/>
@@ -30222,9 +30452,9 @@
                     <a:p>
                       <a:pPr algn="ctr" fontAlgn="ctr"/>
                       <a:r>
-                        <a:rPr lang="es-AR" sz="900" b="0" i="0" u="none" strike="noStrike">
+                        <a:rPr lang="es-AR" sz="900" b="0" i="0" u="none" strike="noStrike" dirty="0">
                           <a:solidFill>
-                            <a:srgbClr val="000000"/>
+                            <a:srgbClr val="00B050"/>
                           </a:solidFill>
                           <a:effectLst/>
                           <a:latin typeface="Walbaum Display (Cuerpo)"/>
@@ -30288,9 +30518,9 @@
                     <a:p>
                       <a:pPr algn="ctr" fontAlgn="ctr"/>
                       <a:r>
-                        <a:rPr lang="es-AR" sz="900" b="0" i="0" u="none" strike="noStrike">
+                        <a:rPr lang="es-AR" sz="900" b="0" i="0" u="none" strike="noStrike" dirty="0">
                           <a:solidFill>
-                            <a:srgbClr val="000000"/>
+                            <a:srgbClr val="FF0000"/>
                           </a:solidFill>
                           <a:effectLst/>
                           <a:latin typeface="Walbaum Display (Cuerpo)"/>
@@ -30354,9 +30584,9 @@
                     <a:p>
                       <a:pPr algn="ctr" fontAlgn="ctr"/>
                       <a:r>
-                        <a:rPr lang="es-AR" sz="900" b="0" i="0" u="none" strike="noStrike">
+                        <a:rPr lang="es-AR" sz="900" b="0" i="0" u="none" strike="noStrike" dirty="0">
                           <a:solidFill>
-                            <a:srgbClr val="000000"/>
+                            <a:srgbClr val="00B050"/>
                           </a:solidFill>
                           <a:effectLst/>
                           <a:latin typeface="Walbaum Display (Cuerpo)"/>
@@ -30491,10 +30721,10 @@
       </p:graphicFrame>
       <p:sp>
         <p:nvSpPr>
-          <p:cNvPr id="18" name="Marcador de contenido 2">
+          <p:cNvPr id="19" name="Marcador de contenido 2">
             <a:extLst>
               <a:ext uri="{FF2B5EF4-FFF2-40B4-BE49-F238E27FC236}">
-                <a16:creationId xmlns:a16="http://schemas.microsoft.com/office/drawing/2014/main" id="{C004BA14-4F6A-913C-0717-FD67A303ACF7}"/>
+                <a16:creationId xmlns:a16="http://schemas.microsoft.com/office/drawing/2014/main" id="{A6B512A1-E352-BE4D-011F-2F2A6F317A4F}"/>
               </a:ext>
             </a:extLst>
           </p:cNvPr>
@@ -30505,7 +30735,7 @@
         </p:nvSpPr>
         <p:spPr>
           <a:xfrm>
-            <a:off x="197963" y="3640068"/>
+            <a:off x="197963" y="3694932"/>
             <a:ext cx="4044099" cy="296130"/>
           </a:xfrm>
           <a:prstGeom prst="rect">
@@ -30787,10 +31017,10 @@
       </p:sp>
       <p:sp>
         <p:nvSpPr>
-          <p:cNvPr id="19" name="Marcador de contenido 2">
+          <p:cNvPr id="20" name="Marcador de contenido 2">
             <a:extLst>
               <a:ext uri="{FF2B5EF4-FFF2-40B4-BE49-F238E27FC236}">
-                <a16:creationId xmlns:a16="http://schemas.microsoft.com/office/drawing/2014/main" id="{A18061C4-8BF9-8064-9B8E-D858617D097B}"/>
+                <a16:creationId xmlns:a16="http://schemas.microsoft.com/office/drawing/2014/main" id="{05994FD3-D415-DA35-7F16-50190771D905}"/>
               </a:ext>
             </a:extLst>
           </p:cNvPr>
@@ -30801,7 +31031,7 @@
         </p:nvSpPr>
         <p:spPr>
           <a:xfrm>
-            <a:off x="8842343" y="3640068"/>
+            <a:off x="8842343" y="3694932"/>
             <a:ext cx="3044857" cy="296130"/>
           </a:xfrm>
           <a:prstGeom prst="rect">
@@ -31082,10 +31312,10 @@
       </p:sp>
       <p:graphicFrame>
         <p:nvGraphicFramePr>
-          <p:cNvPr id="20" name="Tabla 19">
+          <p:cNvPr id="21" name="Tabla 20">
             <a:extLst>
               <a:ext uri="{FF2B5EF4-FFF2-40B4-BE49-F238E27FC236}">
-                <a16:creationId xmlns:a16="http://schemas.microsoft.com/office/drawing/2014/main" id="{121489D2-8749-57EA-7EA6-CC1FEA73D3FE}"/>
+                <a16:creationId xmlns:a16="http://schemas.microsoft.com/office/drawing/2014/main" id="{438C37C7-1B46-A358-29FC-0824780D22A5}"/>
               </a:ext>
             </a:extLst>
           </p:cNvPr>
@@ -31095,7 +31325,7 @@
           <p:nvPr>
             <p:extLst>
               <p:ext uri="{D42A27DB-BD31-4B8C-83A1-F6EECF244321}">
-                <p14:modId xmlns:p14="http://schemas.microsoft.com/office/powerpoint/2010/main" val="353431162"/>
+                <p14:modId xmlns:p14="http://schemas.microsoft.com/office/powerpoint/2010/main" val="4289103758"/>
               </p:ext>
             </p:extLst>
           </p:nvPr>
@@ -31599,10 +31829,10 @@
       </p:graphicFrame>
       <p:sp>
         <p:nvSpPr>
-          <p:cNvPr id="21" name="Marcador de contenido 2">
+          <p:cNvPr id="22" name="Marcador de contenido 2">
             <a:extLst>
               <a:ext uri="{FF2B5EF4-FFF2-40B4-BE49-F238E27FC236}">
-                <a16:creationId xmlns:a16="http://schemas.microsoft.com/office/drawing/2014/main" id="{D89F7D2B-DFAF-54DB-76E6-5CD5654B0AD1}"/>
+                <a16:creationId xmlns:a16="http://schemas.microsoft.com/office/drawing/2014/main" id="{DE8F765E-1015-F86A-1781-FACAA84E448A}"/>
               </a:ext>
             </a:extLst>
           </p:cNvPr>
@@ -31917,7 +32147,7 @@
                 </a:solidFill>
                 <a:latin typeface="Walbaum Display (Cuerpo)"/>
               </a:rPr>
-              <a:t> comentados anteriormente. Incluso, los guarismos de relación serían más altos en términos absolutos (al ser estandarizados).</a:t>
+              <a:t> comentados anteriormente. Incluso, los guarismos de relación serían más altos en términos absolutos.</a:t>
             </a:r>
           </a:p>
           <a:p>
@@ -31947,7 +32177,7 @@
                 </a:solidFill>
                 <a:latin typeface="Walbaum Display (Cuerpo)"/>
               </a:rPr>
-              <a:t>Las medidas globales indicarían un bajo nivel de dependencia conjunta. Sin embargo, esto puede explicarse no porque las varíales estén estrictamente sino más bien a que las mismas están expresadas en relación a otra medida de comparación común (como el PBI, por ejemplo). </a:t>
+              <a:t>Las medidas globales indicarían un bajo nivel de dependencia conjunta. Sin embargo, esto puede explicarse no porque las varíales estén estrictamente correlacionadas sino más bien a que las mismas están expresadas en relación a otra medida de comparación común (como el PBI, por ejemplo). </a:t>
             </a:r>
           </a:p>
         </p:txBody>
@@ -31955,7 +32185,7 @@
     </p:spTree>
     <p:extLst>
       <p:ext uri="{BB962C8B-B14F-4D97-AF65-F5344CB8AC3E}">
-        <p14:creationId xmlns:p14="http://schemas.microsoft.com/office/powerpoint/2010/main" val="572055099"/>
+        <p14:creationId xmlns:p14="http://schemas.microsoft.com/office/powerpoint/2010/main" val="2506785096"/>
       </p:ext>
     </p:extLst>
   </p:cSld>
@@ -32116,51 +32346,42 @@
           </a:p>
         </p:txBody>
       </p:sp>
-      <p:sp>
-        <p:nvSpPr>
-          <p:cNvPr id="15" name="CuadroTexto 14">
+      <p:pic>
+        <p:nvPicPr>
+          <p:cNvPr id="6" name="Imagen 5">
             <a:extLst>
               <a:ext uri="{FF2B5EF4-FFF2-40B4-BE49-F238E27FC236}">
-                <a16:creationId xmlns:a16="http://schemas.microsoft.com/office/drawing/2014/main" id="{1AE0CFA4-BF39-C1EE-21D8-378FFE013E6E}"/>
+                <a16:creationId xmlns:a16="http://schemas.microsoft.com/office/drawing/2014/main" id="{998D9140-5DAC-C50E-213F-E6646390C68E}"/>
               </a:ext>
             </a:extLst>
           </p:cNvPr>
-          <p:cNvSpPr txBox="1"/>
+          <p:cNvPicPr>
+            <a:picLocks noChangeAspect="1"/>
+          </p:cNvPicPr>
           <p:nvPr/>
-        </p:nvSpPr>
+        </p:nvPicPr>
+        <p:blipFill>
+          <a:blip r:embed="rId2"/>
+          <a:stretch>
+            <a:fillRect/>
+          </a:stretch>
+        </p:blipFill>
         <p:spPr>
           <a:xfrm>
-            <a:off x="339365" y="254524"/>
-            <a:ext cx="11085922" cy="523220"/>
+            <a:off x="7247987" y="1209545"/>
+            <a:ext cx="4376048" cy="3511645"/>
           </a:xfrm>
           <a:prstGeom prst="rect">
             <a:avLst/>
           </a:prstGeom>
-          <a:noFill/>
         </p:spPr>
-        <p:txBody>
-          <a:bodyPr wrap="square" rtlCol="0">
-            <a:spAutoFit/>
-          </a:bodyPr>
-          <a:lstStyle/>
-          <a:p>
-            <a:r>
-              <a:rPr lang="es-AR" sz="2800" b="1" dirty="0">
-                <a:solidFill>
-                  <a:schemeClr val="bg1"/>
-                </a:solidFill>
-              </a:rPr>
-              <a:t>ANÁLISIS DE COMPONENTES PRINCIPALES</a:t>
-            </a:r>
-          </a:p>
-        </p:txBody>
-      </p:sp>
+      </p:pic>
       <p:sp>
         <p:nvSpPr>
-          <p:cNvPr id="21" name="Marcador de contenido 2">
+          <p:cNvPr id="7" name="Marcador de contenido 2">
             <a:extLst>
               <a:ext uri="{FF2B5EF4-FFF2-40B4-BE49-F238E27FC236}">
-                <a16:creationId xmlns:a16="http://schemas.microsoft.com/office/drawing/2014/main" id="{4CD3D2A6-CE6E-0C0C-C644-A18F02DF76F3}"/>
+                <a16:creationId xmlns:a16="http://schemas.microsoft.com/office/drawing/2014/main" id="{ACE806B7-6AD9-A791-6A29-034E0A880F69}"/>
               </a:ext>
             </a:extLst>
           </p:cNvPr>
@@ -32171,8 +32392,8 @@
         </p:nvSpPr>
         <p:spPr>
           <a:xfrm>
-            <a:off x="339365" y="842964"/>
-            <a:ext cx="11368726" cy="1890808"/>
+            <a:off x="339365" y="1044509"/>
+            <a:ext cx="6482059" cy="520549"/>
           </a:xfrm>
           <a:prstGeom prst="rect">
             <a:avLst/>
@@ -32402,7 +32623,7 @@
             </a:lvl9pPr>
           </a:lstStyle>
           <a:p>
-            <a:pPr marL="91440" marR="0" lvl="0" indent="-91440" algn="just" defTabSz="914400" rtl="0" eaLnBrk="1" fontAlgn="auto" latinLnBrk="0" hangingPunct="1">
+            <a:pPr marL="0" marR="0" lvl="0" indent="0" algn="just" defTabSz="914400" rtl="0" eaLnBrk="1" fontAlgn="auto" latinLnBrk="0" hangingPunct="1">
               <a:lnSpc>
                 <a:spcPct val="90000"/>
               </a:lnSpc>
@@ -32416,13 +32637,12 @@
                 <a:srgbClr val="1CADE4"/>
               </a:buClr>
               <a:buSzPct val="100000"/>
-              <a:buFont typeface="Tw Cen MT" panose="020B0602020104020603" pitchFamily="34" charset="0"/>
-              <a:buChar char=" "/>
+              <a:buNone/>
               <a:tabLst/>
               <a:defRPr/>
             </a:pPr>
             <a:r>
-              <a:rPr kumimoji="0" lang="es-ES" sz="1400" b="0" i="0" u="none" strike="noStrike" kern="1200" cap="none" spc="0" normalizeH="0" baseline="0" noProof="0" dirty="0">
+              <a:rPr kumimoji="0" lang="es-ES" sz="1200" i="0" u="none" strike="noStrike" kern="1200" cap="none" spc="0" normalizeH="0" baseline="0" noProof="0" dirty="0">
                 <a:ln>
                   <a:noFill/>
                 </a:ln>
@@ -32434,9 +32654,99 @@
                 <a:uFillTx/>
                 <a:latin typeface="Walbaum Display (Cuerpo)"/>
               </a:rPr>
-              <a:t>En este :</a:t>
+              <a:t>Se presentan a continuación los resultados del </a:t>
             </a:r>
-            <a:endParaRPr kumimoji="0" lang="es-AR" sz="1400" b="0" i="0" u="none" strike="noStrike" kern="1200" cap="none" spc="0" normalizeH="0" baseline="0" noProof="0" dirty="0">
+            <a:r>
+              <a:rPr kumimoji="0" lang="es-ES" sz="1200" b="1" i="0" u="none" strike="noStrike" kern="1200" cap="none" spc="0" normalizeH="0" baseline="0" noProof="0" dirty="0">
+                <a:ln>
+                  <a:noFill/>
+                </a:ln>
+                <a:solidFill>
+                  <a:sysClr val="windowText" lastClr="000000"/>
+                </a:solidFill>
+                <a:effectLst/>
+                <a:uLnTx/>
+                <a:uFillTx/>
+                <a:latin typeface="Walbaum Display (Cuerpo)"/>
+              </a:rPr>
+              <a:t>análisis de componentes principales </a:t>
+            </a:r>
+            <a:r>
+              <a:rPr kumimoji="0" lang="es-ES" sz="1200" i="0" u="none" strike="noStrike" kern="1200" cap="none" spc="0" normalizeH="0" baseline="0" noProof="0" dirty="0">
+                <a:ln>
+                  <a:noFill/>
+                </a:ln>
+                <a:solidFill>
+                  <a:sysClr val="windowText" lastClr="000000"/>
+                </a:solidFill>
+                <a:effectLst/>
+                <a:uLnTx/>
+                <a:uFillTx/>
+                <a:latin typeface="Walbaum Display (Cuerpo)"/>
+              </a:rPr>
+              <a:t>para una </a:t>
+            </a:r>
+            <a:r>
+              <a:rPr kumimoji="0" lang="es-ES" sz="1200" b="1" i="0" u="none" strike="noStrike" kern="1200" cap="none" spc="0" normalizeH="0" baseline="0" noProof="0" dirty="0">
+                <a:ln>
+                  <a:noFill/>
+                </a:ln>
+                <a:solidFill>
+                  <a:sysClr val="windowText" lastClr="000000"/>
+                </a:solidFill>
+                <a:effectLst/>
+                <a:uLnTx/>
+                <a:uFillTx/>
+                <a:latin typeface="Walbaum Display (Cuerpo)"/>
+              </a:rPr>
+              <a:t>matriz de datos estandarizados </a:t>
+            </a:r>
+            <a:r>
+              <a:rPr kumimoji="0" lang="es-ES" sz="1200" i="0" u="none" strike="noStrike" kern="1200" cap="none" spc="0" normalizeH="0" baseline="0" noProof="0" dirty="0">
+                <a:ln>
+                  <a:noFill/>
+                </a:ln>
+                <a:solidFill>
+                  <a:sysClr val="windowText" lastClr="000000"/>
+                </a:solidFill>
+                <a:effectLst/>
+                <a:uLnTx/>
+                <a:uFillTx/>
+                <a:latin typeface="Walbaum Display (Cuerpo)"/>
+              </a:rPr>
+              <a:t>(</a:t>
+            </a:r>
+            <a:r>
+              <a:rPr kumimoji="0" lang="es-ES" sz="1200" b="1" i="0" u="none" strike="noStrike" kern="1200" cap="none" spc="0" normalizeH="0" baseline="0" noProof="0" dirty="0">
+                <a:ln>
+                  <a:noFill/>
+                </a:ln>
+                <a:solidFill>
+                  <a:sysClr val="windowText" lastClr="000000"/>
+                </a:solidFill>
+                <a:effectLst/>
+                <a:uLnTx/>
+                <a:uFillTx/>
+                <a:latin typeface="Walbaum Display (Cuerpo)"/>
+              </a:rPr>
+              <a:t>Matriz de Correlaciones</a:t>
+            </a:r>
+            <a:r>
+              <a:rPr kumimoji="0" lang="es-ES" sz="1200" i="0" u="none" strike="noStrike" kern="1200" cap="none" spc="0" normalizeH="0" baseline="0" noProof="0" dirty="0">
+                <a:ln>
+                  <a:noFill/>
+                </a:ln>
+                <a:solidFill>
+                  <a:sysClr val="windowText" lastClr="000000"/>
+                </a:solidFill>
+                <a:effectLst/>
+                <a:uLnTx/>
+                <a:uFillTx/>
+                <a:latin typeface="Walbaum Display (Cuerpo)"/>
+              </a:rPr>
+              <a:t>):</a:t>
+            </a:r>
+            <a:endParaRPr kumimoji="0" lang="es-AR" sz="1200" i="0" u="none" strike="noStrike" kern="1200" cap="none" spc="0" normalizeH="0" baseline="0" noProof="0" dirty="0">
               <a:ln>
                 <a:noFill/>
               </a:ln>
@@ -32447,6 +32757,6618 @@
               <a:uLnTx/>
               <a:uFillTx/>
               <a:latin typeface="Walbaum Display (Cuerpo)"/>
+            </a:endParaRPr>
+          </a:p>
+        </p:txBody>
+      </p:sp>
+      <p:graphicFrame>
+        <p:nvGraphicFramePr>
+          <p:cNvPr id="10" name="Tabla 9">
+            <a:extLst>
+              <a:ext uri="{FF2B5EF4-FFF2-40B4-BE49-F238E27FC236}">
+                <a16:creationId xmlns:a16="http://schemas.microsoft.com/office/drawing/2014/main" id="{C6E18BC0-1A22-0C9D-832E-1F931077AD53}"/>
+              </a:ext>
+            </a:extLst>
+          </p:cNvPr>
+          <p:cNvGraphicFramePr>
+            <a:graphicFrameLocks noGrp="1"/>
+          </p:cNvGraphicFramePr>
+          <p:nvPr>
+            <p:extLst>
+              <p:ext uri="{D42A27DB-BD31-4B8C-83A1-F6EECF244321}">
+                <p14:modId xmlns:p14="http://schemas.microsoft.com/office/powerpoint/2010/main" val="3241307469"/>
+              </p:ext>
+            </p:extLst>
+          </p:nvPr>
+        </p:nvGraphicFramePr>
+        <p:xfrm>
+          <a:off x="339365" y="1457829"/>
+          <a:ext cx="6271748" cy="1280160"/>
+        </p:xfrm>
+        <a:graphic>
+          <a:graphicData uri="http://schemas.openxmlformats.org/drawingml/2006/table">
+            <a:tbl>
+              <a:tblPr>
+                <a:tableStyleId>{5C22544A-7EE6-4342-B048-85BDC9FD1C3A}</a:tableStyleId>
+              </a:tblPr>
+              <a:tblGrid>
+                <a:gridCol w="994684">
+                  <a:extLst>
+                    <a:ext uri="{9D8B030D-6E8A-4147-A177-3AD203B41FA5}">
+                      <a16:colId xmlns:a16="http://schemas.microsoft.com/office/drawing/2014/main" val="1428270223"/>
+                    </a:ext>
+                  </a:extLst>
+                </a:gridCol>
+                <a:gridCol w="1319266">
+                  <a:extLst>
+                    <a:ext uri="{9D8B030D-6E8A-4147-A177-3AD203B41FA5}">
+                      <a16:colId xmlns:a16="http://schemas.microsoft.com/office/drawing/2014/main" val="3009682662"/>
+                    </a:ext>
+                  </a:extLst>
+                </a:gridCol>
+                <a:gridCol w="1319266">
+                  <a:extLst>
+                    <a:ext uri="{9D8B030D-6E8A-4147-A177-3AD203B41FA5}">
+                      <a16:colId xmlns:a16="http://schemas.microsoft.com/office/drawing/2014/main" val="1502014676"/>
+                    </a:ext>
+                  </a:extLst>
+                </a:gridCol>
+                <a:gridCol w="1319266">
+                  <a:extLst>
+                    <a:ext uri="{9D8B030D-6E8A-4147-A177-3AD203B41FA5}">
+                      <a16:colId xmlns:a16="http://schemas.microsoft.com/office/drawing/2014/main" val="2351665972"/>
+                    </a:ext>
+                  </a:extLst>
+                </a:gridCol>
+                <a:gridCol w="1319266">
+                  <a:extLst>
+                    <a:ext uri="{9D8B030D-6E8A-4147-A177-3AD203B41FA5}">
+                      <a16:colId xmlns:a16="http://schemas.microsoft.com/office/drawing/2014/main" val="4009243965"/>
+                    </a:ext>
+                  </a:extLst>
+                </a:gridCol>
+              </a:tblGrid>
+              <a:tr h="187993">
+                <a:tc>
+                  <a:txBody>
+                    <a:bodyPr/>
+                    <a:lstStyle/>
+                    <a:p>
+                      <a:pPr algn="ctr" fontAlgn="ctr"/>
+                      <a:r>
+                        <a:rPr lang="es-AR" sz="800" b="1" u="none" strike="noStrike" dirty="0" err="1">
+                          <a:effectLst/>
+                        </a:rPr>
+                        <a:t>N°</a:t>
+                      </a:r>
+                      <a:r>
+                        <a:rPr lang="es-AR" sz="800" b="1" u="none" strike="noStrike" dirty="0">
+                          <a:effectLst/>
+                        </a:rPr>
+                        <a:t> de Componente</a:t>
+                      </a:r>
+                      <a:endParaRPr lang="es-AR" sz="800" b="1" i="0" u="none" strike="noStrike" dirty="0">
+                        <a:solidFill>
+                          <a:srgbClr val="000000"/>
+                        </a:solidFill>
+                        <a:effectLst/>
+                        <a:latin typeface="Calibri" panose="020F0502020204030204" pitchFamily="34" charset="0"/>
+                      </a:endParaRPr>
+                    </a:p>
+                  </a:txBody>
+                  <a:tcPr marL="9525" marR="9525" marT="9525" marB="0" anchor="ctr">
+                    <a:lnL w="12700" cap="flat" cmpd="sng" algn="ctr">
+                      <a:solidFill>
+                        <a:schemeClr val="tx1">
+                          <a:lumMod val="85000"/>
+                        </a:schemeClr>
+                      </a:solidFill>
+                      <a:prstDash val="sysDash"/>
+                      <a:round/>
+                      <a:headEnd type="none" w="med" len="med"/>
+                      <a:tailEnd type="none" w="med" len="med"/>
+                    </a:lnL>
+                    <a:lnR w="12700" cap="flat" cmpd="sng" algn="ctr">
+                      <a:solidFill>
+                        <a:schemeClr val="tx1">
+                          <a:lumMod val="85000"/>
+                        </a:schemeClr>
+                      </a:solidFill>
+                      <a:prstDash val="sysDash"/>
+                      <a:round/>
+                      <a:headEnd type="none" w="med" len="med"/>
+                      <a:tailEnd type="none" w="med" len="med"/>
+                    </a:lnR>
+                    <a:lnT w="12700" cap="flat" cmpd="sng" algn="ctr">
+                      <a:solidFill>
+                        <a:schemeClr val="tx1">
+                          <a:lumMod val="85000"/>
+                        </a:schemeClr>
+                      </a:solidFill>
+                      <a:prstDash val="sysDash"/>
+                      <a:round/>
+                      <a:headEnd type="none" w="med" len="med"/>
+                      <a:tailEnd type="none" w="med" len="med"/>
+                    </a:lnT>
+                    <a:lnB w="12700" cap="flat" cmpd="sng" algn="ctr">
+                      <a:solidFill>
+                        <a:schemeClr val="tx1">
+                          <a:lumMod val="85000"/>
+                        </a:schemeClr>
+                      </a:solidFill>
+                      <a:prstDash val="sysDash"/>
+                      <a:round/>
+                      <a:headEnd type="none" w="med" len="med"/>
+                      <a:tailEnd type="none" w="med" len="med"/>
+                    </a:lnB>
+                    <a:solidFill>
+                      <a:srgbClr val="31A4E2">
+                        <a:alpha val="60000"/>
+                      </a:srgbClr>
+                    </a:solidFill>
+                  </a:tcPr>
+                </a:tc>
+                <a:tc>
+                  <a:txBody>
+                    <a:bodyPr/>
+                    <a:lstStyle/>
+                    <a:p>
+                      <a:pPr algn="ctr" fontAlgn="t"/>
+                      <a:r>
+                        <a:rPr lang="es-AR" sz="800" b="1" u="none" strike="noStrike" dirty="0">
+                          <a:effectLst/>
+                        </a:rPr>
+                        <a:t>Varianza</a:t>
+                      </a:r>
+                      <a:endParaRPr lang="es-AR" sz="800" b="1" i="0" u="none" strike="noStrike" dirty="0">
+                        <a:solidFill>
+                          <a:srgbClr val="000000"/>
+                        </a:solidFill>
+                        <a:effectLst/>
+                        <a:latin typeface="Calibri" panose="020F0502020204030204" pitchFamily="34" charset="0"/>
+                      </a:endParaRPr>
+                    </a:p>
+                  </a:txBody>
+                  <a:tcPr marL="9525" marR="9525" marT="9525" marB="0" anchor="ctr">
+                    <a:lnL w="12700" cap="flat" cmpd="sng" algn="ctr">
+                      <a:solidFill>
+                        <a:schemeClr val="tx1">
+                          <a:lumMod val="85000"/>
+                        </a:schemeClr>
+                      </a:solidFill>
+                      <a:prstDash val="sysDash"/>
+                      <a:round/>
+                      <a:headEnd type="none" w="med" len="med"/>
+                      <a:tailEnd type="none" w="med" len="med"/>
+                    </a:lnL>
+                    <a:lnR w="12700" cap="flat" cmpd="sng" algn="ctr">
+                      <a:solidFill>
+                        <a:schemeClr val="tx1">
+                          <a:lumMod val="85000"/>
+                        </a:schemeClr>
+                      </a:solidFill>
+                      <a:prstDash val="sysDash"/>
+                      <a:round/>
+                      <a:headEnd type="none" w="med" len="med"/>
+                      <a:tailEnd type="none" w="med" len="med"/>
+                    </a:lnR>
+                    <a:lnT w="12700" cap="flat" cmpd="sng" algn="ctr">
+                      <a:solidFill>
+                        <a:schemeClr val="tx1">
+                          <a:lumMod val="85000"/>
+                        </a:schemeClr>
+                      </a:solidFill>
+                      <a:prstDash val="sysDash"/>
+                      <a:round/>
+                      <a:headEnd type="none" w="med" len="med"/>
+                      <a:tailEnd type="none" w="med" len="med"/>
+                    </a:lnT>
+                    <a:lnB w="12700" cap="flat" cmpd="sng" algn="ctr">
+                      <a:solidFill>
+                        <a:schemeClr val="tx1">
+                          <a:lumMod val="85000"/>
+                        </a:schemeClr>
+                      </a:solidFill>
+                      <a:prstDash val="sysDash"/>
+                      <a:round/>
+                      <a:headEnd type="none" w="med" len="med"/>
+                      <a:tailEnd type="none" w="med" len="med"/>
+                    </a:lnB>
+                    <a:solidFill>
+                      <a:srgbClr val="31A4E2">
+                        <a:alpha val="60000"/>
+                      </a:srgbClr>
+                    </a:solidFill>
+                  </a:tcPr>
+                </a:tc>
+                <a:tc>
+                  <a:txBody>
+                    <a:bodyPr/>
+                    <a:lstStyle/>
+                    <a:p>
+                      <a:pPr algn="ctr" fontAlgn="t"/>
+                      <a:r>
+                        <a:rPr lang="es-AR" sz="800" b="1" u="none" strike="noStrike" dirty="0">
+                          <a:effectLst/>
+                        </a:rPr>
+                        <a:t>Desviación Estándar</a:t>
+                      </a:r>
+                      <a:endParaRPr lang="es-AR" sz="800" b="1" i="0" u="none" strike="noStrike" dirty="0">
+                        <a:solidFill>
+                          <a:srgbClr val="000000"/>
+                        </a:solidFill>
+                        <a:effectLst/>
+                        <a:latin typeface="Calibri" panose="020F0502020204030204" pitchFamily="34" charset="0"/>
+                      </a:endParaRPr>
+                    </a:p>
+                  </a:txBody>
+                  <a:tcPr marL="9525" marR="9525" marT="9525" marB="0" anchor="ctr">
+                    <a:lnL w="12700" cap="flat" cmpd="sng" algn="ctr">
+                      <a:solidFill>
+                        <a:schemeClr val="tx1">
+                          <a:lumMod val="85000"/>
+                        </a:schemeClr>
+                      </a:solidFill>
+                      <a:prstDash val="sysDash"/>
+                      <a:round/>
+                      <a:headEnd type="none" w="med" len="med"/>
+                      <a:tailEnd type="none" w="med" len="med"/>
+                    </a:lnL>
+                    <a:lnR w="12700" cap="flat" cmpd="sng" algn="ctr">
+                      <a:solidFill>
+                        <a:schemeClr val="tx1">
+                          <a:lumMod val="85000"/>
+                        </a:schemeClr>
+                      </a:solidFill>
+                      <a:prstDash val="sysDash"/>
+                      <a:round/>
+                      <a:headEnd type="none" w="med" len="med"/>
+                      <a:tailEnd type="none" w="med" len="med"/>
+                    </a:lnR>
+                    <a:lnT w="12700" cap="flat" cmpd="sng" algn="ctr">
+                      <a:solidFill>
+                        <a:schemeClr val="tx1">
+                          <a:lumMod val="85000"/>
+                        </a:schemeClr>
+                      </a:solidFill>
+                      <a:prstDash val="sysDash"/>
+                      <a:round/>
+                      <a:headEnd type="none" w="med" len="med"/>
+                      <a:tailEnd type="none" w="med" len="med"/>
+                    </a:lnT>
+                    <a:lnB w="12700" cap="flat" cmpd="sng" algn="ctr">
+                      <a:solidFill>
+                        <a:schemeClr val="tx1">
+                          <a:lumMod val="85000"/>
+                        </a:schemeClr>
+                      </a:solidFill>
+                      <a:prstDash val="sysDash"/>
+                      <a:round/>
+                      <a:headEnd type="none" w="med" len="med"/>
+                      <a:tailEnd type="none" w="med" len="med"/>
+                    </a:lnB>
+                    <a:solidFill>
+                      <a:srgbClr val="31A4E2">
+                        <a:alpha val="60000"/>
+                      </a:srgbClr>
+                    </a:solidFill>
+                  </a:tcPr>
+                </a:tc>
+                <a:tc>
+                  <a:txBody>
+                    <a:bodyPr/>
+                    <a:lstStyle/>
+                    <a:p>
+                      <a:pPr algn="ctr" fontAlgn="t"/>
+                      <a:r>
+                        <a:rPr lang="es-AR" sz="800" b="1" u="none" strike="noStrike" dirty="0">
+                          <a:effectLst/>
+                        </a:rPr>
+                        <a:t>Varianza Explicada</a:t>
+                      </a:r>
+                      <a:endParaRPr lang="es-AR" sz="800" b="1" i="0" u="none" strike="noStrike" dirty="0">
+                        <a:solidFill>
+                          <a:srgbClr val="000000"/>
+                        </a:solidFill>
+                        <a:effectLst/>
+                        <a:latin typeface="Calibri" panose="020F0502020204030204" pitchFamily="34" charset="0"/>
+                      </a:endParaRPr>
+                    </a:p>
+                  </a:txBody>
+                  <a:tcPr marL="9525" marR="9525" marT="9525" marB="0" anchor="ctr">
+                    <a:lnL w="12700" cap="flat" cmpd="sng" algn="ctr">
+                      <a:solidFill>
+                        <a:schemeClr val="tx1">
+                          <a:lumMod val="85000"/>
+                        </a:schemeClr>
+                      </a:solidFill>
+                      <a:prstDash val="sysDash"/>
+                      <a:round/>
+                      <a:headEnd type="none" w="med" len="med"/>
+                      <a:tailEnd type="none" w="med" len="med"/>
+                    </a:lnL>
+                    <a:lnR w="12700" cap="flat" cmpd="sng" algn="ctr">
+                      <a:solidFill>
+                        <a:schemeClr val="tx1">
+                          <a:lumMod val="85000"/>
+                        </a:schemeClr>
+                      </a:solidFill>
+                      <a:prstDash val="sysDash"/>
+                      <a:round/>
+                      <a:headEnd type="none" w="med" len="med"/>
+                      <a:tailEnd type="none" w="med" len="med"/>
+                    </a:lnR>
+                    <a:lnT w="12700" cap="flat" cmpd="sng" algn="ctr">
+                      <a:solidFill>
+                        <a:schemeClr val="tx1">
+                          <a:lumMod val="85000"/>
+                        </a:schemeClr>
+                      </a:solidFill>
+                      <a:prstDash val="sysDash"/>
+                      <a:round/>
+                      <a:headEnd type="none" w="med" len="med"/>
+                      <a:tailEnd type="none" w="med" len="med"/>
+                    </a:lnT>
+                    <a:lnB w="12700" cap="flat" cmpd="sng" algn="ctr">
+                      <a:solidFill>
+                        <a:schemeClr val="tx1">
+                          <a:lumMod val="85000"/>
+                        </a:schemeClr>
+                      </a:solidFill>
+                      <a:prstDash val="sysDash"/>
+                      <a:round/>
+                      <a:headEnd type="none" w="med" len="med"/>
+                      <a:tailEnd type="none" w="med" len="med"/>
+                    </a:lnB>
+                    <a:solidFill>
+                      <a:srgbClr val="31A4E2">
+                        <a:alpha val="60000"/>
+                      </a:srgbClr>
+                    </a:solidFill>
+                  </a:tcPr>
+                </a:tc>
+                <a:tc>
+                  <a:txBody>
+                    <a:bodyPr/>
+                    <a:lstStyle/>
+                    <a:p>
+                      <a:pPr algn="ctr" fontAlgn="t"/>
+                      <a:r>
+                        <a:rPr lang="es-AR" sz="800" b="1" u="none" strike="noStrike" dirty="0">
+                          <a:effectLst/>
+                        </a:rPr>
+                        <a:t>Varianza </a:t>
+                      </a:r>
+                      <a:r>
+                        <a:rPr lang="es-AR" sz="800" b="1" u="none" strike="noStrike" dirty="0" err="1">
+                          <a:effectLst/>
+                        </a:rPr>
+                        <a:t>Exp</a:t>
+                      </a:r>
+                      <a:r>
+                        <a:rPr lang="es-AR" sz="800" b="1" u="none" strike="noStrike" dirty="0">
+                          <a:effectLst/>
+                        </a:rPr>
+                        <a:t>. </a:t>
+                      </a:r>
+                      <a:r>
+                        <a:rPr lang="es-AR" sz="800" b="1" u="none" strike="noStrike" dirty="0" err="1">
+                          <a:effectLst/>
+                        </a:rPr>
+                        <a:t>Acum</a:t>
+                      </a:r>
+                      <a:r>
+                        <a:rPr lang="es-AR" sz="800" b="1" u="none" strike="noStrike" dirty="0">
+                          <a:effectLst/>
+                        </a:rPr>
+                        <a:t>.</a:t>
+                      </a:r>
+                      <a:endParaRPr lang="es-AR" sz="800" b="1" i="0" u="none" strike="noStrike" dirty="0">
+                        <a:solidFill>
+                          <a:srgbClr val="000000"/>
+                        </a:solidFill>
+                        <a:effectLst/>
+                        <a:latin typeface="Calibri" panose="020F0502020204030204" pitchFamily="34" charset="0"/>
+                      </a:endParaRPr>
+                    </a:p>
+                  </a:txBody>
+                  <a:tcPr marL="9525" marR="9525" marT="9525" marB="0" anchor="ctr">
+                    <a:lnL w="12700" cap="flat" cmpd="sng" algn="ctr">
+                      <a:solidFill>
+                        <a:schemeClr val="tx1">
+                          <a:lumMod val="85000"/>
+                        </a:schemeClr>
+                      </a:solidFill>
+                      <a:prstDash val="sysDash"/>
+                      <a:round/>
+                      <a:headEnd type="none" w="med" len="med"/>
+                      <a:tailEnd type="none" w="med" len="med"/>
+                    </a:lnL>
+                    <a:lnR w="12700" cap="flat" cmpd="sng" algn="ctr">
+                      <a:solidFill>
+                        <a:schemeClr val="tx1">
+                          <a:lumMod val="85000"/>
+                        </a:schemeClr>
+                      </a:solidFill>
+                      <a:prstDash val="sysDash"/>
+                      <a:round/>
+                      <a:headEnd type="none" w="med" len="med"/>
+                      <a:tailEnd type="none" w="med" len="med"/>
+                    </a:lnR>
+                    <a:lnT w="12700" cap="flat" cmpd="sng" algn="ctr">
+                      <a:solidFill>
+                        <a:schemeClr val="tx1">
+                          <a:lumMod val="85000"/>
+                        </a:schemeClr>
+                      </a:solidFill>
+                      <a:prstDash val="sysDash"/>
+                      <a:round/>
+                      <a:headEnd type="none" w="med" len="med"/>
+                      <a:tailEnd type="none" w="med" len="med"/>
+                    </a:lnT>
+                    <a:lnB w="12700" cap="flat" cmpd="sng" algn="ctr">
+                      <a:solidFill>
+                        <a:schemeClr val="tx1">
+                          <a:lumMod val="85000"/>
+                        </a:schemeClr>
+                      </a:solidFill>
+                      <a:prstDash val="sysDash"/>
+                      <a:round/>
+                      <a:headEnd type="none" w="med" len="med"/>
+                      <a:tailEnd type="none" w="med" len="med"/>
+                    </a:lnB>
+                    <a:solidFill>
+                      <a:srgbClr val="31A4E2">
+                        <a:alpha val="60000"/>
+                      </a:srgbClr>
+                    </a:solidFill>
+                  </a:tcPr>
+                </a:tc>
+                <a:extLst>
+                  <a:ext uri="{0D108BD9-81ED-4DB2-BD59-A6C34878D82A}">
+                    <a16:rowId xmlns:a16="http://schemas.microsoft.com/office/drawing/2014/main" val="3492302632"/>
+                  </a:ext>
+                </a:extLst>
+              </a:tr>
+              <a:tr h="126170">
+                <a:tc>
+                  <a:txBody>
+                    <a:bodyPr/>
+                    <a:lstStyle/>
+                    <a:p>
+                      <a:pPr algn="l" fontAlgn="b"/>
+                      <a:r>
+                        <a:rPr lang="es-AR" sz="800" b="1" u="none" strike="noStrike" dirty="0">
+                          <a:effectLst/>
+                        </a:rPr>
+                        <a:t>Componente 1</a:t>
+                      </a:r>
+                      <a:endParaRPr lang="es-AR" sz="800" b="1" i="0" u="none" strike="noStrike" dirty="0">
+                        <a:solidFill>
+                          <a:srgbClr val="000000"/>
+                        </a:solidFill>
+                        <a:effectLst/>
+                        <a:latin typeface="Calibri" panose="020F0502020204030204" pitchFamily="34" charset="0"/>
+                      </a:endParaRPr>
+                    </a:p>
+                  </a:txBody>
+                  <a:tcPr marL="9525" marR="9525" marT="9525" marB="0" anchor="ctr">
+                    <a:lnL w="12700" cap="flat" cmpd="sng" algn="ctr">
+                      <a:solidFill>
+                        <a:schemeClr val="tx1">
+                          <a:lumMod val="85000"/>
+                        </a:schemeClr>
+                      </a:solidFill>
+                      <a:prstDash val="sysDash"/>
+                      <a:round/>
+                      <a:headEnd type="none" w="med" len="med"/>
+                      <a:tailEnd type="none" w="med" len="med"/>
+                    </a:lnL>
+                    <a:lnR w="12700" cap="flat" cmpd="sng" algn="ctr">
+                      <a:solidFill>
+                        <a:schemeClr val="tx1">
+                          <a:lumMod val="85000"/>
+                        </a:schemeClr>
+                      </a:solidFill>
+                      <a:prstDash val="sysDash"/>
+                      <a:round/>
+                      <a:headEnd type="none" w="med" len="med"/>
+                      <a:tailEnd type="none" w="med" len="med"/>
+                    </a:lnR>
+                    <a:lnT w="12700" cap="flat" cmpd="sng" algn="ctr">
+                      <a:solidFill>
+                        <a:schemeClr val="tx1">
+                          <a:lumMod val="85000"/>
+                        </a:schemeClr>
+                      </a:solidFill>
+                      <a:prstDash val="sysDash"/>
+                      <a:round/>
+                      <a:headEnd type="none" w="med" len="med"/>
+                      <a:tailEnd type="none" w="med" len="med"/>
+                    </a:lnT>
+                    <a:lnB w="12700" cap="flat" cmpd="sng" algn="ctr">
+                      <a:solidFill>
+                        <a:schemeClr val="tx1">
+                          <a:lumMod val="85000"/>
+                        </a:schemeClr>
+                      </a:solidFill>
+                      <a:prstDash val="sysDash"/>
+                      <a:round/>
+                      <a:headEnd type="none" w="med" len="med"/>
+                      <a:tailEnd type="none" w="med" len="med"/>
+                    </a:lnB>
+                    <a:solidFill>
+                      <a:srgbClr val="31A4E2">
+                        <a:alpha val="60000"/>
+                      </a:srgbClr>
+                    </a:solidFill>
+                  </a:tcPr>
+                </a:tc>
+                <a:tc>
+                  <a:txBody>
+                    <a:bodyPr/>
+                    <a:lstStyle/>
+                    <a:p>
+                      <a:pPr algn="ctr" fontAlgn="ctr"/>
+                      <a:r>
+                        <a:rPr lang="es-AR" sz="900" u="none" strike="noStrike" dirty="0">
+                          <a:effectLst/>
+                        </a:rPr>
+                        <a:t>2,23</a:t>
+                      </a:r>
+                      <a:endParaRPr lang="es-AR" sz="900" b="0" i="0" u="none" strike="noStrike" dirty="0">
+                        <a:solidFill>
+                          <a:srgbClr val="000000"/>
+                        </a:solidFill>
+                        <a:effectLst/>
+                        <a:latin typeface="Calibri" panose="020F0502020204030204" pitchFamily="34" charset="0"/>
+                      </a:endParaRPr>
+                    </a:p>
+                  </a:txBody>
+                  <a:tcPr marL="9525" marR="9525" marT="9525" marB="0" anchor="ctr">
+                    <a:lnL w="12700" cap="flat" cmpd="sng" algn="ctr">
+                      <a:solidFill>
+                        <a:schemeClr val="tx1">
+                          <a:lumMod val="85000"/>
+                        </a:schemeClr>
+                      </a:solidFill>
+                      <a:prstDash val="sysDash"/>
+                      <a:round/>
+                      <a:headEnd type="none" w="med" len="med"/>
+                      <a:tailEnd type="none" w="med" len="med"/>
+                    </a:lnL>
+                    <a:lnR w="12700" cap="flat" cmpd="sng" algn="ctr">
+                      <a:solidFill>
+                        <a:schemeClr val="tx1">
+                          <a:lumMod val="85000"/>
+                        </a:schemeClr>
+                      </a:solidFill>
+                      <a:prstDash val="sysDash"/>
+                      <a:round/>
+                      <a:headEnd type="none" w="med" len="med"/>
+                      <a:tailEnd type="none" w="med" len="med"/>
+                    </a:lnR>
+                    <a:lnT w="12700" cap="flat" cmpd="sng" algn="ctr">
+                      <a:solidFill>
+                        <a:schemeClr val="tx1">
+                          <a:lumMod val="85000"/>
+                        </a:schemeClr>
+                      </a:solidFill>
+                      <a:prstDash val="sysDash"/>
+                      <a:round/>
+                      <a:headEnd type="none" w="med" len="med"/>
+                      <a:tailEnd type="none" w="med" len="med"/>
+                    </a:lnT>
+                    <a:lnB w="12700" cap="flat" cmpd="sng" algn="ctr">
+                      <a:solidFill>
+                        <a:schemeClr val="tx1">
+                          <a:lumMod val="85000"/>
+                        </a:schemeClr>
+                      </a:solidFill>
+                      <a:prstDash val="sysDash"/>
+                      <a:round/>
+                      <a:headEnd type="none" w="med" len="med"/>
+                      <a:tailEnd type="none" w="med" len="med"/>
+                    </a:lnB>
+                    <a:noFill/>
+                  </a:tcPr>
+                </a:tc>
+                <a:tc>
+                  <a:txBody>
+                    <a:bodyPr/>
+                    <a:lstStyle/>
+                    <a:p>
+                      <a:pPr algn="ctr" fontAlgn="ctr"/>
+                      <a:r>
+                        <a:rPr lang="es-AR" sz="900" u="none" strike="noStrike">
+                          <a:effectLst/>
+                        </a:rPr>
+                        <a:t>1,49</a:t>
+                      </a:r>
+                      <a:endParaRPr lang="es-AR" sz="900" b="0" i="0" u="none" strike="noStrike">
+                        <a:solidFill>
+                          <a:srgbClr val="000000"/>
+                        </a:solidFill>
+                        <a:effectLst/>
+                        <a:latin typeface="Calibri" panose="020F0502020204030204" pitchFamily="34" charset="0"/>
+                      </a:endParaRPr>
+                    </a:p>
+                  </a:txBody>
+                  <a:tcPr marL="9525" marR="9525" marT="9525" marB="0" anchor="ctr">
+                    <a:lnL w="12700" cap="flat" cmpd="sng" algn="ctr">
+                      <a:solidFill>
+                        <a:schemeClr val="tx1">
+                          <a:lumMod val="85000"/>
+                        </a:schemeClr>
+                      </a:solidFill>
+                      <a:prstDash val="sysDash"/>
+                      <a:round/>
+                      <a:headEnd type="none" w="med" len="med"/>
+                      <a:tailEnd type="none" w="med" len="med"/>
+                    </a:lnL>
+                    <a:lnR w="12700" cap="flat" cmpd="sng" algn="ctr">
+                      <a:solidFill>
+                        <a:schemeClr val="tx1">
+                          <a:lumMod val="85000"/>
+                        </a:schemeClr>
+                      </a:solidFill>
+                      <a:prstDash val="sysDash"/>
+                      <a:round/>
+                      <a:headEnd type="none" w="med" len="med"/>
+                      <a:tailEnd type="none" w="med" len="med"/>
+                    </a:lnR>
+                    <a:lnT w="12700" cap="flat" cmpd="sng" algn="ctr">
+                      <a:solidFill>
+                        <a:schemeClr val="tx1">
+                          <a:lumMod val="85000"/>
+                        </a:schemeClr>
+                      </a:solidFill>
+                      <a:prstDash val="sysDash"/>
+                      <a:round/>
+                      <a:headEnd type="none" w="med" len="med"/>
+                      <a:tailEnd type="none" w="med" len="med"/>
+                    </a:lnT>
+                    <a:lnB w="12700" cap="flat" cmpd="sng" algn="ctr">
+                      <a:solidFill>
+                        <a:schemeClr val="tx1">
+                          <a:lumMod val="85000"/>
+                        </a:schemeClr>
+                      </a:solidFill>
+                      <a:prstDash val="sysDash"/>
+                      <a:round/>
+                      <a:headEnd type="none" w="med" len="med"/>
+                      <a:tailEnd type="none" w="med" len="med"/>
+                    </a:lnB>
+                    <a:noFill/>
+                  </a:tcPr>
+                </a:tc>
+                <a:tc>
+                  <a:txBody>
+                    <a:bodyPr/>
+                    <a:lstStyle/>
+                    <a:p>
+                      <a:pPr algn="ctr" fontAlgn="ctr"/>
+                      <a:r>
+                        <a:rPr lang="es-AR" sz="900" u="none" strike="noStrike" dirty="0">
+                          <a:effectLst/>
+                        </a:rPr>
+                        <a:t>0,31</a:t>
+                      </a:r>
+                      <a:endParaRPr lang="es-AR" sz="900" b="0" i="0" u="none" strike="noStrike" dirty="0">
+                        <a:solidFill>
+                          <a:srgbClr val="000000"/>
+                        </a:solidFill>
+                        <a:effectLst/>
+                        <a:latin typeface="Calibri" panose="020F0502020204030204" pitchFamily="34" charset="0"/>
+                      </a:endParaRPr>
+                    </a:p>
+                  </a:txBody>
+                  <a:tcPr marL="9525" marR="9525" marT="9525" marB="0" anchor="ctr">
+                    <a:lnL w="12700" cap="flat" cmpd="sng" algn="ctr">
+                      <a:solidFill>
+                        <a:schemeClr val="tx1">
+                          <a:lumMod val="85000"/>
+                        </a:schemeClr>
+                      </a:solidFill>
+                      <a:prstDash val="sysDash"/>
+                      <a:round/>
+                      <a:headEnd type="none" w="med" len="med"/>
+                      <a:tailEnd type="none" w="med" len="med"/>
+                    </a:lnL>
+                    <a:lnR w="12700" cap="flat" cmpd="sng" algn="ctr">
+                      <a:solidFill>
+                        <a:schemeClr val="tx1">
+                          <a:lumMod val="85000"/>
+                        </a:schemeClr>
+                      </a:solidFill>
+                      <a:prstDash val="sysDash"/>
+                      <a:round/>
+                      <a:headEnd type="none" w="med" len="med"/>
+                      <a:tailEnd type="none" w="med" len="med"/>
+                    </a:lnR>
+                    <a:lnT w="12700" cap="flat" cmpd="sng" algn="ctr">
+                      <a:solidFill>
+                        <a:schemeClr val="tx1">
+                          <a:lumMod val="85000"/>
+                        </a:schemeClr>
+                      </a:solidFill>
+                      <a:prstDash val="sysDash"/>
+                      <a:round/>
+                      <a:headEnd type="none" w="med" len="med"/>
+                      <a:tailEnd type="none" w="med" len="med"/>
+                    </a:lnT>
+                    <a:lnB w="12700" cap="flat" cmpd="sng" algn="ctr">
+                      <a:solidFill>
+                        <a:schemeClr val="tx1">
+                          <a:lumMod val="85000"/>
+                        </a:schemeClr>
+                      </a:solidFill>
+                      <a:prstDash val="sysDash"/>
+                      <a:round/>
+                      <a:headEnd type="none" w="med" len="med"/>
+                      <a:tailEnd type="none" w="med" len="med"/>
+                    </a:lnB>
+                    <a:noFill/>
+                  </a:tcPr>
+                </a:tc>
+                <a:tc>
+                  <a:txBody>
+                    <a:bodyPr/>
+                    <a:lstStyle/>
+                    <a:p>
+                      <a:pPr algn="ctr" fontAlgn="ctr"/>
+                      <a:r>
+                        <a:rPr lang="es-AR" sz="900" u="none" strike="noStrike" dirty="0">
+                          <a:effectLst/>
+                        </a:rPr>
+                        <a:t>0,31</a:t>
+                      </a:r>
+                      <a:endParaRPr lang="es-AR" sz="900" b="0" i="0" u="none" strike="noStrike" dirty="0">
+                        <a:solidFill>
+                          <a:srgbClr val="000000"/>
+                        </a:solidFill>
+                        <a:effectLst/>
+                        <a:latin typeface="Calibri" panose="020F0502020204030204" pitchFamily="34" charset="0"/>
+                      </a:endParaRPr>
+                    </a:p>
+                  </a:txBody>
+                  <a:tcPr marL="9525" marR="9525" marT="9525" marB="0" anchor="ctr">
+                    <a:lnL w="12700" cap="flat" cmpd="sng" algn="ctr">
+                      <a:solidFill>
+                        <a:schemeClr val="tx1">
+                          <a:lumMod val="85000"/>
+                        </a:schemeClr>
+                      </a:solidFill>
+                      <a:prstDash val="sysDash"/>
+                      <a:round/>
+                      <a:headEnd type="none" w="med" len="med"/>
+                      <a:tailEnd type="none" w="med" len="med"/>
+                    </a:lnL>
+                    <a:lnR w="12700" cap="flat" cmpd="sng" algn="ctr">
+                      <a:solidFill>
+                        <a:schemeClr val="tx1">
+                          <a:lumMod val="85000"/>
+                        </a:schemeClr>
+                      </a:solidFill>
+                      <a:prstDash val="sysDash"/>
+                      <a:round/>
+                      <a:headEnd type="none" w="med" len="med"/>
+                      <a:tailEnd type="none" w="med" len="med"/>
+                    </a:lnR>
+                    <a:lnT w="12700" cap="flat" cmpd="sng" algn="ctr">
+                      <a:solidFill>
+                        <a:schemeClr val="tx1">
+                          <a:lumMod val="85000"/>
+                        </a:schemeClr>
+                      </a:solidFill>
+                      <a:prstDash val="sysDash"/>
+                      <a:round/>
+                      <a:headEnd type="none" w="med" len="med"/>
+                      <a:tailEnd type="none" w="med" len="med"/>
+                    </a:lnT>
+                    <a:lnB w="12700" cap="flat" cmpd="sng" algn="ctr">
+                      <a:solidFill>
+                        <a:schemeClr val="tx1">
+                          <a:lumMod val="85000"/>
+                        </a:schemeClr>
+                      </a:solidFill>
+                      <a:prstDash val="sysDash"/>
+                      <a:round/>
+                      <a:headEnd type="none" w="med" len="med"/>
+                      <a:tailEnd type="none" w="med" len="med"/>
+                    </a:lnB>
+                    <a:noFill/>
+                  </a:tcPr>
+                </a:tc>
+                <a:extLst>
+                  <a:ext uri="{0D108BD9-81ED-4DB2-BD59-A6C34878D82A}">
+                    <a16:rowId xmlns:a16="http://schemas.microsoft.com/office/drawing/2014/main" val="836014734"/>
+                  </a:ext>
+                </a:extLst>
+              </a:tr>
+              <a:tr h="126170">
+                <a:tc>
+                  <a:txBody>
+                    <a:bodyPr/>
+                    <a:lstStyle/>
+                    <a:p>
+                      <a:pPr algn="l" fontAlgn="b"/>
+                      <a:r>
+                        <a:rPr lang="es-AR" sz="800" b="1" u="none" strike="noStrike" dirty="0">
+                          <a:effectLst/>
+                        </a:rPr>
+                        <a:t>Componente 2</a:t>
+                      </a:r>
+                      <a:endParaRPr lang="es-AR" sz="800" b="1" i="0" u="none" strike="noStrike" dirty="0">
+                        <a:solidFill>
+                          <a:srgbClr val="000000"/>
+                        </a:solidFill>
+                        <a:effectLst/>
+                        <a:latin typeface="Calibri" panose="020F0502020204030204" pitchFamily="34" charset="0"/>
+                      </a:endParaRPr>
+                    </a:p>
+                  </a:txBody>
+                  <a:tcPr marL="9525" marR="9525" marT="9525" marB="0" anchor="ctr">
+                    <a:lnL w="12700" cap="flat" cmpd="sng" algn="ctr">
+                      <a:solidFill>
+                        <a:schemeClr val="tx1">
+                          <a:lumMod val="85000"/>
+                        </a:schemeClr>
+                      </a:solidFill>
+                      <a:prstDash val="sysDash"/>
+                      <a:round/>
+                      <a:headEnd type="none" w="med" len="med"/>
+                      <a:tailEnd type="none" w="med" len="med"/>
+                    </a:lnL>
+                    <a:lnR w="12700" cap="flat" cmpd="sng" algn="ctr">
+                      <a:solidFill>
+                        <a:schemeClr val="tx1">
+                          <a:lumMod val="85000"/>
+                        </a:schemeClr>
+                      </a:solidFill>
+                      <a:prstDash val="sysDash"/>
+                      <a:round/>
+                      <a:headEnd type="none" w="med" len="med"/>
+                      <a:tailEnd type="none" w="med" len="med"/>
+                    </a:lnR>
+                    <a:lnT w="12700" cap="flat" cmpd="sng" algn="ctr">
+                      <a:solidFill>
+                        <a:schemeClr val="tx1">
+                          <a:lumMod val="85000"/>
+                        </a:schemeClr>
+                      </a:solidFill>
+                      <a:prstDash val="sysDash"/>
+                      <a:round/>
+                      <a:headEnd type="none" w="med" len="med"/>
+                      <a:tailEnd type="none" w="med" len="med"/>
+                    </a:lnT>
+                    <a:lnB w="12700" cap="flat" cmpd="sng" algn="ctr">
+                      <a:solidFill>
+                        <a:schemeClr val="tx1">
+                          <a:lumMod val="85000"/>
+                        </a:schemeClr>
+                      </a:solidFill>
+                      <a:prstDash val="sysDash"/>
+                      <a:round/>
+                      <a:headEnd type="none" w="med" len="med"/>
+                      <a:tailEnd type="none" w="med" len="med"/>
+                    </a:lnB>
+                    <a:solidFill>
+                      <a:srgbClr val="31A4E2">
+                        <a:alpha val="60000"/>
+                      </a:srgbClr>
+                    </a:solidFill>
+                  </a:tcPr>
+                </a:tc>
+                <a:tc>
+                  <a:txBody>
+                    <a:bodyPr/>
+                    <a:lstStyle/>
+                    <a:p>
+                      <a:pPr algn="ctr" fontAlgn="ctr"/>
+                      <a:r>
+                        <a:rPr lang="es-AR" sz="900" u="none" strike="noStrike" dirty="0">
+                          <a:effectLst/>
+                        </a:rPr>
+                        <a:t>1,76</a:t>
+                      </a:r>
+                      <a:endParaRPr lang="es-AR" sz="900" b="0" i="0" u="none" strike="noStrike" dirty="0">
+                        <a:solidFill>
+                          <a:srgbClr val="000000"/>
+                        </a:solidFill>
+                        <a:effectLst/>
+                        <a:latin typeface="Calibri" panose="020F0502020204030204" pitchFamily="34" charset="0"/>
+                      </a:endParaRPr>
+                    </a:p>
+                  </a:txBody>
+                  <a:tcPr marL="9525" marR="9525" marT="9525" marB="0" anchor="ctr">
+                    <a:lnL w="12700" cap="flat" cmpd="sng" algn="ctr">
+                      <a:solidFill>
+                        <a:schemeClr val="tx1">
+                          <a:lumMod val="85000"/>
+                        </a:schemeClr>
+                      </a:solidFill>
+                      <a:prstDash val="sysDash"/>
+                      <a:round/>
+                      <a:headEnd type="none" w="med" len="med"/>
+                      <a:tailEnd type="none" w="med" len="med"/>
+                    </a:lnL>
+                    <a:lnR w="12700" cap="flat" cmpd="sng" algn="ctr">
+                      <a:solidFill>
+                        <a:schemeClr val="tx1">
+                          <a:lumMod val="85000"/>
+                        </a:schemeClr>
+                      </a:solidFill>
+                      <a:prstDash val="sysDash"/>
+                      <a:round/>
+                      <a:headEnd type="none" w="med" len="med"/>
+                      <a:tailEnd type="none" w="med" len="med"/>
+                    </a:lnR>
+                    <a:lnT w="12700" cap="flat" cmpd="sng" algn="ctr">
+                      <a:solidFill>
+                        <a:schemeClr val="tx1">
+                          <a:lumMod val="85000"/>
+                        </a:schemeClr>
+                      </a:solidFill>
+                      <a:prstDash val="sysDash"/>
+                      <a:round/>
+                      <a:headEnd type="none" w="med" len="med"/>
+                      <a:tailEnd type="none" w="med" len="med"/>
+                    </a:lnT>
+                    <a:lnB w="12700" cap="flat" cmpd="sng" algn="ctr">
+                      <a:solidFill>
+                        <a:schemeClr val="tx1">
+                          <a:lumMod val="85000"/>
+                        </a:schemeClr>
+                      </a:solidFill>
+                      <a:prstDash val="sysDash"/>
+                      <a:round/>
+                      <a:headEnd type="none" w="med" len="med"/>
+                      <a:tailEnd type="none" w="med" len="med"/>
+                    </a:lnB>
+                    <a:noFill/>
+                  </a:tcPr>
+                </a:tc>
+                <a:tc>
+                  <a:txBody>
+                    <a:bodyPr/>
+                    <a:lstStyle/>
+                    <a:p>
+                      <a:pPr algn="ctr" fontAlgn="ctr"/>
+                      <a:r>
+                        <a:rPr lang="es-AR" sz="900" u="none" strike="noStrike">
+                          <a:effectLst/>
+                        </a:rPr>
+                        <a:t>1,33</a:t>
+                      </a:r>
+                      <a:endParaRPr lang="es-AR" sz="900" b="0" i="0" u="none" strike="noStrike">
+                        <a:solidFill>
+                          <a:srgbClr val="000000"/>
+                        </a:solidFill>
+                        <a:effectLst/>
+                        <a:latin typeface="Calibri" panose="020F0502020204030204" pitchFamily="34" charset="0"/>
+                      </a:endParaRPr>
+                    </a:p>
+                  </a:txBody>
+                  <a:tcPr marL="9525" marR="9525" marT="9525" marB="0" anchor="ctr">
+                    <a:lnL w="12700" cap="flat" cmpd="sng" algn="ctr">
+                      <a:solidFill>
+                        <a:schemeClr val="tx1">
+                          <a:lumMod val="85000"/>
+                        </a:schemeClr>
+                      </a:solidFill>
+                      <a:prstDash val="sysDash"/>
+                      <a:round/>
+                      <a:headEnd type="none" w="med" len="med"/>
+                      <a:tailEnd type="none" w="med" len="med"/>
+                    </a:lnL>
+                    <a:lnR w="12700" cap="flat" cmpd="sng" algn="ctr">
+                      <a:solidFill>
+                        <a:schemeClr val="tx1">
+                          <a:lumMod val="85000"/>
+                        </a:schemeClr>
+                      </a:solidFill>
+                      <a:prstDash val="sysDash"/>
+                      <a:round/>
+                      <a:headEnd type="none" w="med" len="med"/>
+                      <a:tailEnd type="none" w="med" len="med"/>
+                    </a:lnR>
+                    <a:lnT w="12700" cap="flat" cmpd="sng" algn="ctr">
+                      <a:solidFill>
+                        <a:schemeClr val="tx1">
+                          <a:lumMod val="85000"/>
+                        </a:schemeClr>
+                      </a:solidFill>
+                      <a:prstDash val="sysDash"/>
+                      <a:round/>
+                      <a:headEnd type="none" w="med" len="med"/>
+                      <a:tailEnd type="none" w="med" len="med"/>
+                    </a:lnT>
+                    <a:lnB w="12700" cap="flat" cmpd="sng" algn="ctr">
+                      <a:solidFill>
+                        <a:schemeClr val="tx1">
+                          <a:lumMod val="85000"/>
+                        </a:schemeClr>
+                      </a:solidFill>
+                      <a:prstDash val="sysDash"/>
+                      <a:round/>
+                      <a:headEnd type="none" w="med" len="med"/>
+                      <a:tailEnd type="none" w="med" len="med"/>
+                    </a:lnB>
+                    <a:noFill/>
+                  </a:tcPr>
+                </a:tc>
+                <a:tc>
+                  <a:txBody>
+                    <a:bodyPr/>
+                    <a:lstStyle/>
+                    <a:p>
+                      <a:pPr algn="ctr" fontAlgn="ctr"/>
+                      <a:r>
+                        <a:rPr lang="es-AR" sz="900" u="none" strike="noStrike">
+                          <a:effectLst/>
+                        </a:rPr>
+                        <a:t>0,25</a:t>
+                      </a:r>
+                      <a:endParaRPr lang="es-AR" sz="900" b="0" i="0" u="none" strike="noStrike">
+                        <a:solidFill>
+                          <a:srgbClr val="000000"/>
+                        </a:solidFill>
+                        <a:effectLst/>
+                        <a:latin typeface="Calibri" panose="020F0502020204030204" pitchFamily="34" charset="0"/>
+                      </a:endParaRPr>
+                    </a:p>
+                  </a:txBody>
+                  <a:tcPr marL="9525" marR="9525" marT="9525" marB="0" anchor="ctr">
+                    <a:lnL w="12700" cap="flat" cmpd="sng" algn="ctr">
+                      <a:solidFill>
+                        <a:schemeClr val="tx1">
+                          <a:lumMod val="85000"/>
+                        </a:schemeClr>
+                      </a:solidFill>
+                      <a:prstDash val="sysDash"/>
+                      <a:round/>
+                      <a:headEnd type="none" w="med" len="med"/>
+                      <a:tailEnd type="none" w="med" len="med"/>
+                    </a:lnL>
+                    <a:lnR w="12700" cap="flat" cmpd="sng" algn="ctr">
+                      <a:solidFill>
+                        <a:schemeClr val="tx1">
+                          <a:lumMod val="85000"/>
+                        </a:schemeClr>
+                      </a:solidFill>
+                      <a:prstDash val="sysDash"/>
+                      <a:round/>
+                      <a:headEnd type="none" w="med" len="med"/>
+                      <a:tailEnd type="none" w="med" len="med"/>
+                    </a:lnR>
+                    <a:lnT w="12700" cap="flat" cmpd="sng" algn="ctr">
+                      <a:solidFill>
+                        <a:schemeClr val="tx1">
+                          <a:lumMod val="85000"/>
+                        </a:schemeClr>
+                      </a:solidFill>
+                      <a:prstDash val="sysDash"/>
+                      <a:round/>
+                      <a:headEnd type="none" w="med" len="med"/>
+                      <a:tailEnd type="none" w="med" len="med"/>
+                    </a:lnT>
+                    <a:lnB w="12700" cap="flat" cmpd="sng" algn="ctr">
+                      <a:solidFill>
+                        <a:schemeClr val="tx1">
+                          <a:lumMod val="85000"/>
+                        </a:schemeClr>
+                      </a:solidFill>
+                      <a:prstDash val="sysDash"/>
+                      <a:round/>
+                      <a:headEnd type="none" w="med" len="med"/>
+                      <a:tailEnd type="none" w="med" len="med"/>
+                    </a:lnB>
+                    <a:noFill/>
+                  </a:tcPr>
+                </a:tc>
+                <a:tc>
+                  <a:txBody>
+                    <a:bodyPr/>
+                    <a:lstStyle/>
+                    <a:p>
+                      <a:pPr algn="ctr" fontAlgn="ctr"/>
+                      <a:r>
+                        <a:rPr lang="es-AR" sz="900" u="none" strike="noStrike">
+                          <a:effectLst/>
+                        </a:rPr>
+                        <a:t>0,56</a:t>
+                      </a:r>
+                      <a:endParaRPr lang="es-AR" sz="900" b="0" i="0" u="none" strike="noStrike">
+                        <a:solidFill>
+                          <a:srgbClr val="000000"/>
+                        </a:solidFill>
+                        <a:effectLst/>
+                        <a:latin typeface="Calibri" panose="020F0502020204030204" pitchFamily="34" charset="0"/>
+                      </a:endParaRPr>
+                    </a:p>
+                  </a:txBody>
+                  <a:tcPr marL="9525" marR="9525" marT="9525" marB="0" anchor="ctr">
+                    <a:lnL w="12700" cap="flat" cmpd="sng" algn="ctr">
+                      <a:solidFill>
+                        <a:schemeClr val="tx1">
+                          <a:lumMod val="85000"/>
+                        </a:schemeClr>
+                      </a:solidFill>
+                      <a:prstDash val="sysDash"/>
+                      <a:round/>
+                      <a:headEnd type="none" w="med" len="med"/>
+                      <a:tailEnd type="none" w="med" len="med"/>
+                    </a:lnL>
+                    <a:lnR w="12700" cap="flat" cmpd="sng" algn="ctr">
+                      <a:solidFill>
+                        <a:schemeClr val="tx1">
+                          <a:lumMod val="85000"/>
+                        </a:schemeClr>
+                      </a:solidFill>
+                      <a:prstDash val="sysDash"/>
+                      <a:round/>
+                      <a:headEnd type="none" w="med" len="med"/>
+                      <a:tailEnd type="none" w="med" len="med"/>
+                    </a:lnR>
+                    <a:lnT w="12700" cap="flat" cmpd="sng" algn="ctr">
+                      <a:solidFill>
+                        <a:schemeClr val="tx1">
+                          <a:lumMod val="85000"/>
+                        </a:schemeClr>
+                      </a:solidFill>
+                      <a:prstDash val="sysDash"/>
+                      <a:round/>
+                      <a:headEnd type="none" w="med" len="med"/>
+                      <a:tailEnd type="none" w="med" len="med"/>
+                    </a:lnT>
+                    <a:lnB w="12700" cap="flat" cmpd="sng" algn="ctr">
+                      <a:solidFill>
+                        <a:schemeClr val="tx1">
+                          <a:lumMod val="85000"/>
+                        </a:schemeClr>
+                      </a:solidFill>
+                      <a:prstDash val="sysDash"/>
+                      <a:round/>
+                      <a:headEnd type="none" w="med" len="med"/>
+                      <a:tailEnd type="none" w="med" len="med"/>
+                    </a:lnB>
+                    <a:noFill/>
+                  </a:tcPr>
+                </a:tc>
+                <a:extLst>
+                  <a:ext uri="{0D108BD9-81ED-4DB2-BD59-A6C34878D82A}">
+                    <a16:rowId xmlns:a16="http://schemas.microsoft.com/office/drawing/2014/main" val="2157284213"/>
+                  </a:ext>
+                </a:extLst>
+              </a:tr>
+              <a:tr h="126170">
+                <a:tc>
+                  <a:txBody>
+                    <a:bodyPr/>
+                    <a:lstStyle/>
+                    <a:p>
+                      <a:pPr algn="l" fontAlgn="b"/>
+                      <a:r>
+                        <a:rPr lang="es-AR" sz="800" b="1" u="none" strike="noStrike" dirty="0">
+                          <a:effectLst/>
+                        </a:rPr>
+                        <a:t>Componente 3</a:t>
+                      </a:r>
+                      <a:endParaRPr lang="es-AR" sz="800" b="1" i="0" u="none" strike="noStrike" dirty="0">
+                        <a:solidFill>
+                          <a:srgbClr val="000000"/>
+                        </a:solidFill>
+                        <a:effectLst/>
+                        <a:latin typeface="Calibri" panose="020F0502020204030204" pitchFamily="34" charset="0"/>
+                      </a:endParaRPr>
+                    </a:p>
+                  </a:txBody>
+                  <a:tcPr marL="9525" marR="9525" marT="9525" marB="0" anchor="ctr">
+                    <a:lnL w="12700" cap="flat" cmpd="sng" algn="ctr">
+                      <a:solidFill>
+                        <a:schemeClr val="tx1">
+                          <a:lumMod val="85000"/>
+                        </a:schemeClr>
+                      </a:solidFill>
+                      <a:prstDash val="sysDash"/>
+                      <a:round/>
+                      <a:headEnd type="none" w="med" len="med"/>
+                      <a:tailEnd type="none" w="med" len="med"/>
+                    </a:lnL>
+                    <a:lnR w="12700" cap="flat" cmpd="sng" algn="ctr">
+                      <a:solidFill>
+                        <a:schemeClr val="tx1">
+                          <a:lumMod val="85000"/>
+                        </a:schemeClr>
+                      </a:solidFill>
+                      <a:prstDash val="sysDash"/>
+                      <a:round/>
+                      <a:headEnd type="none" w="med" len="med"/>
+                      <a:tailEnd type="none" w="med" len="med"/>
+                    </a:lnR>
+                    <a:lnT w="12700" cap="flat" cmpd="sng" algn="ctr">
+                      <a:solidFill>
+                        <a:schemeClr val="tx1">
+                          <a:lumMod val="85000"/>
+                        </a:schemeClr>
+                      </a:solidFill>
+                      <a:prstDash val="sysDash"/>
+                      <a:round/>
+                      <a:headEnd type="none" w="med" len="med"/>
+                      <a:tailEnd type="none" w="med" len="med"/>
+                    </a:lnT>
+                    <a:lnB w="12700" cap="flat" cmpd="sng" algn="ctr">
+                      <a:solidFill>
+                        <a:schemeClr val="tx1">
+                          <a:lumMod val="85000"/>
+                        </a:schemeClr>
+                      </a:solidFill>
+                      <a:prstDash val="sysDash"/>
+                      <a:round/>
+                      <a:headEnd type="none" w="med" len="med"/>
+                      <a:tailEnd type="none" w="med" len="med"/>
+                    </a:lnB>
+                    <a:solidFill>
+                      <a:srgbClr val="31A4E2">
+                        <a:alpha val="60000"/>
+                      </a:srgbClr>
+                    </a:solidFill>
+                  </a:tcPr>
+                </a:tc>
+                <a:tc>
+                  <a:txBody>
+                    <a:bodyPr/>
+                    <a:lstStyle/>
+                    <a:p>
+                      <a:pPr algn="ctr" fontAlgn="ctr"/>
+                      <a:r>
+                        <a:rPr lang="es-AR" sz="900" u="none" strike="noStrike" dirty="0">
+                          <a:effectLst/>
+                        </a:rPr>
+                        <a:t>1,37</a:t>
+                      </a:r>
+                      <a:endParaRPr lang="es-AR" sz="900" b="0" i="0" u="none" strike="noStrike" dirty="0">
+                        <a:solidFill>
+                          <a:srgbClr val="000000"/>
+                        </a:solidFill>
+                        <a:effectLst/>
+                        <a:latin typeface="Calibri" panose="020F0502020204030204" pitchFamily="34" charset="0"/>
+                      </a:endParaRPr>
+                    </a:p>
+                  </a:txBody>
+                  <a:tcPr marL="9525" marR="9525" marT="9525" marB="0" anchor="ctr">
+                    <a:lnL w="12700" cap="flat" cmpd="sng" algn="ctr">
+                      <a:solidFill>
+                        <a:schemeClr val="tx1">
+                          <a:lumMod val="85000"/>
+                        </a:schemeClr>
+                      </a:solidFill>
+                      <a:prstDash val="sysDash"/>
+                      <a:round/>
+                      <a:headEnd type="none" w="med" len="med"/>
+                      <a:tailEnd type="none" w="med" len="med"/>
+                    </a:lnL>
+                    <a:lnR w="12700" cap="flat" cmpd="sng" algn="ctr">
+                      <a:solidFill>
+                        <a:schemeClr val="tx1">
+                          <a:lumMod val="85000"/>
+                        </a:schemeClr>
+                      </a:solidFill>
+                      <a:prstDash val="sysDash"/>
+                      <a:round/>
+                      <a:headEnd type="none" w="med" len="med"/>
+                      <a:tailEnd type="none" w="med" len="med"/>
+                    </a:lnR>
+                    <a:lnT w="12700" cap="flat" cmpd="sng" algn="ctr">
+                      <a:solidFill>
+                        <a:schemeClr val="tx1">
+                          <a:lumMod val="85000"/>
+                        </a:schemeClr>
+                      </a:solidFill>
+                      <a:prstDash val="sysDash"/>
+                      <a:round/>
+                      <a:headEnd type="none" w="med" len="med"/>
+                      <a:tailEnd type="none" w="med" len="med"/>
+                    </a:lnT>
+                    <a:lnB w="12700" cap="flat" cmpd="sng" algn="ctr">
+                      <a:solidFill>
+                        <a:schemeClr val="tx1">
+                          <a:lumMod val="85000"/>
+                        </a:schemeClr>
+                      </a:solidFill>
+                      <a:prstDash val="sysDash"/>
+                      <a:round/>
+                      <a:headEnd type="none" w="med" len="med"/>
+                      <a:tailEnd type="none" w="med" len="med"/>
+                    </a:lnB>
+                    <a:noFill/>
+                  </a:tcPr>
+                </a:tc>
+                <a:tc>
+                  <a:txBody>
+                    <a:bodyPr/>
+                    <a:lstStyle/>
+                    <a:p>
+                      <a:pPr algn="ctr" fontAlgn="ctr"/>
+                      <a:r>
+                        <a:rPr lang="es-AR" sz="900" u="none" strike="noStrike" dirty="0">
+                          <a:effectLst/>
+                        </a:rPr>
+                        <a:t>1,17</a:t>
+                      </a:r>
+                      <a:endParaRPr lang="es-AR" sz="900" b="0" i="0" u="none" strike="noStrike" dirty="0">
+                        <a:solidFill>
+                          <a:srgbClr val="000000"/>
+                        </a:solidFill>
+                        <a:effectLst/>
+                        <a:latin typeface="Calibri" panose="020F0502020204030204" pitchFamily="34" charset="0"/>
+                      </a:endParaRPr>
+                    </a:p>
+                  </a:txBody>
+                  <a:tcPr marL="9525" marR="9525" marT="9525" marB="0" anchor="ctr">
+                    <a:lnL w="12700" cap="flat" cmpd="sng" algn="ctr">
+                      <a:solidFill>
+                        <a:schemeClr val="tx1">
+                          <a:lumMod val="85000"/>
+                        </a:schemeClr>
+                      </a:solidFill>
+                      <a:prstDash val="sysDash"/>
+                      <a:round/>
+                      <a:headEnd type="none" w="med" len="med"/>
+                      <a:tailEnd type="none" w="med" len="med"/>
+                    </a:lnL>
+                    <a:lnR w="12700" cap="flat" cmpd="sng" algn="ctr">
+                      <a:solidFill>
+                        <a:schemeClr val="tx1">
+                          <a:lumMod val="85000"/>
+                        </a:schemeClr>
+                      </a:solidFill>
+                      <a:prstDash val="sysDash"/>
+                      <a:round/>
+                      <a:headEnd type="none" w="med" len="med"/>
+                      <a:tailEnd type="none" w="med" len="med"/>
+                    </a:lnR>
+                    <a:lnT w="12700" cap="flat" cmpd="sng" algn="ctr">
+                      <a:solidFill>
+                        <a:schemeClr val="tx1">
+                          <a:lumMod val="85000"/>
+                        </a:schemeClr>
+                      </a:solidFill>
+                      <a:prstDash val="sysDash"/>
+                      <a:round/>
+                      <a:headEnd type="none" w="med" len="med"/>
+                      <a:tailEnd type="none" w="med" len="med"/>
+                    </a:lnT>
+                    <a:lnB w="12700" cap="flat" cmpd="sng" algn="ctr">
+                      <a:solidFill>
+                        <a:schemeClr val="tx1">
+                          <a:lumMod val="85000"/>
+                        </a:schemeClr>
+                      </a:solidFill>
+                      <a:prstDash val="sysDash"/>
+                      <a:round/>
+                      <a:headEnd type="none" w="med" len="med"/>
+                      <a:tailEnd type="none" w="med" len="med"/>
+                    </a:lnB>
+                    <a:noFill/>
+                  </a:tcPr>
+                </a:tc>
+                <a:tc>
+                  <a:txBody>
+                    <a:bodyPr/>
+                    <a:lstStyle/>
+                    <a:p>
+                      <a:pPr algn="ctr" fontAlgn="ctr"/>
+                      <a:r>
+                        <a:rPr lang="es-AR" sz="900" u="none" strike="noStrike">
+                          <a:effectLst/>
+                        </a:rPr>
+                        <a:t>0,19</a:t>
+                      </a:r>
+                      <a:endParaRPr lang="es-AR" sz="900" b="0" i="0" u="none" strike="noStrike">
+                        <a:solidFill>
+                          <a:srgbClr val="000000"/>
+                        </a:solidFill>
+                        <a:effectLst/>
+                        <a:latin typeface="Calibri" panose="020F0502020204030204" pitchFamily="34" charset="0"/>
+                      </a:endParaRPr>
+                    </a:p>
+                  </a:txBody>
+                  <a:tcPr marL="9525" marR="9525" marT="9525" marB="0" anchor="ctr">
+                    <a:lnL w="12700" cap="flat" cmpd="sng" algn="ctr">
+                      <a:solidFill>
+                        <a:schemeClr val="tx1">
+                          <a:lumMod val="85000"/>
+                        </a:schemeClr>
+                      </a:solidFill>
+                      <a:prstDash val="sysDash"/>
+                      <a:round/>
+                      <a:headEnd type="none" w="med" len="med"/>
+                      <a:tailEnd type="none" w="med" len="med"/>
+                    </a:lnL>
+                    <a:lnR w="12700" cap="flat" cmpd="sng" algn="ctr">
+                      <a:solidFill>
+                        <a:schemeClr val="tx1">
+                          <a:lumMod val="85000"/>
+                        </a:schemeClr>
+                      </a:solidFill>
+                      <a:prstDash val="sysDash"/>
+                      <a:round/>
+                      <a:headEnd type="none" w="med" len="med"/>
+                      <a:tailEnd type="none" w="med" len="med"/>
+                    </a:lnR>
+                    <a:lnT w="12700" cap="flat" cmpd="sng" algn="ctr">
+                      <a:solidFill>
+                        <a:schemeClr val="tx1">
+                          <a:lumMod val="85000"/>
+                        </a:schemeClr>
+                      </a:solidFill>
+                      <a:prstDash val="sysDash"/>
+                      <a:round/>
+                      <a:headEnd type="none" w="med" len="med"/>
+                      <a:tailEnd type="none" w="med" len="med"/>
+                    </a:lnT>
+                    <a:lnB w="12700" cap="flat" cmpd="sng" algn="ctr">
+                      <a:solidFill>
+                        <a:schemeClr val="tx1">
+                          <a:lumMod val="85000"/>
+                        </a:schemeClr>
+                      </a:solidFill>
+                      <a:prstDash val="sysDash"/>
+                      <a:round/>
+                      <a:headEnd type="none" w="med" len="med"/>
+                      <a:tailEnd type="none" w="med" len="med"/>
+                    </a:lnB>
+                    <a:noFill/>
+                  </a:tcPr>
+                </a:tc>
+                <a:tc>
+                  <a:txBody>
+                    <a:bodyPr/>
+                    <a:lstStyle/>
+                    <a:p>
+                      <a:pPr algn="ctr" fontAlgn="ctr"/>
+                      <a:r>
+                        <a:rPr lang="es-AR" sz="900" u="none" strike="noStrike">
+                          <a:effectLst/>
+                        </a:rPr>
+                        <a:t>0,75</a:t>
+                      </a:r>
+                      <a:endParaRPr lang="es-AR" sz="900" b="0" i="0" u="none" strike="noStrike">
+                        <a:solidFill>
+                          <a:srgbClr val="000000"/>
+                        </a:solidFill>
+                        <a:effectLst/>
+                        <a:latin typeface="Calibri" panose="020F0502020204030204" pitchFamily="34" charset="0"/>
+                      </a:endParaRPr>
+                    </a:p>
+                  </a:txBody>
+                  <a:tcPr marL="9525" marR="9525" marT="9525" marB="0" anchor="ctr">
+                    <a:lnL w="12700" cap="flat" cmpd="sng" algn="ctr">
+                      <a:solidFill>
+                        <a:schemeClr val="tx1">
+                          <a:lumMod val="85000"/>
+                        </a:schemeClr>
+                      </a:solidFill>
+                      <a:prstDash val="sysDash"/>
+                      <a:round/>
+                      <a:headEnd type="none" w="med" len="med"/>
+                      <a:tailEnd type="none" w="med" len="med"/>
+                    </a:lnL>
+                    <a:lnR w="12700" cap="flat" cmpd="sng" algn="ctr">
+                      <a:solidFill>
+                        <a:schemeClr val="tx1">
+                          <a:lumMod val="85000"/>
+                        </a:schemeClr>
+                      </a:solidFill>
+                      <a:prstDash val="sysDash"/>
+                      <a:round/>
+                      <a:headEnd type="none" w="med" len="med"/>
+                      <a:tailEnd type="none" w="med" len="med"/>
+                    </a:lnR>
+                    <a:lnT w="12700" cap="flat" cmpd="sng" algn="ctr">
+                      <a:solidFill>
+                        <a:schemeClr val="tx1">
+                          <a:lumMod val="85000"/>
+                        </a:schemeClr>
+                      </a:solidFill>
+                      <a:prstDash val="sysDash"/>
+                      <a:round/>
+                      <a:headEnd type="none" w="med" len="med"/>
+                      <a:tailEnd type="none" w="med" len="med"/>
+                    </a:lnT>
+                    <a:lnB w="12700" cap="flat" cmpd="sng" algn="ctr">
+                      <a:solidFill>
+                        <a:schemeClr val="tx1">
+                          <a:lumMod val="85000"/>
+                        </a:schemeClr>
+                      </a:solidFill>
+                      <a:prstDash val="sysDash"/>
+                      <a:round/>
+                      <a:headEnd type="none" w="med" len="med"/>
+                      <a:tailEnd type="none" w="med" len="med"/>
+                    </a:lnB>
+                    <a:noFill/>
+                  </a:tcPr>
+                </a:tc>
+                <a:extLst>
+                  <a:ext uri="{0D108BD9-81ED-4DB2-BD59-A6C34878D82A}">
+                    <a16:rowId xmlns:a16="http://schemas.microsoft.com/office/drawing/2014/main" val="709087982"/>
+                  </a:ext>
+                </a:extLst>
+              </a:tr>
+              <a:tr h="126170">
+                <a:tc>
+                  <a:txBody>
+                    <a:bodyPr/>
+                    <a:lstStyle/>
+                    <a:p>
+                      <a:pPr algn="l" fontAlgn="b"/>
+                      <a:r>
+                        <a:rPr lang="es-AR" sz="800" b="1" u="none" strike="noStrike" dirty="0">
+                          <a:effectLst/>
+                        </a:rPr>
+                        <a:t>Componente 4</a:t>
+                      </a:r>
+                      <a:endParaRPr lang="es-AR" sz="800" b="1" i="0" u="none" strike="noStrike" dirty="0">
+                        <a:solidFill>
+                          <a:srgbClr val="000000"/>
+                        </a:solidFill>
+                        <a:effectLst/>
+                        <a:latin typeface="Calibri" panose="020F0502020204030204" pitchFamily="34" charset="0"/>
+                      </a:endParaRPr>
+                    </a:p>
+                  </a:txBody>
+                  <a:tcPr marL="9525" marR="9525" marT="9525" marB="0" anchor="ctr">
+                    <a:lnL w="12700" cap="flat" cmpd="sng" algn="ctr">
+                      <a:solidFill>
+                        <a:schemeClr val="tx1">
+                          <a:lumMod val="85000"/>
+                        </a:schemeClr>
+                      </a:solidFill>
+                      <a:prstDash val="sysDash"/>
+                      <a:round/>
+                      <a:headEnd type="none" w="med" len="med"/>
+                      <a:tailEnd type="none" w="med" len="med"/>
+                    </a:lnL>
+                    <a:lnR w="12700" cap="flat" cmpd="sng" algn="ctr">
+                      <a:solidFill>
+                        <a:schemeClr val="tx1">
+                          <a:lumMod val="85000"/>
+                        </a:schemeClr>
+                      </a:solidFill>
+                      <a:prstDash val="sysDash"/>
+                      <a:round/>
+                      <a:headEnd type="none" w="med" len="med"/>
+                      <a:tailEnd type="none" w="med" len="med"/>
+                    </a:lnR>
+                    <a:lnT w="12700" cap="flat" cmpd="sng" algn="ctr">
+                      <a:solidFill>
+                        <a:schemeClr val="tx1">
+                          <a:lumMod val="85000"/>
+                        </a:schemeClr>
+                      </a:solidFill>
+                      <a:prstDash val="sysDash"/>
+                      <a:round/>
+                      <a:headEnd type="none" w="med" len="med"/>
+                      <a:tailEnd type="none" w="med" len="med"/>
+                    </a:lnT>
+                    <a:lnB w="12700" cap="flat" cmpd="sng" algn="ctr">
+                      <a:solidFill>
+                        <a:schemeClr val="tx1">
+                          <a:lumMod val="85000"/>
+                        </a:schemeClr>
+                      </a:solidFill>
+                      <a:prstDash val="sysDash"/>
+                      <a:round/>
+                      <a:headEnd type="none" w="med" len="med"/>
+                      <a:tailEnd type="none" w="med" len="med"/>
+                    </a:lnB>
+                    <a:solidFill>
+                      <a:srgbClr val="31A4E2">
+                        <a:alpha val="60000"/>
+                      </a:srgbClr>
+                    </a:solidFill>
+                  </a:tcPr>
+                </a:tc>
+                <a:tc>
+                  <a:txBody>
+                    <a:bodyPr/>
+                    <a:lstStyle/>
+                    <a:p>
+                      <a:pPr algn="ctr" fontAlgn="ctr"/>
+                      <a:r>
+                        <a:rPr lang="es-AR" sz="900" u="none" strike="noStrike">
+                          <a:effectLst/>
+                        </a:rPr>
+                        <a:t>0,92</a:t>
+                      </a:r>
+                      <a:endParaRPr lang="es-AR" sz="900" b="0" i="0" u="none" strike="noStrike">
+                        <a:solidFill>
+                          <a:srgbClr val="000000"/>
+                        </a:solidFill>
+                        <a:effectLst/>
+                        <a:latin typeface="Calibri" panose="020F0502020204030204" pitchFamily="34" charset="0"/>
+                      </a:endParaRPr>
+                    </a:p>
+                  </a:txBody>
+                  <a:tcPr marL="9525" marR="9525" marT="9525" marB="0" anchor="ctr">
+                    <a:lnL w="12700" cap="flat" cmpd="sng" algn="ctr">
+                      <a:solidFill>
+                        <a:schemeClr val="tx1">
+                          <a:lumMod val="85000"/>
+                        </a:schemeClr>
+                      </a:solidFill>
+                      <a:prstDash val="sysDash"/>
+                      <a:round/>
+                      <a:headEnd type="none" w="med" len="med"/>
+                      <a:tailEnd type="none" w="med" len="med"/>
+                    </a:lnL>
+                    <a:lnR w="12700" cap="flat" cmpd="sng" algn="ctr">
+                      <a:solidFill>
+                        <a:schemeClr val="tx1">
+                          <a:lumMod val="85000"/>
+                        </a:schemeClr>
+                      </a:solidFill>
+                      <a:prstDash val="sysDash"/>
+                      <a:round/>
+                      <a:headEnd type="none" w="med" len="med"/>
+                      <a:tailEnd type="none" w="med" len="med"/>
+                    </a:lnR>
+                    <a:lnT w="12700" cap="flat" cmpd="sng" algn="ctr">
+                      <a:solidFill>
+                        <a:schemeClr val="tx1">
+                          <a:lumMod val="85000"/>
+                        </a:schemeClr>
+                      </a:solidFill>
+                      <a:prstDash val="sysDash"/>
+                      <a:round/>
+                      <a:headEnd type="none" w="med" len="med"/>
+                      <a:tailEnd type="none" w="med" len="med"/>
+                    </a:lnT>
+                    <a:lnB w="12700" cap="flat" cmpd="sng" algn="ctr">
+                      <a:solidFill>
+                        <a:schemeClr val="tx1">
+                          <a:lumMod val="85000"/>
+                        </a:schemeClr>
+                      </a:solidFill>
+                      <a:prstDash val="sysDash"/>
+                      <a:round/>
+                      <a:headEnd type="none" w="med" len="med"/>
+                      <a:tailEnd type="none" w="med" len="med"/>
+                    </a:lnB>
+                    <a:noFill/>
+                  </a:tcPr>
+                </a:tc>
+                <a:tc>
+                  <a:txBody>
+                    <a:bodyPr/>
+                    <a:lstStyle/>
+                    <a:p>
+                      <a:pPr algn="ctr" fontAlgn="ctr"/>
+                      <a:r>
+                        <a:rPr lang="es-AR" sz="900" u="none" strike="noStrike" dirty="0">
+                          <a:effectLst/>
+                        </a:rPr>
+                        <a:t>0,96</a:t>
+                      </a:r>
+                      <a:endParaRPr lang="es-AR" sz="900" b="0" i="0" u="none" strike="noStrike" dirty="0">
+                        <a:solidFill>
+                          <a:srgbClr val="000000"/>
+                        </a:solidFill>
+                        <a:effectLst/>
+                        <a:latin typeface="Calibri" panose="020F0502020204030204" pitchFamily="34" charset="0"/>
+                      </a:endParaRPr>
+                    </a:p>
+                  </a:txBody>
+                  <a:tcPr marL="9525" marR="9525" marT="9525" marB="0" anchor="ctr">
+                    <a:lnL w="12700" cap="flat" cmpd="sng" algn="ctr">
+                      <a:solidFill>
+                        <a:schemeClr val="tx1">
+                          <a:lumMod val="85000"/>
+                        </a:schemeClr>
+                      </a:solidFill>
+                      <a:prstDash val="sysDash"/>
+                      <a:round/>
+                      <a:headEnd type="none" w="med" len="med"/>
+                      <a:tailEnd type="none" w="med" len="med"/>
+                    </a:lnL>
+                    <a:lnR w="12700" cap="flat" cmpd="sng" algn="ctr">
+                      <a:solidFill>
+                        <a:schemeClr val="tx1">
+                          <a:lumMod val="85000"/>
+                        </a:schemeClr>
+                      </a:solidFill>
+                      <a:prstDash val="sysDash"/>
+                      <a:round/>
+                      <a:headEnd type="none" w="med" len="med"/>
+                      <a:tailEnd type="none" w="med" len="med"/>
+                    </a:lnR>
+                    <a:lnT w="12700" cap="flat" cmpd="sng" algn="ctr">
+                      <a:solidFill>
+                        <a:schemeClr val="tx1">
+                          <a:lumMod val="85000"/>
+                        </a:schemeClr>
+                      </a:solidFill>
+                      <a:prstDash val="sysDash"/>
+                      <a:round/>
+                      <a:headEnd type="none" w="med" len="med"/>
+                      <a:tailEnd type="none" w="med" len="med"/>
+                    </a:lnT>
+                    <a:lnB w="12700" cap="flat" cmpd="sng" algn="ctr">
+                      <a:solidFill>
+                        <a:schemeClr val="tx1">
+                          <a:lumMod val="85000"/>
+                        </a:schemeClr>
+                      </a:solidFill>
+                      <a:prstDash val="sysDash"/>
+                      <a:round/>
+                      <a:headEnd type="none" w="med" len="med"/>
+                      <a:tailEnd type="none" w="med" len="med"/>
+                    </a:lnB>
+                    <a:noFill/>
+                  </a:tcPr>
+                </a:tc>
+                <a:tc>
+                  <a:txBody>
+                    <a:bodyPr/>
+                    <a:lstStyle/>
+                    <a:p>
+                      <a:pPr algn="ctr" fontAlgn="ctr"/>
+                      <a:r>
+                        <a:rPr lang="es-AR" sz="900" u="none" strike="noStrike" dirty="0">
+                          <a:effectLst/>
+                        </a:rPr>
+                        <a:t>0,13</a:t>
+                      </a:r>
+                      <a:endParaRPr lang="es-AR" sz="900" b="0" i="0" u="none" strike="noStrike" dirty="0">
+                        <a:solidFill>
+                          <a:srgbClr val="000000"/>
+                        </a:solidFill>
+                        <a:effectLst/>
+                        <a:latin typeface="Calibri" panose="020F0502020204030204" pitchFamily="34" charset="0"/>
+                      </a:endParaRPr>
+                    </a:p>
+                  </a:txBody>
+                  <a:tcPr marL="9525" marR="9525" marT="9525" marB="0" anchor="ctr">
+                    <a:lnL w="12700" cap="flat" cmpd="sng" algn="ctr">
+                      <a:solidFill>
+                        <a:schemeClr val="tx1">
+                          <a:lumMod val="85000"/>
+                        </a:schemeClr>
+                      </a:solidFill>
+                      <a:prstDash val="sysDash"/>
+                      <a:round/>
+                      <a:headEnd type="none" w="med" len="med"/>
+                      <a:tailEnd type="none" w="med" len="med"/>
+                    </a:lnL>
+                    <a:lnR w="12700" cap="flat" cmpd="sng" algn="ctr">
+                      <a:solidFill>
+                        <a:schemeClr val="tx1">
+                          <a:lumMod val="85000"/>
+                        </a:schemeClr>
+                      </a:solidFill>
+                      <a:prstDash val="sysDash"/>
+                      <a:round/>
+                      <a:headEnd type="none" w="med" len="med"/>
+                      <a:tailEnd type="none" w="med" len="med"/>
+                    </a:lnR>
+                    <a:lnT w="12700" cap="flat" cmpd="sng" algn="ctr">
+                      <a:solidFill>
+                        <a:schemeClr val="tx1">
+                          <a:lumMod val="85000"/>
+                        </a:schemeClr>
+                      </a:solidFill>
+                      <a:prstDash val="sysDash"/>
+                      <a:round/>
+                      <a:headEnd type="none" w="med" len="med"/>
+                      <a:tailEnd type="none" w="med" len="med"/>
+                    </a:lnT>
+                    <a:lnB w="12700" cap="flat" cmpd="sng" algn="ctr">
+                      <a:solidFill>
+                        <a:schemeClr val="tx1">
+                          <a:lumMod val="85000"/>
+                        </a:schemeClr>
+                      </a:solidFill>
+                      <a:prstDash val="sysDash"/>
+                      <a:round/>
+                      <a:headEnd type="none" w="med" len="med"/>
+                      <a:tailEnd type="none" w="med" len="med"/>
+                    </a:lnB>
+                    <a:noFill/>
+                  </a:tcPr>
+                </a:tc>
+                <a:tc>
+                  <a:txBody>
+                    <a:bodyPr/>
+                    <a:lstStyle/>
+                    <a:p>
+                      <a:pPr algn="ctr" fontAlgn="ctr"/>
+                      <a:r>
+                        <a:rPr lang="es-AR" sz="900" u="none" strike="noStrike">
+                          <a:effectLst/>
+                        </a:rPr>
+                        <a:t>0,87</a:t>
+                      </a:r>
+                      <a:endParaRPr lang="es-AR" sz="900" b="0" i="0" u="none" strike="noStrike">
+                        <a:solidFill>
+                          <a:srgbClr val="000000"/>
+                        </a:solidFill>
+                        <a:effectLst/>
+                        <a:latin typeface="Calibri" panose="020F0502020204030204" pitchFamily="34" charset="0"/>
+                      </a:endParaRPr>
+                    </a:p>
+                  </a:txBody>
+                  <a:tcPr marL="9525" marR="9525" marT="9525" marB="0" anchor="ctr">
+                    <a:lnL w="12700" cap="flat" cmpd="sng" algn="ctr">
+                      <a:solidFill>
+                        <a:schemeClr val="tx1">
+                          <a:lumMod val="85000"/>
+                        </a:schemeClr>
+                      </a:solidFill>
+                      <a:prstDash val="sysDash"/>
+                      <a:round/>
+                      <a:headEnd type="none" w="med" len="med"/>
+                      <a:tailEnd type="none" w="med" len="med"/>
+                    </a:lnL>
+                    <a:lnR w="12700" cap="flat" cmpd="sng" algn="ctr">
+                      <a:solidFill>
+                        <a:schemeClr val="tx1">
+                          <a:lumMod val="85000"/>
+                        </a:schemeClr>
+                      </a:solidFill>
+                      <a:prstDash val="sysDash"/>
+                      <a:round/>
+                      <a:headEnd type="none" w="med" len="med"/>
+                      <a:tailEnd type="none" w="med" len="med"/>
+                    </a:lnR>
+                    <a:lnT w="12700" cap="flat" cmpd="sng" algn="ctr">
+                      <a:solidFill>
+                        <a:schemeClr val="tx1">
+                          <a:lumMod val="85000"/>
+                        </a:schemeClr>
+                      </a:solidFill>
+                      <a:prstDash val="sysDash"/>
+                      <a:round/>
+                      <a:headEnd type="none" w="med" len="med"/>
+                      <a:tailEnd type="none" w="med" len="med"/>
+                    </a:lnT>
+                    <a:lnB w="12700" cap="flat" cmpd="sng" algn="ctr">
+                      <a:solidFill>
+                        <a:schemeClr val="tx1">
+                          <a:lumMod val="85000"/>
+                        </a:schemeClr>
+                      </a:solidFill>
+                      <a:prstDash val="sysDash"/>
+                      <a:round/>
+                      <a:headEnd type="none" w="med" len="med"/>
+                      <a:tailEnd type="none" w="med" len="med"/>
+                    </a:lnB>
+                    <a:noFill/>
+                  </a:tcPr>
+                </a:tc>
+                <a:extLst>
+                  <a:ext uri="{0D108BD9-81ED-4DB2-BD59-A6C34878D82A}">
+                    <a16:rowId xmlns:a16="http://schemas.microsoft.com/office/drawing/2014/main" val="3909983222"/>
+                  </a:ext>
+                </a:extLst>
+              </a:tr>
+              <a:tr h="126170">
+                <a:tc>
+                  <a:txBody>
+                    <a:bodyPr/>
+                    <a:lstStyle/>
+                    <a:p>
+                      <a:pPr algn="l" fontAlgn="b"/>
+                      <a:r>
+                        <a:rPr lang="es-AR" sz="800" b="1" u="none" strike="noStrike" dirty="0">
+                          <a:effectLst/>
+                        </a:rPr>
+                        <a:t>Componente 5</a:t>
+                      </a:r>
+                      <a:endParaRPr lang="es-AR" sz="800" b="1" i="0" u="none" strike="noStrike" dirty="0">
+                        <a:solidFill>
+                          <a:srgbClr val="000000"/>
+                        </a:solidFill>
+                        <a:effectLst/>
+                        <a:latin typeface="Calibri" panose="020F0502020204030204" pitchFamily="34" charset="0"/>
+                      </a:endParaRPr>
+                    </a:p>
+                  </a:txBody>
+                  <a:tcPr marL="9525" marR="9525" marT="9525" marB="0" anchor="ctr">
+                    <a:lnL w="12700" cap="flat" cmpd="sng" algn="ctr">
+                      <a:solidFill>
+                        <a:schemeClr val="tx1">
+                          <a:lumMod val="85000"/>
+                        </a:schemeClr>
+                      </a:solidFill>
+                      <a:prstDash val="sysDash"/>
+                      <a:round/>
+                      <a:headEnd type="none" w="med" len="med"/>
+                      <a:tailEnd type="none" w="med" len="med"/>
+                    </a:lnL>
+                    <a:lnR w="12700" cap="flat" cmpd="sng" algn="ctr">
+                      <a:solidFill>
+                        <a:schemeClr val="tx1">
+                          <a:lumMod val="85000"/>
+                        </a:schemeClr>
+                      </a:solidFill>
+                      <a:prstDash val="sysDash"/>
+                      <a:round/>
+                      <a:headEnd type="none" w="med" len="med"/>
+                      <a:tailEnd type="none" w="med" len="med"/>
+                    </a:lnR>
+                    <a:lnT w="12700" cap="flat" cmpd="sng" algn="ctr">
+                      <a:solidFill>
+                        <a:schemeClr val="tx1">
+                          <a:lumMod val="85000"/>
+                        </a:schemeClr>
+                      </a:solidFill>
+                      <a:prstDash val="sysDash"/>
+                      <a:round/>
+                      <a:headEnd type="none" w="med" len="med"/>
+                      <a:tailEnd type="none" w="med" len="med"/>
+                    </a:lnT>
+                    <a:lnB w="12700" cap="flat" cmpd="sng" algn="ctr">
+                      <a:solidFill>
+                        <a:schemeClr val="tx1">
+                          <a:lumMod val="85000"/>
+                        </a:schemeClr>
+                      </a:solidFill>
+                      <a:prstDash val="sysDash"/>
+                      <a:round/>
+                      <a:headEnd type="none" w="med" len="med"/>
+                      <a:tailEnd type="none" w="med" len="med"/>
+                    </a:lnB>
+                    <a:solidFill>
+                      <a:srgbClr val="31A4E2">
+                        <a:alpha val="60000"/>
+                      </a:srgbClr>
+                    </a:solidFill>
+                  </a:tcPr>
+                </a:tc>
+                <a:tc>
+                  <a:txBody>
+                    <a:bodyPr/>
+                    <a:lstStyle/>
+                    <a:p>
+                      <a:pPr algn="ctr" fontAlgn="ctr"/>
+                      <a:r>
+                        <a:rPr lang="es-AR" sz="900" u="none" strike="noStrike">
+                          <a:effectLst/>
+                        </a:rPr>
+                        <a:t>0,54</a:t>
+                      </a:r>
+                      <a:endParaRPr lang="es-AR" sz="900" b="0" i="0" u="none" strike="noStrike">
+                        <a:solidFill>
+                          <a:srgbClr val="000000"/>
+                        </a:solidFill>
+                        <a:effectLst/>
+                        <a:latin typeface="Calibri" panose="020F0502020204030204" pitchFamily="34" charset="0"/>
+                      </a:endParaRPr>
+                    </a:p>
+                  </a:txBody>
+                  <a:tcPr marL="9525" marR="9525" marT="9525" marB="0" anchor="ctr">
+                    <a:lnL w="12700" cap="flat" cmpd="sng" algn="ctr">
+                      <a:solidFill>
+                        <a:schemeClr val="tx1">
+                          <a:lumMod val="85000"/>
+                        </a:schemeClr>
+                      </a:solidFill>
+                      <a:prstDash val="sysDash"/>
+                      <a:round/>
+                      <a:headEnd type="none" w="med" len="med"/>
+                      <a:tailEnd type="none" w="med" len="med"/>
+                    </a:lnL>
+                    <a:lnR w="12700" cap="flat" cmpd="sng" algn="ctr">
+                      <a:solidFill>
+                        <a:schemeClr val="tx1">
+                          <a:lumMod val="85000"/>
+                        </a:schemeClr>
+                      </a:solidFill>
+                      <a:prstDash val="sysDash"/>
+                      <a:round/>
+                      <a:headEnd type="none" w="med" len="med"/>
+                      <a:tailEnd type="none" w="med" len="med"/>
+                    </a:lnR>
+                    <a:lnT w="12700" cap="flat" cmpd="sng" algn="ctr">
+                      <a:solidFill>
+                        <a:schemeClr val="tx1">
+                          <a:lumMod val="85000"/>
+                        </a:schemeClr>
+                      </a:solidFill>
+                      <a:prstDash val="sysDash"/>
+                      <a:round/>
+                      <a:headEnd type="none" w="med" len="med"/>
+                      <a:tailEnd type="none" w="med" len="med"/>
+                    </a:lnT>
+                    <a:lnB w="12700" cap="flat" cmpd="sng" algn="ctr">
+                      <a:solidFill>
+                        <a:schemeClr val="tx1">
+                          <a:lumMod val="85000"/>
+                        </a:schemeClr>
+                      </a:solidFill>
+                      <a:prstDash val="sysDash"/>
+                      <a:round/>
+                      <a:headEnd type="none" w="med" len="med"/>
+                      <a:tailEnd type="none" w="med" len="med"/>
+                    </a:lnB>
+                    <a:noFill/>
+                  </a:tcPr>
+                </a:tc>
+                <a:tc>
+                  <a:txBody>
+                    <a:bodyPr/>
+                    <a:lstStyle/>
+                    <a:p>
+                      <a:pPr algn="ctr" fontAlgn="ctr"/>
+                      <a:r>
+                        <a:rPr lang="es-AR" sz="900" u="none" strike="noStrike" dirty="0">
+                          <a:effectLst/>
+                        </a:rPr>
+                        <a:t>0,74</a:t>
+                      </a:r>
+                      <a:endParaRPr lang="es-AR" sz="900" b="0" i="0" u="none" strike="noStrike" dirty="0">
+                        <a:solidFill>
+                          <a:srgbClr val="000000"/>
+                        </a:solidFill>
+                        <a:effectLst/>
+                        <a:latin typeface="Calibri" panose="020F0502020204030204" pitchFamily="34" charset="0"/>
+                      </a:endParaRPr>
+                    </a:p>
+                  </a:txBody>
+                  <a:tcPr marL="9525" marR="9525" marT="9525" marB="0" anchor="ctr">
+                    <a:lnL w="12700" cap="flat" cmpd="sng" algn="ctr">
+                      <a:solidFill>
+                        <a:schemeClr val="tx1">
+                          <a:lumMod val="85000"/>
+                        </a:schemeClr>
+                      </a:solidFill>
+                      <a:prstDash val="sysDash"/>
+                      <a:round/>
+                      <a:headEnd type="none" w="med" len="med"/>
+                      <a:tailEnd type="none" w="med" len="med"/>
+                    </a:lnL>
+                    <a:lnR w="12700" cap="flat" cmpd="sng" algn="ctr">
+                      <a:solidFill>
+                        <a:schemeClr val="tx1">
+                          <a:lumMod val="85000"/>
+                        </a:schemeClr>
+                      </a:solidFill>
+                      <a:prstDash val="sysDash"/>
+                      <a:round/>
+                      <a:headEnd type="none" w="med" len="med"/>
+                      <a:tailEnd type="none" w="med" len="med"/>
+                    </a:lnR>
+                    <a:lnT w="12700" cap="flat" cmpd="sng" algn="ctr">
+                      <a:solidFill>
+                        <a:schemeClr val="tx1">
+                          <a:lumMod val="85000"/>
+                        </a:schemeClr>
+                      </a:solidFill>
+                      <a:prstDash val="sysDash"/>
+                      <a:round/>
+                      <a:headEnd type="none" w="med" len="med"/>
+                      <a:tailEnd type="none" w="med" len="med"/>
+                    </a:lnT>
+                    <a:lnB w="12700" cap="flat" cmpd="sng" algn="ctr">
+                      <a:solidFill>
+                        <a:schemeClr val="tx1">
+                          <a:lumMod val="85000"/>
+                        </a:schemeClr>
+                      </a:solidFill>
+                      <a:prstDash val="sysDash"/>
+                      <a:round/>
+                      <a:headEnd type="none" w="med" len="med"/>
+                      <a:tailEnd type="none" w="med" len="med"/>
+                    </a:lnB>
+                    <a:noFill/>
+                  </a:tcPr>
+                </a:tc>
+                <a:tc>
+                  <a:txBody>
+                    <a:bodyPr/>
+                    <a:lstStyle/>
+                    <a:p>
+                      <a:pPr algn="ctr" fontAlgn="ctr"/>
+                      <a:r>
+                        <a:rPr lang="es-AR" sz="900" u="none" strike="noStrike" dirty="0">
+                          <a:effectLst/>
+                        </a:rPr>
+                        <a:t>0,08</a:t>
+                      </a:r>
+                      <a:endParaRPr lang="es-AR" sz="900" b="0" i="0" u="none" strike="noStrike" dirty="0">
+                        <a:solidFill>
+                          <a:srgbClr val="000000"/>
+                        </a:solidFill>
+                        <a:effectLst/>
+                        <a:latin typeface="Calibri" panose="020F0502020204030204" pitchFamily="34" charset="0"/>
+                      </a:endParaRPr>
+                    </a:p>
+                  </a:txBody>
+                  <a:tcPr marL="9525" marR="9525" marT="9525" marB="0" anchor="ctr">
+                    <a:lnL w="12700" cap="flat" cmpd="sng" algn="ctr">
+                      <a:solidFill>
+                        <a:schemeClr val="tx1">
+                          <a:lumMod val="85000"/>
+                        </a:schemeClr>
+                      </a:solidFill>
+                      <a:prstDash val="sysDash"/>
+                      <a:round/>
+                      <a:headEnd type="none" w="med" len="med"/>
+                      <a:tailEnd type="none" w="med" len="med"/>
+                    </a:lnL>
+                    <a:lnR w="12700" cap="flat" cmpd="sng" algn="ctr">
+                      <a:solidFill>
+                        <a:schemeClr val="tx1">
+                          <a:lumMod val="85000"/>
+                        </a:schemeClr>
+                      </a:solidFill>
+                      <a:prstDash val="sysDash"/>
+                      <a:round/>
+                      <a:headEnd type="none" w="med" len="med"/>
+                      <a:tailEnd type="none" w="med" len="med"/>
+                    </a:lnR>
+                    <a:lnT w="12700" cap="flat" cmpd="sng" algn="ctr">
+                      <a:solidFill>
+                        <a:schemeClr val="tx1">
+                          <a:lumMod val="85000"/>
+                        </a:schemeClr>
+                      </a:solidFill>
+                      <a:prstDash val="sysDash"/>
+                      <a:round/>
+                      <a:headEnd type="none" w="med" len="med"/>
+                      <a:tailEnd type="none" w="med" len="med"/>
+                    </a:lnT>
+                    <a:lnB w="12700" cap="flat" cmpd="sng" algn="ctr">
+                      <a:solidFill>
+                        <a:schemeClr val="tx1">
+                          <a:lumMod val="85000"/>
+                        </a:schemeClr>
+                      </a:solidFill>
+                      <a:prstDash val="sysDash"/>
+                      <a:round/>
+                      <a:headEnd type="none" w="med" len="med"/>
+                      <a:tailEnd type="none" w="med" len="med"/>
+                    </a:lnB>
+                    <a:noFill/>
+                  </a:tcPr>
+                </a:tc>
+                <a:tc>
+                  <a:txBody>
+                    <a:bodyPr/>
+                    <a:lstStyle/>
+                    <a:p>
+                      <a:pPr algn="ctr" fontAlgn="ctr"/>
+                      <a:r>
+                        <a:rPr lang="es-AR" sz="900" u="none" strike="noStrike">
+                          <a:effectLst/>
+                        </a:rPr>
+                        <a:t>0,95</a:t>
+                      </a:r>
+                      <a:endParaRPr lang="es-AR" sz="900" b="0" i="0" u="none" strike="noStrike">
+                        <a:solidFill>
+                          <a:srgbClr val="000000"/>
+                        </a:solidFill>
+                        <a:effectLst/>
+                        <a:latin typeface="Calibri" panose="020F0502020204030204" pitchFamily="34" charset="0"/>
+                      </a:endParaRPr>
+                    </a:p>
+                  </a:txBody>
+                  <a:tcPr marL="9525" marR="9525" marT="9525" marB="0" anchor="ctr">
+                    <a:lnL w="12700" cap="flat" cmpd="sng" algn="ctr">
+                      <a:solidFill>
+                        <a:schemeClr val="tx1">
+                          <a:lumMod val="85000"/>
+                        </a:schemeClr>
+                      </a:solidFill>
+                      <a:prstDash val="sysDash"/>
+                      <a:round/>
+                      <a:headEnd type="none" w="med" len="med"/>
+                      <a:tailEnd type="none" w="med" len="med"/>
+                    </a:lnL>
+                    <a:lnR w="12700" cap="flat" cmpd="sng" algn="ctr">
+                      <a:solidFill>
+                        <a:schemeClr val="tx1">
+                          <a:lumMod val="85000"/>
+                        </a:schemeClr>
+                      </a:solidFill>
+                      <a:prstDash val="sysDash"/>
+                      <a:round/>
+                      <a:headEnd type="none" w="med" len="med"/>
+                      <a:tailEnd type="none" w="med" len="med"/>
+                    </a:lnR>
+                    <a:lnT w="12700" cap="flat" cmpd="sng" algn="ctr">
+                      <a:solidFill>
+                        <a:schemeClr val="tx1">
+                          <a:lumMod val="85000"/>
+                        </a:schemeClr>
+                      </a:solidFill>
+                      <a:prstDash val="sysDash"/>
+                      <a:round/>
+                      <a:headEnd type="none" w="med" len="med"/>
+                      <a:tailEnd type="none" w="med" len="med"/>
+                    </a:lnT>
+                    <a:lnB w="12700" cap="flat" cmpd="sng" algn="ctr">
+                      <a:solidFill>
+                        <a:schemeClr val="tx1">
+                          <a:lumMod val="85000"/>
+                        </a:schemeClr>
+                      </a:solidFill>
+                      <a:prstDash val="sysDash"/>
+                      <a:round/>
+                      <a:headEnd type="none" w="med" len="med"/>
+                      <a:tailEnd type="none" w="med" len="med"/>
+                    </a:lnB>
+                    <a:noFill/>
+                  </a:tcPr>
+                </a:tc>
+                <a:extLst>
+                  <a:ext uri="{0D108BD9-81ED-4DB2-BD59-A6C34878D82A}">
+                    <a16:rowId xmlns:a16="http://schemas.microsoft.com/office/drawing/2014/main" val="2473658310"/>
+                  </a:ext>
+                </a:extLst>
+              </a:tr>
+              <a:tr h="126170">
+                <a:tc>
+                  <a:txBody>
+                    <a:bodyPr/>
+                    <a:lstStyle/>
+                    <a:p>
+                      <a:pPr algn="l" fontAlgn="b"/>
+                      <a:r>
+                        <a:rPr lang="es-AR" sz="800" b="1" u="none" strike="noStrike" dirty="0">
+                          <a:effectLst/>
+                        </a:rPr>
+                        <a:t>Componente 6</a:t>
+                      </a:r>
+                      <a:endParaRPr lang="es-AR" sz="800" b="1" i="0" u="none" strike="noStrike" dirty="0">
+                        <a:solidFill>
+                          <a:srgbClr val="000000"/>
+                        </a:solidFill>
+                        <a:effectLst/>
+                        <a:latin typeface="Calibri" panose="020F0502020204030204" pitchFamily="34" charset="0"/>
+                      </a:endParaRPr>
+                    </a:p>
+                  </a:txBody>
+                  <a:tcPr marL="9525" marR="9525" marT="9525" marB="0" anchor="ctr">
+                    <a:lnL w="12700" cap="flat" cmpd="sng" algn="ctr">
+                      <a:solidFill>
+                        <a:schemeClr val="tx1">
+                          <a:lumMod val="85000"/>
+                        </a:schemeClr>
+                      </a:solidFill>
+                      <a:prstDash val="sysDash"/>
+                      <a:round/>
+                      <a:headEnd type="none" w="med" len="med"/>
+                      <a:tailEnd type="none" w="med" len="med"/>
+                    </a:lnL>
+                    <a:lnR w="12700" cap="flat" cmpd="sng" algn="ctr">
+                      <a:solidFill>
+                        <a:schemeClr val="tx1">
+                          <a:lumMod val="85000"/>
+                        </a:schemeClr>
+                      </a:solidFill>
+                      <a:prstDash val="sysDash"/>
+                      <a:round/>
+                      <a:headEnd type="none" w="med" len="med"/>
+                      <a:tailEnd type="none" w="med" len="med"/>
+                    </a:lnR>
+                    <a:lnT w="12700" cap="flat" cmpd="sng" algn="ctr">
+                      <a:solidFill>
+                        <a:schemeClr val="tx1">
+                          <a:lumMod val="85000"/>
+                        </a:schemeClr>
+                      </a:solidFill>
+                      <a:prstDash val="sysDash"/>
+                      <a:round/>
+                      <a:headEnd type="none" w="med" len="med"/>
+                      <a:tailEnd type="none" w="med" len="med"/>
+                    </a:lnT>
+                    <a:lnB w="12700" cap="flat" cmpd="sng" algn="ctr">
+                      <a:solidFill>
+                        <a:schemeClr val="tx1">
+                          <a:lumMod val="85000"/>
+                        </a:schemeClr>
+                      </a:solidFill>
+                      <a:prstDash val="sysDash"/>
+                      <a:round/>
+                      <a:headEnd type="none" w="med" len="med"/>
+                      <a:tailEnd type="none" w="med" len="med"/>
+                    </a:lnB>
+                    <a:solidFill>
+                      <a:srgbClr val="31A4E2">
+                        <a:alpha val="60000"/>
+                      </a:srgbClr>
+                    </a:solidFill>
+                  </a:tcPr>
+                </a:tc>
+                <a:tc>
+                  <a:txBody>
+                    <a:bodyPr/>
+                    <a:lstStyle/>
+                    <a:p>
+                      <a:pPr algn="ctr" fontAlgn="ctr"/>
+                      <a:r>
+                        <a:rPr lang="es-AR" sz="900" u="none" strike="noStrike">
+                          <a:effectLst/>
+                        </a:rPr>
+                        <a:t>0,23</a:t>
+                      </a:r>
+                      <a:endParaRPr lang="es-AR" sz="900" b="0" i="0" u="none" strike="noStrike">
+                        <a:solidFill>
+                          <a:srgbClr val="000000"/>
+                        </a:solidFill>
+                        <a:effectLst/>
+                        <a:latin typeface="Calibri" panose="020F0502020204030204" pitchFamily="34" charset="0"/>
+                      </a:endParaRPr>
+                    </a:p>
+                  </a:txBody>
+                  <a:tcPr marL="9525" marR="9525" marT="9525" marB="0" anchor="ctr">
+                    <a:lnL w="12700" cap="flat" cmpd="sng" algn="ctr">
+                      <a:solidFill>
+                        <a:schemeClr val="tx1">
+                          <a:lumMod val="85000"/>
+                        </a:schemeClr>
+                      </a:solidFill>
+                      <a:prstDash val="sysDash"/>
+                      <a:round/>
+                      <a:headEnd type="none" w="med" len="med"/>
+                      <a:tailEnd type="none" w="med" len="med"/>
+                    </a:lnL>
+                    <a:lnR w="12700" cap="flat" cmpd="sng" algn="ctr">
+                      <a:solidFill>
+                        <a:schemeClr val="tx1">
+                          <a:lumMod val="85000"/>
+                        </a:schemeClr>
+                      </a:solidFill>
+                      <a:prstDash val="sysDash"/>
+                      <a:round/>
+                      <a:headEnd type="none" w="med" len="med"/>
+                      <a:tailEnd type="none" w="med" len="med"/>
+                    </a:lnR>
+                    <a:lnT w="12700" cap="flat" cmpd="sng" algn="ctr">
+                      <a:solidFill>
+                        <a:schemeClr val="tx1">
+                          <a:lumMod val="85000"/>
+                        </a:schemeClr>
+                      </a:solidFill>
+                      <a:prstDash val="sysDash"/>
+                      <a:round/>
+                      <a:headEnd type="none" w="med" len="med"/>
+                      <a:tailEnd type="none" w="med" len="med"/>
+                    </a:lnT>
+                    <a:lnB w="12700" cap="flat" cmpd="sng" algn="ctr">
+                      <a:solidFill>
+                        <a:schemeClr val="tx1">
+                          <a:lumMod val="85000"/>
+                        </a:schemeClr>
+                      </a:solidFill>
+                      <a:prstDash val="sysDash"/>
+                      <a:round/>
+                      <a:headEnd type="none" w="med" len="med"/>
+                      <a:tailEnd type="none" w="med" len="med"/>
+                    </a:lnB>
+                    <a:noFill/>
+                  </a:tcPr>
+                </a:tc>
+                <a:tc>
+                  <a:txBody>
+                    <a:bodyPr/>
+                    <a:lstStyle/>
+                    <a:p>
+                      <a:pPr algn="ctr" fontAlgn="ctr"/>
+                      <a:r>
+                        <a:rPr lang="es-AR" sz="900" u="none" strike="noStrike">
+                          <a:effectLst/>
+                        </a:rPr>
+                        <a:t>0,48</a:t>
+                      </a:r>
+                      <a:endParaRPr lang="es-AR" sz="900" b="0" i="0" u="none" strike="noStrike">
+                        <a:solidFill>
+                          <a:srgbClr val="000000"/>
+                        </a:solidFill>
+                        <a:effectLst/>
+                        <a:latin typeface="Calibri" panose="020F0502020204030204" pitchFamily="34" charset="0"/>
+                      </a:endParaRPr>
+                    </a:p>
+                  </a:txBody>
+                  <a:tcPr marL="9525" marR="9525" marT="9525" marB="0" anchor="ctr">
+                    <a:lnL w="12700" cap="flat" cmpd="sng" algn="ctr">
+                      <a:solidFill>
+                        <a:schemeClr val="tx1">
+                          <a:lumMod val="85000"/>
+                        </a:schemeClr>
+                      </a:solidFill>
+                      <a:prstDash val="sysDash"/>
+                      <a:round/>
+                      <a:headEnd type="none" w="med" len="med"/>
+                      <a:tailEnd type="none" w="med" len="med"/>
+                    </a:lnL>
+                    <a:lnR w="12700" cap="flat" cmpd="sng" algn="ctr">
+                      <a:solidFill>
+                        <a:schemeClr val="tx1">
+                          <a:lumMod val="85000"/>
+                        </a:schemeClr>
+                      </a:solidFill>
+                      <a:prstDash val="sysDash"/>
+                      <a:round/>
+                      <a:headEnd type="none" w="med" len="med"/>
+                      <a:tailEnd type="none" w="med" len="med"/>
+                    </a:lnR>
+                    <a:lnT w="12700" cap="flat" cmpd="sng" algn="ctr">
+                      <a:solidFill>
+                        <a:schemeClr val="tx1">
+                          <a:lumMod val="85000"/>
+                        </a:schemeClr>
+                      </a:solidFill>
+                      <a:prstDash val="sysDash"/>
+                      <a:round/>
+                      <a:headEnd type="none" w="med" len="med"/>
+                      <a:tailEnd type="none" w="med" len="med"/>
+                    </a:lnT>
+                    <a:lnB w="12700" cap="flat" cmpd="sng" algn="ctr">
+                      <a:solidFill>
+                        <a:schemeClr val="tx1">
+                          <a:lumMod val="85000"/>
+                        </a:schemeClr>
+                      </a:solidFill>
+                      <a:prstDash val="sysDash"/>
+                      <a:round/>
+                      <a:headEnd type="none" w="med" len="med"/>
+                      <a:tailEnd type="none" w="med" len="med"/>
+                    </a:lnB>
+                    <a:noFill/>
+                  </a:tcPr>
+                </a:tc>
+                <a:tc>
+                  <a:txBody>
+                    <a:bodyPr/>
+                    <a:lstStyle/>
+                    <a:p>
+                      <a:pPr algn="ctr" fontAlgn="ctr"/>
+                      <a:r>
+                        <a:rPr lang="es-AR" sz="900" u="none" strike="noStrike" dirty="0">
+                          <a:effectLst/>
+                        </a:rPr>
+                        <a:t>0,03</a:t>
+                      </a:r>
+                      <a:endParaRPr lang="es-AR" sz="900" b="0" i="0" u="none" strike="noStrike" dirty="0">
+                        <a:solidFill>
+                          <a:srgbClr val="000000"/>
+                        </a:solidFill>
+                        <a:effectLst/>
+                        <a:latin typeface="Calibri" panose="020F0502020204030204" pitchFamily="34" charset="0"/>
+                      </a:endParaRPr>
+                    </a:p>
+                  </a:txBody>
+                  <a:tcPr marL="9525" marR="9525" marT="9525" marB="0" anchor="ctr">
+                    <a:lnL w="12700" cap="flat" cmpd="sng" algn="ctr">
+                      <a:solidFill>
+                        <a:schemeClr val="tx1">
+                          <a:lumMod val="85000"/>
+                        </a:schemeClr>
+                      </a:solidFill>
+                      <a:prstDash val="sysDash"/>
+                      <a:round/>
+                      <a:headEnd type="none" w="med" len="med"/>
+                      <a:tailEnd type="none" w="med" len="med"/>
+                    </a:lnL>
+                    <a:lnR w="12700" cap="flat" cmpd="sng" algn="ctr">
+                      <a:solidFill>
+                        <a:schemeClr val="tx1">
+                          <a:lumMod val="85000"/>
+                        </a:schemeClr>
+                      </a:solidFill>
+                      <a:prstDash val="sysDash"/>
+                      <a:round/>
+                      <a:headEnd type="none" w="med" len="med"/>
+                      <a:tailEnd type="none" w="med" len="med"/>
+                    </a:lnR>
+                    <a:lnT w="12700" cap="flat" cmpd="sng" algn="ctr">
+                      <a:solidFill>
+                        <a:schemeClr val="tx1">
+                          <a:lumMod val="85000"/>
+                        </a:schemeClr>
+                      </a:solidFill>
+                      <a:prstDash val="sysDash"/>
+                      <a:round/>
+                      <a:headEnd type="none" w="med" len="med"/>
+                      <a:tailEnd type="none" w="med" len="med"/>
+                    </a:lnT>
+                    <a:lnB w="12700" cap="flat" cmpd="sng" algn="ctr">
+                      <a:solidFill>
+                        <a:schemeClr val="tx1">
+                          <a:lumMod val="85000"/>
+                        </a:schemeClr>
+                      </a:solidFill>
+                      <a:prstDash val="sysDash"/>
+                      <a:round/>
+                      <a:headEnd type="none" w="med" len="med"/>
+                      <a:tailEnd type="none" w="med" len="med"/>
+                    </a:lnB>
+                    <a:noFill/>
+                  </a:tcPr>
+                </a:tc>
+                <a:tc>
+                  <a:txBody>
+                    <a:bodyPr/>
+                    <a:lstStyle/>
+                    <a:p>
+                      <a:pPr algn="ctr" fontAlgn="ctr"/>
+                      <a:r>
+                        <a:rPr lang="es-AR" sz="900" u="none" strike="noStrike" dirty="0">
+                          <a:effectLst/>
+                        </a:rPr>
+                        <a:t>0,98</a:t>
+                      </a:r>
+                      <a:endParaRPr lang="es-AR" sz="900" b="0" i="0" u="none" strike="noStrike" dirty="0">
+                        <a:solidFill>
+                          <a:srgbClr val="000000"/>
+                        </a:solidFill>
+                        <a:effectLst/>
+                        <a:latin typeface="Calibri" panose="020F0502020204030204" pitchFamily="34" charset="0"/>
+                      </a:endParaRPr>
+                    </a:p>
+                  </a:txBody>
+                  <a:tcPr marL="9525" marR="9525" marT="9525" marB="0" anchor="ctr">
+                    <a:lnL w="12700" cap="flat" cmpd="sng" algn="ctr">
+                      <a:solidFill>
+                        <a:schemeClr val="tx1">
+                          <a:lumMod val="85000"/>
+                        </a:schemeClr>
+                      </a:solidFill>
+                      <a:prstDash val="sysDash"/>
+                      <a:round/>
+                      <a:headEnd type="none" w="med" len="med"/>
+                      <a:tailEnd type="none" w="med" len="med"/>
+                    </a:lnL>
+                    <a:lnR w="12700" cap="flat" cmpd="sng" algn="ctr">
+                      <a:solidFill>
+                        <a:schemeClr val="tx1">
+                          <a:lumMod val="85000"/>
+                        </a:schemeClr>
+                      </a:solidFill>
+                      <a:prstDash val="sysDash"/>
+                      <a:round/>
+                      <a:headEnd type="none" w="med" len="med"/>
+                      <a:tailEnd type="none" w="med" len="med"/>
+                    </a:lnR>
+                    <a:lnT w="12700" cap="flat" cmpd="sng" algn="ctr">
+                      <a:solidFill>
+                        <a:schemeClr val="tx1">
+                          <a:lumMod val="85000"/>
+                        </a:schemeClr>
+                      </a:solidFill>
+                      <a:prstDash val="sysDash"/>
+                      <a:round/>
+                      <a:headEnd type="none" w="med" len="med"/>
+                      <a:tailEnd type="none" w="med" len="med"/>
+                    </a:lnT>
+                    <a:lnB w="12700" cap="flat" cmpd="sng" algn="ctr">
+                      <a:solidFill>
+                        <a:schemeClr val="tx1">
+                          <a:lumMod val="85000"/>
+                        </a:schemeClr>
+                      </a:solidFill>
+                      <a:prstDash val="sysDash"/>
+                      <a:round/>
+                      <a:headEnd type="none" w="med" len="med"/>
+                      <a:tailEnd type="none" w="med" len="med"/>
+                    </a:lnB>
+                    <a:noFill/>
+                  </a:tcPr>
+                </a:tc>
+                <a:extLst>
+                  <a:ext uri="{0D108BD9-81ED-4DB2-BD59-A6C34878D82A}">
+                    <a16:rowId xmlns:a16="http://schemas.microsoft.com/office/drawing/2014/main" val="3328198353"/>
+                  </a:ext>
+                </a:extLst>
+              </a:tr>
+              <a:tr h="126170">
+                <a:tc>
+                  <a:txBody>
+                    <a:bodyPr/>
+                    <a:lstStyle/>
+                    <a:p>
+                      <a:pPr algn="l" fontAlgn="b"/>
+                      <a:r>
+                        <a:rPr lang="es-AR" sz="800" b="1" u="none" strike="noStrike" dirty="0">
+                          <a:effectLst/>
+                        </a:rPr>
+                        <a:t>Componente 7</a:t>
+                      </a:r>
+                      <a:endParaRPr lang="es-AR" sz="800" b="1" i="0" u="none" strike="noStrike" dirty="0">
+                        <a:solidFill>
+                          <a:srgbClr val="000000"/>
+                        </a:solidFill>
+                        <a:effectLst/>
+                        <a:latin typeface="Calibri" panose="020F0502020204030204" pitchFamily="34" charset="0"/>
+                      </a:endParaRPr>
+                    </a:p>
+                  </a:txBody>
+                  <a:tcPr marL="9525" marR="9525" marT="9525" marB="0" anchor="ctr">
+                    <a:lnL w="12700" cap="flat" cmpd="sng" algn="ctr">
+                      <a:solidFill>
+                        <a:schemeClr val="tx1">
+                          <a:lumMod val="85000"/>
+                        </a:schemeClr>
+                      </a:solidFill>
+                      <a:prstDash val="sysDash"/>
+                      <a:round/>
+                      <a:headEnd type="none" w="med" len="med"/>
+                      <a:tailEnd type="none" w="med" len="med"/>
+                    </a:lnL>
+                    <a:lnR w="12700" cap="flat" cmpd="sng" algn="ctr">
+                      <a:solidFill>
+                        <a:schemeClr val="tx1">
+                          <a:lumMod val="85000"/>
+                        </a:schemeClr>
+                      </a:solidFill>
+                      <a:prstDash val="sysDash"/>
+                      <a:round/>
+                      <a:headEnd type="none" w="med" len="med"/>
+                      <a:tailEnd type="none" w="med" len="med"/>
+                    </a:lnR>
+                    <a:lnT w="12700" cap="flat" cmpd="sng" algn="ctr">
+                      <a:solidFill>
+                        <a:schemeClr val="tx1">
+                          <a:lumMod val="85000"/>
+                        </a:schemeClr>
+                      </a:solidFill>
+                      <a:prstDash val="sysDash"/>
+                      <a:round/>
+                      <a:headEnd type="none" w="med" len="med"/>
+                      <a:tailEnd type="none" w="med" len="med"/>
+                    </a:lnT>
+                    <a:lnB w="12700" cap="flat" cmpd="sng" algn="ctr">
+                      <a:solidFill>
+                        <a:schemeClr val="tx1">
+                          <a:lumMod val="85000"/>
+                        </a:schemeClr>
+                      </a:solidFill>
+                      <a:prstDash val="sysDash"/>
+                      <a:round/>
+                      <a:headEnd type="none" w="med" len="med"/>
+                      <a:tailEnd type="none" w="med" len="med"/>
+                    </a:lnB>
+                    <a:solidFill>
+                      <a:srgbClr val="31A4E2">
+                        <a:alpha val="60000"/>
+                      </a:srgbClr>
+                    </a:solidFill>
+                  </a:tcPr>
+                </a:tc>
+                <a:tc>
+                  <a:txBody>
+                    <a:bodyPr/>
+                    <a:lstStyle/>
+                    <a:p>
+                      <a:pPr algn="ctr" fontAlgn="ctr"/>
+                      <a:r>
+                        <a:rPr lang="es-AR" sz="900" u="none" strike="noStrike">
+                          <a:effectLst/>
+                        </a:rPr>
+                        <a:t>0,13</a:t>
+                      </a:r>
+                      <a:endParaRPr lang="es-AR" sz="900" b="0" i="0" u="none" strike="noStrike">
+                        <a:solidFill>
+                          <a:srgbClr val="000000"/>
+                        </a:solidFill>
+                        <a:effectLst/>
+                        <a:latin typeface="Calibri" panose="020F0502020204030204" pitchFamily="34" charset="0"/>
+                      </a:endParaRPr>
+                    </a:p>
+                  </a:txBody>
+                  <a:tcPr marL="9525" marR="9525" marT="9525" marB="0" anchor="ctr">
+                    <a:lnL w="12700" cap="flat" cmpd="sng" algn="ctr">
+                      <a:solidFill>
+                        <a:schemeClr val="tx1">
+                          <a:lumMod val="85000"/>
+                        </a:schemeClr>
+                      </a:solidFill>
+                      <a:prstDash val="sysDash"/>
+                      <a:round/>
+                      <a:headEnd type="none" w="med" len="med"/>
+                      <a:tailEnd type="none" w="med" len="med"/>
+                    </a:lnL>
+                    <a:lnR w="12700" cap="flat" cmpd="sng" algn="ctr">
+                      <a:solidFill>
+                        <a:schemeClr val="tx1">
+                          <a:lumMod val="85000"/>
+                        </a:schemeClr>
+                      </a:solidFill>
+                      <a:prstDash val="sysDash"/>
+                      <a:round/>
+                      <a:headEnd type="none" w="med" len="med"/>
+                      <a:tailEnd type="none" w="med" len="med"/>
+                    </a:lnR>
+                    <a:lnT w="12700" cap="flat" cmpd="sng" algn="ctr">
+                      <a:solidFill>
+                        <a:schemeClr val="tx1">
+                          <a:lumMod val="85000"/>
+                        </a:schemeClr>
+                      </a:solidFill>
+                      <a:prstDash val="sysDash"/>
+                      <a:round/>
+                      <a:headEnd type="none" w="med" len="med"/>
+                      <a:tailEnd type="none" w="med" len="med"/>
+                    </a:lnT>
+                    <a:lnB w="12700" cap="flat" cmpd="sng" algn="ctr">
+                      <a:solidFill>
+                        <a:schemeClr val="tx1">
+                          <a:lumMod val="85000"/>
+                        </a:schemeClr>
+                      </a:solidFill>
+                      <a:prstDash val="sysDash"/>
+                      <a:round/>
+                      <a:headEnd type="none" w="med" len="med"/>
+                      <a:tailEnd type="none" w="med" len="med"/>
+                    </a:lnB>
+                    <a:noFill/>
+                  </a:tcPr>
+                </a:tc>
+                <a:tc>
+                  <a:txBody>
+                    <a:bodyPr/>
+                    <a:lstStyle/>
+                    <a:p>
+                      <a:pPr algn="ctr" fontAlgn="ctr"/>
+                      <a:r>
+                        <a:rPr lang="es-AR" sz="900" u="none" strike="noStrike">
+                          <a:effectLst/>
+                        </a:rPr>
+                        <a:t>0,36</a:t>
+                      </a:r>
+                      <a:endParaRPr lang="es-AR" sz="900" b="0" i="0" u="none" strike="noStrike">
+                        <a:solidFill>
+                          <a:srgbClr val="000000"/>
+                        </a:solidFill>
+                        <a:effectLst/>
+                        <a:latin typeface="Calibri" panose="020F0502020204030204" pitchFamily="34" charset="0"/>
+                      </a:endParaRPr>
+                    </a:p>
+                  </a:txBody>
+                  <a:tcPr marL="9525" marR="9525" marT="9525" marB="0" anchor="ctr">
+                    <a:lnL w="12700" cap="flat" cmpd="sng" algn="ctr">
+                      <a:solidFill>
+                        <a:schemeClr val="tx1">
+                          <a:lumMod val="85000"/>
+                        </a:schemeClr>
+                      </a:solidFill>
+                      <a:prstDash val="sysDash"/>
+                      <a:round/>
+                      <a:headEnd type="none" w="med" len="med"/>
+                      <a:tailEnd type="none" w="med" len="med"/>
+                    </a:lnL>
+                    <a:lnR w="12700" cap="flat" cmpd="sng" algn="ctr">
+                      <a:solidFill>
+                        <a:schemeClr val="tx1">
+                          <a:lumMod val="85000"/>
+                        </a:schemeClr>
+                      </a:solidFill>
+                      <a:prstDash val="sysDash"/>
+                      <a:round/>
+                      <a:headEnd type="none" w="med" len="med"/>
+                      <a:tailEnd type="none" w="med" len="med"/>
+                    </a:lnR>
+                    <a:lnT w="12700" cap="flat" cmpd="sng" algn="ctr">
+                      <a:solidFill>
+                        <a:schemeClr val="tx1">
+                          <a:lumMod val="85000"/>
+                        </a:schemeClr>
+                      </a:solidFill>
+                      <a:prstDash val="sysDash"/>
+                      <a:round/>
+                      <a:headEnd type="none" w="med" len="med"/>
+                      <a:tailEnd type="none" w="med" len="med"/>
+                    </a:lnT>
+                    <a:lnB w="12700" cap="flat" cmpd="sng" algn="ctr">
+                      <a:solidFill>
+                        <a:schemeClr val="tx1">
+                          <a:lumMod val="85000"/>
+                        </a:schemeClr>
+                      </a:solidFill>
+                      <a:prstDash val="sysDash"/>
+                      <a:round/>
+                      <a:headEnd type="none" w="med" len="med"/>
+                      <a:tailEnd type="none" w="med" len="med"/>
+                    </a:lnB>
+                    <a:noFill/>
+                  </a:tcPr>
+                </a:tc>
+                <a:tc>
+                  <a:txBody>
+                    <a:bodyPr/>
+                    <a:lstStyle/>
+                    <a:p>
+                      <a:pPr algn="ctr" fontAlgn="ctr"/>
+                      <a:r>
+                        <a:rPr lang="es-AR" sz="900" u="none" strike="noStrike">
+                          <a:effectLst/>
+                        </a:rPr>
+                        <a:t>0,02</a:t>
+                      </a:r>
+                      <a:endParaRPr lang="es-AR" sz="900" b="0" i="0" u="none" strike="noStrike">
+                        <a:solidFill>
+                          <a:srgbClr val="000000"/>
+                        </a:solidFill>
+                        <a:effectLst/>
+                        <a:latin typeface="Calibri" panose="020F0502020204030204" pitchFamily="34" charset="0"/>
+                      </a:endParaRPr>
+                    </a:p>
+                  </a:txBody>
+                  <a:tcPr marL="9525" marR="9525" marT="9525" marB="0" anchor="ctr">
+                    <a:lnL w="12700" cap="flat" cmpd="sng" algn="ctr">
+                      <a:solidFill>
+                        <a:schemeClr val="tx1">
+                          <a:lumMod val="85000"/>
+                        </a:schemeClr>
+                      </a:solidFill>
+                      <a:prstDash val="sysDash"/>
+                      <a:round/>
+                      <a:headEnd type="none" w="med" len="med"/>
+                      <a:tailEnd type="none" w="med" len="med"/>
+                    </a:lnL>
+                    <a:lnR w="12700" cap="flat" cmpd="sng" algn="ctr">
+                      <a:solidFill>
+                        <a:schemeClr val="tx1">
+                          <a:lumMod val="85000"/>
+                        </a:schemeClr>
+                      </a:solidFill>
+                      <a:prstDash val="sysDash"/>
+                      <a:round/>
+                      <a:headEnd type="none" w="med" len="med"/>
+                      <a:tailEnd type="none" w="med" len="med"/>
+                    </a:lnR>
+                    <a:lnT w="12700" cap="flat" cmpd="sng" algn="ctr">
+                      <a:solidFill>
+                        <a:schemeClr val="tx1">
+                          <a:lumMod val="85000"/>
+                        </a:schemeClr>
+                      </a:solidFill>
+                      <a:prstDash val="sysDash"/>
+                      <a:round/>
+                      <a:headEnd type="none" w="med" len="med"/>
+                      <a:tailEnd type="none" w="med" len="med"/>
+                    </a:lnT>
+                    <a:lnB w="12700" cap="flat" cmpd="sng" algn="ctr">
+                      <a:solidFill>
+                        <a:schemeClr val="tx1">
+                          <a:lumMod val="85000"/>
+                        </a:schemeClr>
+                      </a:solidFill>
+                      <a:prstDash val="sysDash"/>
+                      <a:round/>
+                      <a:headEnd type="none" w="med" len="med"/>
+                      <a:tailEnd type="none" w="med" len="med"/>
+                    </a:lnB>
+                    <a:noFill/>
+                  </a:tcPr>
+                </a:tc>
+                <a:tc>
+                  <a:txBody>
+                    <a:bodyPr/>
+                    <a:lstStyle/>
+                    <a:p>
+                      <a:pPr algn="ctr" fontAlgn="ctr"/>
+                      <a:r>
+                        <a:rPr lang="es-AR" sz="900" u="none" strike="noStrike" dirty="0">
+                          <a:effectLst/>
+                        </a:rPr>
+                        <a:t>1</a:t>
+                      </a:r>
+                      <a:endParaRPr lang="es-AR" sz="900" b="0" i="0" u="none" strike="noStrike" dirty="0">
+                        <a:solidFill>
+                          <a:srgbClr val="000000"/>
+                        </a:solidFill>
+                        <a:effectLst/>
+                        <a:latin typeface="Calibri" panose="020F0502020204030204" pitchFamily="34" charset="0"/>
+                      </a:endParaRPr>
+                    </a:p>
+                  </a:txBody>
+                  <a:tcPr marL="9525" marR="9525" marT="9525" marB="0" anchor="ctr">
+                    <a:lnL w="12700" cap="flat" cmpd="sng" algn="ctr">
+                      <a:solidFill>
+                        <a:schemeClr val="tx1">
+                          <a:lumMod val="85000"/>
+                        </a:schemeClr>
+                      </a:solidFill>
+                      <a:prstDash val="sysDash"/>
+                      <a:round/>
+                      <a:headEnd type="none" w="med" len="med"/>
+                      <a:tailEnd type="none" w="med" len="med"/>
+                    </a:lnL>
+                    <a:lnR w="12700" cap="flat" cmpd="sng" algn="ctr">
+                      <a:solidFill>
+                        <a:schemeClr val="tx1">
+                          <a:lumMod val="85000"/>
+                        </a:schemeClr>
+                      </a:solidFill>
+                      <a:prstDash val="sysDash"/>
+                      <a:round/>
+                      <a:headEnd type="none" w="med" len="med"/>
+                      <a:tailEnd type="none" w="med" len="med"/>
+                    </a:lnR>
+                    <a:lnT w="12700" cap="flat" cmpd="sng" algn="ctr">
+                      <a:solidFill>
+                        <a:schemeClr val="tx1">
+                          <a:lumMod val="85000"/>
+                        </a:schemeClr>
+                      </a:solidFill>
+                      <a:prstDash val="sysDash"/>
+                      <a:round/>
+                      <a:headEnd type="none" w="med" len="med"/>
+                      <a:tailEnd type="none" w="med" len="med"/>
+                    </a:lnT>
+                    <a:lnB w="12700" cap="flat" cmpd="sng" algn="ctr">
+                      <a:solidFill>
+                        <a:schemeClr val="tx1">
+                          <a:lumMod val="85000"/>
+                        </a:schemeClr>
+                      </a:solidFill>
+                      <a:prstDash val="sysDash"/>
+                      <a:round/>
+                      <a:headEnd type="none" w="med" len="med"/>
+                      <a:tailEnd type="none" w="med" len="med"/>
+                    </a:lnB>
+                    <a:noFill/>
+                  </a:tcPr>
+                </a:tc>
+                <a:extLst>
+                  <a:ext uri="{0D108BD9-81ED-4DB2-BD59-A6C34878D82A}">
+                    <a16:rowId xmlns:a16="http://schemas.microsoft.com/office/drawing/2014/main" val="3448120567"/>
+                  </a:ext>
+                </a:extLst>
+              </a:tr>
+            </a:tbl>
+          </a:graphicData>
+        </a:graphic>
+      </p:graphicFrame>
+      <p:graphicFrame>
+        <p:nvGraphicFramePr>
+          <p:cNvPr id="12" name="Tabla 11">
+            <a:extLst>
+              <a:ext uri="{FF2B5EF4-FFF2-40B4-BE49-F238E27FC236}">
+                <a16:creationId xmlns:a16="http://schemas.microsoft.com/office/drawing/2014/main" id="{F51AC913-1EBD-5BAC-396C-3E8FB88AC7EE}"/>
+              </a:ext>
+            </a:extLst>
+          </p:cNvPr>
+          <p:cNvGraphicFramePr>
+            <a:graphicFrameLocks noGrp="1"/>
+          </p:cNvGraphicFramePr>
+          <p:nvPr>
+            <p:extLst>
+              <p:ext uri="{D42A27DB-BD31-4B8C-83A1-F6EECF244321}">
+                <p14:modId xmlns:p14="http://schemas.microsoft.com/office/powerpoint/2010/main" val="1121039406"/>
+              </p:ext>
+            </p:extLst>
+          </p:nvPr>
+        </p:nvGraphicFramePr>
+        <p:xfrm>
+          <a:off x="339365" y="3097879"/>
+          <a:ext cx="6271748" cy="1280160"/>
+        </p:xfrm>
+        <a:graphic>
+          <a:graphicData uri="http://schemas.openxmlformats.org/drawingml/2006/table">
+            <a:tbl>
+              <a:tblPr>
+                <a:tableStyleId>{5C22544A-7EE6-4342-B048-85BDC9FD1C3A}</a:tableStyleId>
+              </a:tblPr>
+              <a:tblGrid>
+                <a:gridCol w="994684">
+                  <a:extLst>
+                    <a:ext uri="{9D8B030D-6E8A-4147-A177-3AD203B41FA5}">
+                      <a16:colId xmlns:a16="http://schemas.microsoft.com/office/drawing/2014/main" val="1428270223"/>
+                    </a:ext>
+                  </a:extLst>
+                </a:gridCol>
+                <a:gridCol w="1319266">
+                  <a:extLst>
+                    <a:ext uri="{9D8B030D-6E8A-4147-A177-3AD203B41FA5}">
+                      <a16:colId xmlns:a16="http://schemas.microsoft.com/office/drawing/2014/main" val="3009682662"/>
+                    </a:ext>
+                  </a:extLst>
+                </a:gridCol>
+                <a:gridCol w="1319266">
+                  <a:extLst>
+                    <a:ext uri="{9D8B030D-6E8A-4147-A177-3AD203B41FA5}">
+                      <a16:colId xmlns:a16="http://schemas.microsoft.com/office/drawing/2014/main" val="1502014676"/>
+                    </a:ext>
+                  </a:extLst>
+                </a:gridCol>
+                <a:gridCol w="1319266">
+                  <a:extLst>
+                    <a:ext uri="{9D8B030D-6E8A-4147-A177-3AD203B41FA5}">
+                      <a16:colId xmlns:a16="http://schemas.microsoft.com/office/drawing/2014/main" val="2351665972"/>
+                    </a:ext>
+                  </a:extLst>
+                </a:gridCol>
+                <a:gridCol w="1319266">
+                  <a:extLst>
+                    <a:ext uri="{9D8B030D-6E8A-4147-A177-3AD203B41FA5}">
+                      <a16:colId xmlns:a16="http://schemas.microsoft.com/office/drawing/2014/main" val="4009243965"/>
+                    </a:ext>
+                  </a:extLst>
+                </a:gridCol>
+              </a:tblGrid>
+              <a:tr h="187993">
+                <a:tc>
+                  <a:txBody>
+                    <a:bodyPr/>
+                    <a:lstStyle/>
+                    <a:p>
+                      <a:pPr algn="ctr" fontAlgn="ctr"/>
+                      <a:r>
+                        <a:rPr lang="es-AR" sz="800" b="1" u="none" strike="noStrike" dirty="0" err="1">
+                          <a:effectLst/>
+                        </a:rPr>
+                        <a:t>N°</a:t>
+                      </a:r>
+                      <a:r>
+                        <a:rPr lang="es-AR" sz="800" b="1" u="none" strike="noStrike" dirty="0">
+                          <a:effectLst/>
+                        </a:rPr>
+                        <a:t> de Componente</a:t>
+                      </a:r>
+                      <a:endParaRPr lang="es-AR" sz="800" b="1" i="0" u="none" strike="noStrike" dirty="0">
+                        <a:solidFill>
+                          <a:srgbClr val="000000"/>
+                        </a:solidFill>
+                        <a:effectLst/>
+                        <a:latin typeface="Calibri" panose="020F0502020204030204" pitchFamily="34" charset="0"/>
+                      </a:endParaRPr>
+                    </a:p>
+                  </a:txBody>
+                  <a:tcPr marL="9525" marR="9525" marT="9525" marB="0" anchor="ctr">
+                    <a:lnL w="12700" cap="flat" cmpd="sng" algn="ctr">
+                      <a:solidFill>
+                        <a:schemeClr val="tx1">
+                          <a:lumMod val="85000"/>
+                        </a:schemeClr>
+                      </a:solidFill>
+                      <a:prstDash val="sysDash"/>
+                      <a:round/>
+                      <a:headEnd type="none" w="med" len="med"/>
+                      <a:tailEnd type="none" w="med" len="med"/>
+                    </a:lnL>
+                    <a:lnR w="12700" cap="flat" cmpd="sng" algn="ctr">
+                      <a:solidFill>
+                        <a:schemeClr val="tx1">
+                          <a:lumMod val="85000"/>
+                        </a:schemeClr>
+                      </a:solidFill>
+                      <a:prstDash val="sysDash"/>
+                      <a:round/>
+                      <a:headEnd type="none" w="med" len="med"/>
+                      <a:tailEnd type="none" w="med" len="med"/>
+                    </a:lnR>
+                    <a:lnT w="12700" cap="flat" cmpd="sng" algn="ctr">
+                      <a:solidFill>
+                        <a:schemeClr val="tx1">
+                          <a:lumMod val="85000"/>
+                        </a:schemeClr>
+                      </a:solidFill>
+                      <a:prstDash val="sysDash"/>
+                      <a:round/>
+                      <a:headEnd type="none" w="med" len="med"/>
+                      <a:tailEnd type="none" w="med" len="med"/>
+                    </a:lnT>
+                    <a:lnB w="12700" cap="flat" cmpd="sng" algn="ctr">
+                      <a:solidFill>
+                        <a:schemeClr val="tx1">
+                          <a:lumMod val="85000"/>
+                        </a:schemeClr>
+                      </a:solidFill>
+                      <a:prstDash val="sysDash"/>
+                      <a:round/>
+                      <a:headEnd type="none" w="med" len="med"/>
+                      <a:tailEnd type="none" w="med" len="med"/>
+                    </a:lnB>
+                    <a:solidFill>
+                      <a:srgbClr val="31A4E2">
+                        <a:alpha val="60000"/>
+                      </a:srgbClr>
+                    </a:solidFill>
+                  </a:tcPr>
+                </a:tc>
+                <a:tc>
+                  <a:txBody>
+                    <a:bodyPr/>
+                    <a:lstStyle/>
+                    <a:p>
+                      <a:pPr algn="ctr" fontAlgn="t"/>
+                      <a:r>
+                        <a:rPr lang="es-AR" sz="800" b="1" u="none" strike="noStrike" dirty="0">
+                          <a:effectLst/>
+                        </a:rPr>
+                        <a:t>Varianza</a:t>
+                      </a:r>
+                      <a:endParaRPr lang="es-AR" sz="800" b="1" i="0" u="none" strike="noStrike" dirty="0">
+                        <a:solidFill>
+                          <a:srgbClr val="000000"/>
+                        </a:solidFill>
+                        <a:effectLst/>
+                        <a:latin typeface="Calibri" panose="020F0502020204030204" pitchFamily="34" charset="0"/>
+                      </a:endParaRPr>
+                    </a:p>
+                  </a:txBody>
+                  <a:tcPr marL="9525" marR="9525" marT="9525" marB="0" anchor="ctr">
+                    <a:lnL w="12700" cap="flat" cmpd="sng" algn="ctr">
+                      <a:solidFill>
+                        <a:schemeClr val="tx1">
+                          <a:lumMod val="85000"/>
+                        </a:schemeClr>
+                      </a:solidFill>
+                      <a:prstDash val="sysDash"/>
+                      <a:round/>
+                      <a:headEnd type="none" w="med" len="med"/>
+                      <a:tailEnd type="none" w="med" len="med"/>
+                    </a:lnL>
+                    <a:lnR w="12700" cap="flat" cmpd="sng" algn="ctr">
+                      <a:solidFill>
+                        <a:schemeClr val="tx1">
+                          <a:lumMod val="85000"/>
+                        </a:schemeClr>
+                      </a:solidFill>
+                      <a:prstDash val="sysDash"/>
+                      <a:round/>
+                      <a:headEnd type="none" w="med" len="med"/>
+                      <a:tailEnd type="none" w="med" len="med"/>
+                    </a:lnR>
+                    <a:lnT w="12700" cap="flat" cmpd="sng" algn="ctr">
+                      <a:solidFill>
+                        <a:schemeClr val="tx1">
+                          <a:lumMod val="85000"/>
+                        </a:schemeClr>
+                      </a:solidFill>
+                      <a:prstDash val="sysDash"/>
+                      <a:round/>
+                      <a:headEnd type="none" w="med" len="med"/>
+                      <a:tailEnd type="none" w="med" len="med"/>
+                    </a:lnT>
+                    <a:lnB w="12700" cap="flat" cmpd="sng" algn="ctr">
+                      <a:solidFill>
+                        <a:schemeClr val="tx1">
+                          <a:lumMod val="85000"/>
+                        </a:schemeClr>
+                      </a:solidFill>
+                      <a:prstDash val="sysDash"/>
+                      <a:round/>
+                      <a:headEnd type="none" w="med" len="med"/>
+                      <a:tailEnd type="none" w="med" len="med"/>
+                    </a:lnB>
+                    <a:solidFill>
+                      <a:srgbClr val="31A4E2">
+                        <a:alpha val="60000"/>
+                      </a:srgbClr>
+                    </a:solidFill>
+                  </a:tcPr>
+                </a:tc>
+                <a:tc>
+                  <a:txBody>
+                    <a:bodyPr/>
+                    <a:lstStyle/>
+                    <a:p>
+                      <a:pPr algn="ctr" fontAlgn="t"/>
+                      <a:r>
+                        <a:rPr lang="es-AR" sz="800" b="1" u="none" strike="noStrike" dirty="0">
+                          <a:effectLst/>
+                        </a:rPr>
+                        <a:t>Desviación Estándar</a:t>
+                      </a:r>
+                      <a:endParaRPr lang="es-AR" sz="800" b="1" i="0" u="none" strike="noStrike" dirty="0">
+                        <a:solidFill>
+                          <a:srgbClr val="000000"/>
+                        </a:solidFill>
+                        <a:effectLst/>
+                        <a:latin typeface="Calibri" panose="020F0502020204030204" pitchFamily="34" charset="0"/>
+                      </a:endParaRPr>
+                    </a:p>
+                  </a:txBody>
+                  <a:tcPr marL="9525" marR="9525" marT="9525" marB="0" anchor="ctr">
+                    <a:lnL w="12700" cap="flat" cmpd="sng" algn="ctr">
+                      <a:solidFill>
+                        <a:schemeClr val="tx1">
+                          <a:lumMod val="85000"/>
+                        </a:schemeClr>
+                      </a:solidFill>
+                      <a:prstDash val="sysDash"/>
+                      <a:round/>
+                      <a:headEnd type="none" w="med" len="med"/>
+                      <a:tailEnd type="none" w="med" len="med"/>
+                    </a:lnL>
+                    <a:lnR w="12700" cap="flat" cmpd="sng" algn="ctr">
+                      <a:solidFill>
+                        <a:schemeClr val="tx1">
+                          <a:lumMod val="85000"/>
+                        </a:schemeClr>
+                      </a:solidFill>
+                      <a:prstDash val="sysDash"/>
+                      <a:round/>
+                      <a:headEnd type="none" w="med" len="med"/>
+                      <a:tailEnd type="none" w="med" len="med"/>
+                    </a:lnR>
+                    <a:lnT w="12700" cap="flat" cmpd="sng" algn="ctr">
+                      <a:solidFill>
+                        <a:schemeClr val="tx1">
+                          <a:lumMod val="85000"/>
+                        </a:schemeClr>
+                      </a:solidFill>
+                      <a:prstDash val="sysDash"/>
+                      <a:round/>
+                      <a:headEnd type="none" w="med" len="med"/>
+                      <a:tailEnd type="none" w="med" len="med"/>
+                    </a:lnT>
+                    <a:lnB w="12700" cap="flat" cmpd="sng" algn="ctr">
+                      <a:solidFill>
+                        <a:schemeClr val="tx1">
+                          <a:lumMod val="85000"/>
+                        </a:schemeClr>
+                      </a:solidFill>
+                      <a:prstDash val="sysDash"/>
+                      <a:round/>
+                      <a:headEnd type="none" w="med" len="med"/>
+                      <a:tailEnd type="none" w="med" len="med"/>
+                    </a:lnB>
+                    <a:solidFill>
+                      <a:srgbClr val="31A4E2">
+                        <a:alpha val="60000"/>
+                      </a:srgbClr>
+                    </a:solidFill>
+                  </a:tcPr>
+                </a:tc>
+                <a:tc>
+                  <a:txBody>
+                    <a:bodyPr/>
+                    <a:lstStyle/>
+                    <a:p>
+                      <a:pPr algn="ctr" fontAlgn="t"/>
+                      <a:r>
+                        <a:rPr lang="es-AR" sz="800" b="1" u="none" strike="noStrike" dirty="0">
+                          <a:effectLst/>
+                        </a:rPr>
+                        <a:t>Varianza Explicada</a:t>
+                      </a:r>
+                      <a:endParaRPr lang="es-AR" sz="800" b="1" i="0" u="none" strike="noStrike" dirty="0">
+                        <a:solidFill>
+                          <a:srgbClr val="000000"/>
+                        </a:solidFill>
+                        <a:effectLst/>
+                        <a:latin typeface="Calibri" panose="020F0502020204030204" pitchFamily="34" charset="0"/>
+                      </a:endParaRPr>
+                    </a:p>
+                  </a:txBody>
+                  <a:tcPr marL="9525" marR="9525" marT="9525" marB="0" anchor="ctr">
+                    <a:lnL w="12700" cap="flat" cmpd="sng" algn="ctr">
+                      <a:solidFill>
+                        <a:schemeClr val="tx1">
+                          <a:lumMod val="85000"/>
+                        </a:schemeClr>
+                      </a:solidFill>
+                      <a:prstDash val="sysDash"/>
+                      <a:round/>
+                      <a:headEnd type="none" w="med" len="med"/>
+                      <a:tailEnd type="none" w="med" len="med"/>
+                    </a:lnL>
+                    <a:lnR w="12700" cap="flat" cmpd="sng" algn="ctr">
+                      <a:solidFill>
+                        <a:schemeClr val="tx1">
+                          <a:lumMod val="85000"/>
+                        </a:schemeClr>
+                      </a:solidFill>
+                      <a:prstDash val="sysDash"/>
+                      <a:round/>
+                      <a:headEnd type="none" w="med" len="med"/>
+                      <a:tailEnd type="none" w="med" len="med"/>
+                    </a:lnR>
+                    <a:lnT w="12700" cap="flat" cmpd="sng" algn="ctr">
+                      <a:solidFill>
+                        <a:schemeClr val="tx1">
+                          <a:lumMod val="85000"/>
+                        </a:schemeClr>
+                      </a:solidFill>
+                      <a:prstDash val="sysDash"/>
+                      <a:round/>
+                      <a:headEnd type="none" w="med" len="med"/>
+                      <a:tailEnd type="none" w="med" len="med"/>
+                    </a:lnT>
+                    <a:lnB w="12700" cap="flat" cmpd="sng" algn="ctr">
+                      <a:solidFill>
+                        <a:schemeClr val="tx1">
+                          <a:lumMod val="85000"/>
+                        </a:schemeClr>
+                      </a:solidFill>
+                      <a:prstDash val="sysDash"/>
+                      <a:round/>
+                      <a:headEnd type="none" w="med" len="med"/>
+                      <a:tailEnd type="none" w="med" len="med"/>
+                    </a:lnB>
+                    <a:solidFill>
+                      <a:srgbClr val="31A4E2">
+                        <a:alpha val="60000"/>
+                      </a:srgbClr>
+                    </a:solidFill>
+                  </a:tcPr>
+                </a:tc>
+                <a:tc>
+                  <a:txBody>
+                    <a:bodyPr/>
+                    <a:lstStyle/>
+                    <a:p>
+                      <a:pPr algn="ctr" fontAlgn="t"/>
+                      <a:r>
+                        <a:rPr lang="es-AR" sz="800" b="1" u="none" strike="noStrike" dirty="0">
+                          <a:effectLst/>
+                        </a:rPr>
+                        <a:t>Varianza </a:t>
+                      </a:r>
+                      <a:r>
+                        <a:rPr lang="es-AR" sz="800" b="1" u="none" strike="noStrike" dirty="0" err="1">
+                          <a:effectLst/>
+                        </a:rPr>
+                        <a:t>Exp</a:t>
+                      </a:r>
+                      <a:r>
+                        <a:rPr lang="es-AR" sz="800" b="1" u="none" strike="noStrike" dirty="0">
+                          <a:effectLst/>
+                        </a:rPr>
+                        <a:t>. </a:t>
+                      </a:r>
+                      <a:r>
+                        <a:rPr lang="es-AR" sz="800" b="1" u="none" strike="noStrike" dirty="0" err="1">
+                          <a:effectLst/>
+                        </a:rPr>
+                        <a:t>Acum</a:t>
+                      </a:r>
+                      <a:r>
+                        <a:rPr lang="es-AR" sz="800" b="1" u="none" strike="noStrike" dirty="0">
+                          <a:effectLst/>
+                        </a:rPr>
+                        <a:t>.</a:t>
+                      </a:r>
+                      <a:endParaRPr lang="es-AR" sz="800" b="1" i="0" u="none" strike="noStrike" dirty="0">
+                        <a:solidFill>
+                          <a:srgbClr val="000000"/>
+                        </a:solidFill>
+                        <a:effectLst/>
+                        <a:latin typeface="Calibri" panose="020F0502020204030204" pitchFamily="34" charset="0"/>
+                      </a:endParaRPr>
+                    </a:p>
+                  </a:txBody>
+                  <a:tcPr marL="9525" marR="9525" marT="9525" marB="0" anchor="ctr">
+                    <a:lnL w="12700" cap="flat" cmpd="sng" algn="ctr">
+                      <a:solidFill>
+                        <a:schemeClr val="tx1">
+                          <a:lumMod val="85000"/>
+                        </a:schemeClr>
+                      </a:solidFill>
+                      <a:prstDash val="sysDash"/>
+                      <a:round/>
+                      <a:headEnd type="none" w="med" len="med"/>
+                      <a:tailEnd type="none" w="med" len="med"/>
+                    </a:lnL>
+                    <a:lnR w="12700" cap="flat" cmpd="sng" algn="ctr">
+                      <a:solidFill>
+                        <a:schemeClr val="tx1">
+                          <a:lumMod val="85000"/>
+                        </a:schemeClr>
+                      </a:solidFill>
+                      <a:prstDash val="sysDash"/>
+                      <a:round/>
+                      <a:headEnd type="none" w="med" len="med"/>
+                      <a:tailEnd type="none" w="med" len="med"/>
+                    </a:lnR>
+                    <a:lnT w="12700" cap="flat" cmpd="sng" algn="ctr">
+                      <a:solidFill>
+                        <a:schemeClr val="tx1">
+                          <a:lumMod val="85000"/>
+                        </a:schemeClr>
+                      </a:solidFill>
+                      <a:prstDash val="sysDash"/>
+                      <a:round/>
+                      <a:headEnd type="none" w="med" len="med"/>
+                      <a:tailEnd type="none" w="med" len="med"/>
+                    </a:lnT>
+                    <a:lnB w="12700" cap="flat" cmpd="sng" algn="ctr">
+                      <a:solidFill>
+                        <a:schemeClr val="tx1">
+                          <a:lumMod val="85000"/>
+                        </a:schemeClr>
+                      </a:solidFill>
+                      <a:prstDash val="sysDash"/>
+                      <a:round/>
+                      <a:headEnd type="none" w="med" len="med"/>
+                      <a:tailEnd type="none" w="med" len="med"/>
+                    </a:lnB>
+                    <a:solidFill>
+                      <a:srgbClr val="31A4E2">
+                        <a:alpha val="60000"/>
+                      </a:srgbClr>
+                    </a:solidFill>
+                  </a:tcPr>
+                </a:tc>
+                <a:extLst>
+                  <a:ext uri="{0D108BD9-81ED-4DB2-BD59-A6C34878D82A}">
+                    <a16:rowId xmlns:a16="http://schemas.microsoft.com/office/drawing/2014/main" val="3492302632"/>
+                  </a:ext>
+                </a:extLst>
+              </a:tr>
+              <a:tr h="126170">
+                <a:tc>
+                  <a:txBody>
+                    <a:bodyPr/>
+                    <a:lstStyle/>
+                    <a:p>
+                      <a:pPr algn="l" fontAlgn="b"/>
+                      <a:r>
+                        <a:rPr lang="es-AR" sz="800" b="1" u="none" strike="noStrike" dirty="0">
+                          <a:effectLst/>
+                        </a:rPr>
+                        <a:t>Componente 1</a:t>
+                      </a:r>
+                      <a:endParaRPr lang="es-AR" sz="800" b="1" i="0" u="none" strike="noStrike" dirty="0">
+                        <a:solidFill>
+                          <a:srgbClr val="000000"/>
+                        </a:solidFill>
+                        <a:effectLst/>
+                        <a:latin typeface="Calibri" panose="020F0502020204030204" pitchFamily="34" charset="0"/>
+                      </a:endParaRPr>
+                    </a:p>
+                  </a:txBody>
+                  <a:tcPr marL="9525" marR="9525" marT="9525" marB="0" anchor="ctr">
+                    <a:lnL w="12700" cap="flat" cmpd="sng" algn="ctr">
+                      <a:solidFill>
+                        <a:schemeClr val="tx1">
+                          <a:lumMod val="85000"/>
+                        </a:schemeClr>
+                      </a:solidFill>
+                      <a:prstDash val="sysDash"/>
+                      <a:round/>
+                      <a:headEnd type="none" w="med" len="med"/>
+                      <a:tailEnd type="none" w="med" len="med"/>
+                    </a:lnL>
+                    <a:lnR w="12700" cap="flat" cmpd="sng" algn="ctr">
+                      <a:solidFill>
+                        <a:schemeClr val="tx1">
+                          <a:lumMod val="85000"/>
+                        </a:schemeClr>
+                      </a:solidFill>
+                      <a:prstDash val="sysDash"/>
+                      <a:round/>
+                      <a:headEnd type="none" w="med" len="med"/>
+                      <a:tailEnd type="none" w="med" len="med"/>
+                    </a:lnR>
+                    <a:lnT w="12700" cap="flat" cmpd="sng" algn="ctr">
+                      <a:solidFill>
+                        <a:schemeClr val="tx1">
+                          <a:lumMod val="85000"/>
+                        </a:schemeClr>
+                      </a:solidFill>
+                      <a:prstDash val="sysDash"/>
+                      <a:round/>
+                      <a:headEnd type="none" w="med" len="med"/>
+                      <a:tailEnd type="none" w="med" len="med"/>
+                    </a:lnT>
+                    <a:lnB w="12700" cap="flat" cmpd="sng" algn="ctr">
+                      <a:solidFill>
+                        <a:schemeClr val="tx1">
+                          <a:lumMod val="85000"/>
+                        </a:schemeClr>
+                      </a:solidFill>
+                      <a:prstDash val="sysDash"/>
+                      <a:round/>
+                      <a:headEnd type="none" w="med" len="med"/>
+                      <a:tailEnd type="none" w="med" len="med"/>
+                    </a:lnB>
+                    <a:solidFill>
+                      <a:srgbClr val="31A4E2">
+                        <a:alpha val="60000"/>
+                      </a:srgbClr>
+                    </a:solidFill>
+                  </a:tcPr>
+                </a:tc>
+                <a:tc>
+                  <a:txBody>
+                    <a:bodyPr/>
+                    <a:lstStyle/>
+                    <a:p>
+                      <a:pPr algn="ctr" fontAlgn="ctr"/>
+                      <a:r>
+                        <a:rPr lang="es-AR" sz="900" b="0" i="0" u="none" strike="noStrike" dirty="0">
+                          <a:solidFill>
+                            <a:srgbClr val="000000"/>
+                          </a:solidFill>
+                          <a:effectLst/>
+                          <a:latin typeface="Walbaum Display (Cuerpo)"/>
+                        </a:rPr>
+                        <a:t>0,04</a:t>
+                      </a:r>
+                    </a:p>
+                  </a:txBody>
+                  <a:tcPr marL="9525" marR="9525" marT="9525" marB="0" anchor="ctr">
+                    <a:lnL w="12700" cap="flat" cmpd="sng" algn="ctr">
+                      <a:solidFill>
+                        <a:schemeClr val="tx1">
+                          <a:lumMod val="85000"/>
+                        </a:schemeClr>
+                      </a:solidFill>
+                      <a:prstDash val="sysDash"/>
+                      <a:round/>
+                      <a:headEnd type="none" w="med" len="med"/>
+                      <a:tailEnd type="none" w="med" len="med"/>
+                    </a:lnL>
+                    <a:lnR w="12700" cap="flat" cmpd="sng" algn="ctr">
+                      <a:solidFill>
+                        <a:schemeClr val="tx1">
+                          <a:lumMod val="85000"/>
+                        </a:schemeClr>
+                      </a:solidFill>
+                      <a:prstDash val="sysDash"/>
+                      <a:round/>
+                      <a:headEnd type="none" w="med" len="med"/>
+                      <a:tailEnd type="none" w="med" len="med"/>
+                    </a:lnR>
+                    <a:lnT w="12700" cap="flat" cmpd="sng" algn="ctr">
+                      <a:solidFill>
+                        <a:schemeClr val="tx1">
+                          <a:lumMod val="85000"/>
+                        </a:schemeClr>
+                      </a:solidFill>
+                      <a:prstDash val="sysDash"/>
+                      <a:round/>
+                      <a:headEnd type="none" w="med" len="med"/>
+                      <a:tailEnd type="none" w="med" len="med"/>
+                    </a:lnT>
+                    <a:lnB w="12700" cap="flat" cmpd="sng" algn="ctr">
+                      <a:solidFill>
+                        <a:schemeClr val="tx1">
+                          <a:lumMod val="85000"/>
+                        </a:schemeClr>
+                      </a:solidFill>
+                      <a:prstDash val="sysDash"/>
+                      <a:round/>
+                      <a:headEnd type="none" w="med" len="med"/>
+                      <a:tailEnd type="none" w="med" len="med"/>
+                    </a:lnB>
+                    <a:noFill/>
+                  </a:tcPr>
+                </a:tc>
+                <a:tc>
+                  <a:txBody>
+                    <a:bodyPr/>
+                    <a:lstStyle/>
+                    <a:p>
+                      <a:pPr algn="ctr" fontAlgn="ctr"/>
+                      <a:r>
+                        <a:rPr lang="es-AR" sz="900" b="0" i="0" u="none" strike="noStrike">
+                          <a:solidFill>
+                            <a:srgbClr val="000000"/>
+                          </a:solidFill>
+                          <a:effectLst/>
+                          <a:latin typeface="Walbaum Display (Cuerpo)"/>
+                        </a:rPr>
+                        <a:t>0,20</a:t>
+                      </a:r>
+                    </a:p>
+                  </a:txBody>
+                  <a:tcPr marL="9525" marR="9525" marT="9525" marB="0" anchor="ctr">
+                    <a:lnL w="12700" cap="flat" cmpd="sng" algn="ctr">
+                      <a:solidFill>
+                        <a:schemeClr val="tx1">
+                          <a:lumMod val="85000"/>
+                        </a:schemeClr>
+                      </a:solidFill>
+                      <a:prstDash val="sysDash"/>
+                      <a:round/>
+                      <a:headEnd type="none" w="med" len="med"/>
+                      <a:tailEnd type="none" w="med" len="med"/>
+                    </a:lnL>
+                    <a:lnR w="12700" cap="flat" cmpd="sng" algn="ctr">
+                      <a:solidFill>
+                        <a:schemeClr val="tx1">
+                          <a:lumMod val="85000"/>
+                        </a:schemeClr>
+                      </a:solidFill>
+                      <a:prstDash val="sysDash"/>
+                      <a:round/>
+                      <a:headEnd type="none" w="med" len="med"/>
+                      <a:tailEnd type="none" w="med" len="med"/>
+                    </a:lnR>
+                    <a:lnT w="12700" cap="flat" cmpd="sng" algn="ctr">
+                      <a:solidFill>
+                        <a:schemeClr val="tx1">
+                          <a:lumMod val="85000"/>
+                        </a:schemeClr>
+                      </a:solidFill>
+                      <a:prstDash val="sysDash"/>
+                      <a:round/>
+                      <a:headEnd type="none" w="med" len="med"/>
+                      <a:tailEnd type="none" w="med" len="med"/>
+                    </a:lnT>
+                    <a:lnB w="12700" cap="flat" cmpd="sng" algn="ctr">
+                      <a:solidFill>
+                        <a:schemeClr val="tx1">
+                          <a:lumMod val="85000"/>
+                        </a:schemeClr>
+                      </a:solidFill>
+                      <a:prstDash val="sysDash"/>
+                      <a:round/>
+                      <a:headEnd type="none" w="med" len="med"/>
+                      <a:tailEnd type="none" w="med" len="med"/>
+                    </a:lnB>
+                    <a:noFill/>
+                  </a:tcPr>
+                </a:tc>
+                <a:tc>
+                  <a:txBody>
+                    <a:bodyPr/>
+                    <a:lstStyle/>
+                    <a:p>
+                      <a:pPr algn="ctr" fontAlgn="ctr"/>
+                      <a:r>
+                        <a:rPr lang="es-AR" sz="900" b="0" i="0" u="none" strike="noStrike">
+                          <a:solidFill>
+                            <a:srgbClr val="000000"/>
+                          </a:solidFill>
+                          <a:effectLst/>
+                          <a:latin typeface="Walbaum Display (Cuerpo)"/>
+                        </a:rPr>
+                        <a:t>0,63</a:t>
+                      </a:r>
+                    </a:p>
+                  </a:txBody>
+                  <a:tcPr marL="9525" marR="9525" marT="9525" marB="0" anchor="ctr">
+                    <a:lnL w="12700" cap="flat" cmpd="sng" algn="ctr">
+                      <a:solidFill>
+                        <a:schemeClr val="tx1">
+                          <a:lumMod val="85000"/>
+                        </a:schemeClr>
+                      </a:solidFill>
+                      <a:prstDash val="sysDash"/>
+                      <a:round/>
+                      <a:headEnd type="none" w="med" len="med"/>
+                      <a:tailEnd type="none" w="med" len="med"/>
+                    </a:lnL>
+                    <a:lnR w="12700" cap="flat" cmpd="sng" algn="ctr">
+                      <a:solidFill>
+                        <a:schemeClr val="tx1">
+                          <a:lumMod val="85000"/>
+                        </a:schemeClr>
+                      </a:solidFill>
+                      <a:prstDash val="sysDash"/>
+                      <a:round/>
+                      <a:headEnd type="none" w="med" len="med"/>
+                      <a:tailEnd type="none" w="med" len="med"/>
+                    </a:lnR>
+                    <a:lnT w="12700" cap="flat" cmpd="sng" algn="ctr">
+                      <a:solidFill>
+                        <a:schemeClr val="tx1">
+                          <a:lumMod val="85000"/>
+                        </a:schemeClr>
+                      </a:solidFill>
+                      <a:prstDash val="sysDash"/>
+                      <a:round/>
+                      <a:headEnd type="none" w="med" len="med"/>
+                      <a:tailEnd type="none" w="med" len="med"/>
+                    </a:lnT>
+                    <a:lnB w="12700" cap="flat" cmpd="sng" algn="ctr">
+                      <a:solidFill>
+                        <a:schemeClr val="tx1">
+                          <a:lumMod val="85000"/>
+                        </a:schemeClr>
+                      </a:solidFill>
+                      <a:prstDash val="sysDash"/>
+                      <a:round/>
+                      <a:headEnd type="none" w="med" len="med"/>
+                      <a:tailEnd type="none" w="med" len="med"/>
+                    </a:lnB>
+                    <a:noFill/>
+                  </a:tcPr>
+                </a:tc>
+                <a:tc>
+                  <a:txBody>
+                    <a:bodyPr/>
+                    <a:lstStyle/>
+                    <a:p>
+                      <a:pPr algn="ctr" fontAlgn="ctr"/>
+                      <a:r>
+                        <a:rPr lang="es-AR" sz="900" b="0" i="0" u="none" strike="noStrike">
+                          <a:solidFill>
+                            <a:srgbClr val="000000"/>
+                          </a:solidFill>
+                          <a:effectLst/>
+                          <a:latin typeface="Walbaum Display (Cuerpo)"/>
+                        </a:rPr>
+                        <a:t>0,63</a:t>
+                      </a:r>
+                    </a:p>
+                  </a:txBody>
+                  <a:tcPr marL="9525" marR="9525" marT="9525" marB="0" anchor="ctr">
+                    <a:lnL w="12700" cap="flat" cmpd="sng" algn="ctr">
+                      <a:solidFill>
+                        <a:schemeClr val="tx1">
+                          <a:lumMod val="85000"/>
+                        </a:schemeClr>
+                      </a:solidFill>
+                      <a:prstDash val="sysDash"/>
+                      <a:round/>
+                      <a:headEnd type="none" w="med" len="med"/>
+                      <a:tailEnd type="none" w="med" len="med"/>
+                    </a:lnL>
+                    <a:lnR w="12700" cap="flat" cmpd="sng" algn="ctr">
+                      <a:solidFill>
+                        <a:schemeClr val="tx1">
+                          <a:lumMod val="85000"/>
+                        </a:schemeClr>
+                      </a:solidFill>
+                      <a:prstDash val="sysDash"/>
+                      <a:round/>
+                      <a:headEnd type="none" w="med" len="med"/>
+                      <a:tailEnd type="none" w="med" len="med"/>
+                    </a:lnR>
+                    <a:lnT w="12700" cap="flat" cmpd="sng" algn="ctr">
+                      <a:solidFill>
+                        <a:schemeClr val="tx1">
+                          <a:lumMod val="85000"/>
+                        </a:schemeClr>
+                      </a:solidFill>
+                      <a:prstDash val="sysDash"/>
+                      <a:round/>
+                      <a:headEnd type="none" w="med" len="med"/>
+                      <a:tailEnd type="none" w="med" len="med"/>
+                    </a:lnT>
+                    <a:lnB w="12700" cap="flat" cmpd="sng" algn="ctr">
+                      <a:solidFill>
+                        <a:schemeClr val="tx1">
+                          <a:lumMod val="85000"/>
+                        </a:schemeClr>
+                      </a:solidFill>
+                      <a:prstDash val="sysDash"/>
+                      <a:round/>
+                      <a:headEnd type="none" w="med" len="med"/>
+                      <a:tailEnd type="none" w="med" len="med"/>
+                    </a:lnB>
+                    <a:noFill/>
+                  </a:tcPr>
+                </a:tc>
+                <a:extLst>
+                  <a:ext uri="{0D108BD9-81ED-4DB2-BD59-A6C34878D82A}">
+                    <a16:rowId xmlns:a16="http://schemas.microsoft.com/office/drawing/2014/main" val="836014734"/>
+                  </a:ext>
+                </a:extLst>
+              </a:tr>
+              <a:tr h="126170">
+                <a:tc>
+                  <a:txBody>
+                    <a:bodyPr/>
+                    <a:lstStyle/>
+                    <a:p>
+                      <a:pPr algn="l" fontAlgn="b"/>
+                      <a:r>
+                        <a:rPr lang="es-AR" sz="800" b="1" u="none" strike="noStrike" dirty="0">
+                          <a:effectLst/>
+                        </a:rPr>
+                        <a:t>Componente 2</a:t>
+                      </a:r>
+                      <a:endParaRPr lang="es-AR" sz="800" b="1" i="0" u="none" strike="noStrike" dirty="0">
+                        <a:solidFill>
+                          <a:srgbClr val="000000"/>
+                        </a:solidFill>
+                        <a:effectLst/>
+                        <a:latin typeface="Calibri" panose="020F0502020204030204" pitchFamily="34" charset="0"/>
+                      </a:endParaRPr>
+                    </a:p>
+                  </a:txBody>
+                  <a:tcPr marL="9525" marR="9525" marT="9525" marB="0" anchor="ctr">
+                    <a:lnL w="12700" cap="flat" cmpd="sng" algn="ctr">
+                      <a:solidFill>
+                        <a:schemeClr val="tx1">
+                          <a:lumMod val="85000"/>
+                        </a:schemeClr>
+                      </a:solidFill>
+                      <a:prstDash val="sysDash"/>
+                      <a:round/>
+                      <a:headEnd type="none" w="med" len="med"/>
+                      <a:tailEnd type="none" w="med" len="med"/>
+                    </a:lnL>
+                    <a:lnR w="12700" cap="flat" cmpd="sng" algn="ctr">
+                      <a:solidFill>
+                        <a:schemeClr val="tx1">
+                          <a:lumMod val="85000"/>
+                        </a:schemeClr>
+                      </a:solidFill>
+                      <a:prstDash val="sysDash"/>
+                      <a:round/>
+                      <a:headEnd type="none" w="med" len="med"/>
+                      <a:tailEnd type="none" w="med" len="med"/>
+                    </a:lnR>
+                    <a:lnT w="12700" cap="flat" cmpd="sng" algn="ctr">
+                      <a:solidFill>
+                        <a:schemeClr val="tx1">
+                          <a:lumMod val="85000"/>
+                        </a:schemeClr>
+                      </a:solidFill>
+                      <a:prstDash val="sysDash"/>
+                      <a:round/>
+                      <a:headEnd type="none" w="med" len="med"/>
+                      <a:tailEnd type="none" w="med" len="med"/>
+                    </a:lnT>
+                    <a:lnB w="12700" cap="flat" cmpd="sng" algn="ctr">
+                      <a:solidFill>
+                        <a:schemeClr val="tx1">
+                          <a:lumMod val="85000"/>
+                        </a:schemeClr>
+                      </a:solidFill>
+                      <a:prstDash val="sysDash"/>
+                      <a:round/>
+                      <a:headEnd type="none" w="med" len="med"/>
+                      <a:tailEnd type="none" w="med" len="med"/>
+                    </a:lnB>
+                    <a:solidFill>
+                      <a:srgbClr val="31A4E2">
+                        <a:alpha val="60000"/>
+                      </a:srgbClr>
+                    </a:solidFill>
+                  </a:tcPr>
+                </a:tc>
+                <a:tc>
+                  <a:txBody>
+                    <a:bodyPr/>
+                    <a:lstStyle/>
+                    <a:p>
+                      <a:pPr algn="ctr" fontAlgn="ctr"/>
+                      <a:r>
+                        <a:rPr lang="es-AR" sz="900" b="0" i="0" u="none" strike="noStrike">
+                          <a:solidFill>
+                            <a:srgbClr val="000000"/>
+                          </a:solidFill>
+                          <a:effectLst/>
+                          <a:latin typeface="Walbaum Display (Cuerpo)"/>
+                        </a:rPr>
+                        <a:t>0,01</a:t>
+                      </a:r>
+                    </a:p>
+                  </a:txBody>
+                  <a:tcPr marL="9525" marR="9525" marT="9525" marB="0" anchor="ctr">
+                    <a:lnL w="12700" cap="flat" cmpd="sng" algn="ctr">
+                      <a:solidFill>
+                        <a:schemeClr val="tx1">
+                          <a:lumMod val="85000"/>
+                        </a:schemeClr>
+                      </a:solidFill>
+                      <a:prstDash val="sysDash"/>
+                      <a:round/>
+                      <a:headEnd type="none" w="med" len="med"/>
+                      <a:tailEnd type="none" w="med" len="med"/>
+                    </a:lnL>
+                    <a:lnR w="12700" cap="flat" cmpd="sng" algn="ctr">
+                      <a:solidFill>
+                        <a:schemeClr val="tx1">
+                          <a:lumMod val="85000"/>
+                        </a:schemeClr>
+                      </a:solidFill>
+                      <a:prstDash val="sysDash"/>
+                      <a:round/>
+                      <a:headEnd type="none" w="med" len="med"/>
+                      <a:tailEnd type="none" w="med" len="med"/>
+                    </a:lnR>
+                    <a:lnT w="12700" cap="flat" cmpd="sng" algn="ctr">
+                      <a:solidFill>
+                        <a:schemeClr val="tx1">
+                          <a:lumMod val="85000"/>
+                        </a:schemeClr>
+                      </a:solidFill>
+                      <a:prstDash val="sysDash"/>
+                      <a:round/>
+                      <a:headEnd type="none" w="med" len="med"/>
+                      <a:tailEnd type="none" w="med" len="med"/>
+                    </a:lnT>
+                    <a:lnB w="12700" cap="flat" cmpd="sng" algn="ctr">
+                      <a:solidFill>
+                        <a:schemeClr val="tx1">
+                          <a:lumMod val="85000"/>
+                        </a:schemeClr>
+                      </a:solidFill>
+                      <a:prstDash val="sysDash"/>
+                      <a:round/>
+                      <a:headEnd type="none" w="med" len="med"/>
+                      <a:tailEnd type="none" w="med" len="med"/>
+                    </a:lnB>
+                    <a:noFill/>
+                  </a:tcPr>
+                </a:tc>
+                <a:tc>
+                  <a:txBody>
+                    <a:bodyPr/>
+                    <a:lstStyle/>
+                    <a:p>
+                      <a:pPr algn="ctr" fontAlgn="ctr"/>
+                      <a:r>
+                        <a:rPr lang="es-AR" sz="900" b="0" i="0" u="none" strike="noStrike" dirty="0">
+                          <a:solidFill>
+                            <a:srgbClr val="000000"/>
+                          </a:solidFill>
+                          <a:effectLst/>
+                          <a:latin typeface="Walbaum Display (Cuerpo)"/>
+                        </a:rPr>
+                        <a:t>0,11</a:t>
+                      </a:r>
+                    </a:p>
+                  </a:txBody>
+                  <a:tcPr marL="9525" marR="9525" marT="9525" marB="0" anchor="ctr">
+                    <a:lnL w="12700" cap="flat" cmpd="sng" algn="ctr">
+                      <a:solidFill>
+                        <a:schemeClr val="tx1">
+                          <a:lumMod val="85000"/>
+                        </a:schemeClr>
+                      </a:solidFill>
+                      <a:prstDash val="sysDash"/>
+                      <a:round/>
+                      <a:headEnd type="none" w="med" len="med"/>
+                      <a:tailEnd type="none" w="med" len="med"/>
+                    </a:lnL>
+                    <a:lnR w="12700" cap="flat" cmpd="sng" algn="ctr">
+                      <a:solidFill>
+                        <a:schemeClr val="tx1">
+                          <a:lumMod val="85000"/>
+                        </a:schemeClr>
+                      </a:solidFill>
+                      <a:prstDash val="sysDash"/>
+                      <a:round/>
+                      <a:headEnd type="none" w="med" len="med"/>
+                      <a:tailEnd type="none" w="med" len="med"/>
+                    </a:lnR>
+                    <a:lnT w="12700" cap="flat" cmpd="sng" algn="ctr">
+                      <a:solidFill>
+                        <a:schemeClr val="tx1">
+                          <a:lumMod val="85000"/>
+                        </a:schemeClr>
+                      </a:solidFill>
+                      <a:prstDash val="sysDash"/>
+                      <a:round/>
+                      <a:headEnd type="none" w="med" len="med"/>
+                      <a:tailEnd type="none" w="med" len="med"/>
+                    </a:lnT>
+                    <a:lnB w="12700" cap="flat" cmpd="sng" algn="ctr">
+                      <a:solidFill>
+                        <a:schemeClr val="tx1">
+                          <a:lumMod val="85000"/>
+                        </a:schemeClr>
+                      </a:solidFill>
+                      <a:prstDash val="sysDash"/>
+                      <a:round/>
+                      <a:headEnd type="none" w="med" len="med"/>
+                      <a:tailEnd type="none" w="med" len="med"/>
+                    </a:lnB>
+                    <a:noFill/>
+                  </a:tcPr>
+                </a:tc>
+                <a:tc>
+                  <a:txBody>
+                    <a:bodyPr/>
+                    <a:lstStyle/>
+                    <a:p>
+                      <a:pPr algn="ctr" fontAlgn="ctr"/>
+                      <a:r>
+                        <a:rPr lang="es-AR" sz="900" b="0" i="0" u="none" strike="noStrike">
+                          <a:solidFill>
+                            <a:srgbClr val="000000"/>
+                          </a:solidFill>
+                          <a:effectLst/>
+                          <a:latin typeface="Walbaum Display (Cuerpo)"/>
+                        </a:rPr>
+                        <a:t>0,19</a:t>
+                      </a:r>
+                    </a:p>
+                  </a:txBody>
+                  <a:tcPr marL="9525" marR="9525" marT="9525" marB="0" anchor="ctr">
+                    <a:lnL w="12700" cap="flat" cmpd="sng" algn="ctr">
+                      <a:solidFill>
+                        <a:schemeClr val="tx1">
+                          <a:lumMod val="85000"/>
+                        </a:schemeClr>
+                      </a:solidFill>
+                      <a:prstDash val="sysDash"/>
+                      <a:round/>
+                      <a:headEnd type="none" w="med" len="med"/>
+                      <a:tailEnd type="none" w="med" len="med"/>
+                    </a:lnL>
+                    <a:lnR w="12700" cap="flat" cmpd="sng" algn="ctr">
+                      <a:solidFill>
+                        <a:schemeClr val="tx1">
+                          <a:lumMod val="85000"/>
+                        </a:schemeClr>
+                      </a:solidFill>
+                      <a:prstDash val="sysDash"/>
+                      <a:round/>
+                      <a:headEnd type="none" w="med" len="med"/>
+                      <a:tailEnd type="none" w="med" len="med"/>
+                    </a:lnR>
+                    <a:lnT w="12700" cap="flat" cmpd="sng" algn="ctr">
+                      <a:solidFill>
+                        <a:schemeClr val="tx1">
+                          <a:lumMod val="85000"/>
+                        </a:schemeClr>
+                      </a:solidFill>
+                      <a:prstDash val="sysDash"/>
+                      <a:round/>
+                      <a:headEnd type="none" w="med" len="med"/>
+                      <a:tailEnd type="none" w="med" len="med"/>
+                    </a:lnT>
+                    <a:lnB w="12700" cap="flat" cmpd="sng" algn="ctr">
+                      <a:solidFill>
+                        <a:schemeClr val="tx1">
+                          <a:lumMod val="85000"/>
+                        </a:schemeClr>
+                      </a:solidFill>
+                      <a:prstDash val="sysDash"/>
+                      <a:round/>
+                      <a:headEnd type="none" w="med" len="med"/>
+                      <a:tailEnd type="none" w="med" len="med"/>
+                    </a:lnB>
+                    <a:noFill/>
+                  </a:tcPr>
+                </a:tc>
+                <a:tc>
+                  <a:txBody>
+                    <a:bodyPr/>
+                    <a:lstStyle/>
+                    <a:p>
+                      <a:pPr algn="ctr" fontAlgn="ctr"/>
+                      <a:r>
+                        <a:rPr lang="es-AR" sz="900" b="0" i="0" u="none" strike="noStrike">
+                          <a:solidFill>
+                            <a:srgbClr val="000000"/>
+                          </a:solidFill>
+                          <a:effectLst/>
+                          <a:latin typeface="Walbaum Display (Cuerpo)"/>
+                        </a:rPr>
+                        <a:t>0,82</a:t>
+                      </a:r>
+                    </a:p>
+                  </a:txBody>
+                  <a:tcPr marL="9525" marR="9525" marT="9525" marB="0" anchor="ctr">
+                    <a:lnL w="12700" cap="flat" cmpd="sng" algn="ctr">
+                      <a:solidFill>
+                        <a:schemeClr val="tx1">
+                          <a:lumMod val="85000"/>
+                        </a:schemeClr>
+                      </a:solidFill>
+                      <a:prstDash val="sysDash"/>
+                      <a:round/>
+                      <a:headEnd type="none" w="med" len="med"/>
+                      <a:tailEnd type="none" w="med" len="med"/>
+                    </a:lnL>
+                    <a:lnR w="12700" cap="flat" cmpd="sng" algn="ctr">
+                      <a:solidFill>
+                        <a:schemeClr val="tx1">
+                          <a:lumMod val="85000"/>
+                        </a:schemeClr>
+                      </a:solidFill>
+                      <a:prstDash val="sysDash"/>
+                      <a:round/>
+                      <a:headEnd type="none" w="med" len="med"/>
+                      <a:tailEnd type="none" w="med" len="med"/>
+                    </a:lnR>
+                    <a:lnT w="12700" cap="flat" cmpd="sng" algn="ctr">
+                      <a:solidFill>
+                        <a:schemeClr val="tx1">
+                          <a:lumMod val="85000"/>
+                        </a:schemeClr>
+                      </a:solidFill>
+                      <a:prstDash val="sysDash"/>
+                      <a:round/>
+                      <a:headEnd type="none" w="med" len="med"/>
+                      <a:tailEnd type="none" w="med" len="med"/>
+                    </a:lnT>
+                    <a:lnB w="12700" cap="flat" cmpd="sng" algn="ctr">
+                      <a:solidFill>
+                        <a:schemeClr val="tx1">
+                          <a:lumMod val="85000"/>
+                        </a:schemeClr>
+                      </a:solidFill>
+                      <a:prstDash val="sysDash"/>
+                      <a:round/>
+                      <a:headEnd type="none" w="med" len="med"/>
+                      <a:tailEnd type="none" w="med" len="med"/>
+                    </a:lnB>
+                    <a:noFill/>
+                  </a:tcPr>
+                </a:tc>
+                <a:extLst>
+                  <a:ext uri="{0D108BD9-81ED-4DB2-BD59-A6C34878D82A}">
+                    <a16:rowId xmlns:a16="http://schemas.microsoft.com/office/drawing/2014/main" val="2157284213"/>
+                  </a:ext>
+                </a:extLst>
+              </a:tr>
+              <a:tr h="126170">
+                <a:tc>
+                  <a:txBody>
+                    <a:bodyPr/>
+                    <a:lstStyle/>
+                    <a:p>
+                      <a:pPr algn="l" fontAlgn="b"/>
+                      <a:r>
+                        <a:rPr lang="es-AR" sz="800" b="1" u="none" strike="noStrike" dirty="0">
+                          <a:effectLst/>
+                        </a:rPr>
+                        <a:t>Componente 3</a:t>
+                      </a:r>
+                      <a:endParaRPr lang="es-AR" sz="800" b="1" i="0" u="none" strike="noStrike" dirty="0">
+                        <a:solidFill>
+                          <a:srgbClr val="000000"/>
+                        </a:solidFill>
+                        <a:effectLst/>
+                        <a:latin typeface="Calibri" panose="020F0502020204030204" pitchFamily="34" charset="0"/>
+                      </a:endParaRPr>
+                    </a:p>
+                  </a:txBody>
+                  <a:tcPr marL="9525" marR="9525" marT="9525" marB="0" anchor="ctr">
+                    <a:lnL w="12700" cap="flat" cmpd="sng" algn="ctr">
+                      <a:solidFill>
+                        <a:schemeClr val="tx1">
+                          <a:lumMod val="85000"/>
+                        </a:schemeClr>
+                      </a:solidFill>
+                      <a:prstDash val="sysDash"/>
+                      <a:round/>
+                      <a:headEnd type="none" w="med" len="med"/>
+                      <a:tailEnd type="none" w="med" len="med"/>
+                    </a:lnL>
+                    <a:lnR w="12700" cap="flat" cmpd="sng" algn="ctr">
+                      <a:solidFill>
+                        <a:schemeClr val="tx1">
+                          <a:lumMod val="85000"/>
+                        </a:schemeClr>
+                      </a:solidFill>
+                      <a:prstDash val="sysDash"/>
+                      <a:round/>
+                      <a:headEnd type="none" w="med" len="med"/>
+                      <a:tailEnd type="none" w="med" len="med"/>
+                    </a:lnR>
+                    <a:lnT w="12700" cap="flat" cmpd="sng" algn="ctr">
+                      <a:solidFill>
+                        <a:schemeClr val="tx1">
+                          <a:lumMod val="85000"/>
+                        </a:schemeClr>
+                      </a:solidFill>
+                      <a:prstDash val="sysDash"/>
+                      <a:round/>
+                      <a:headEnd type="none" w="med" len="med"/>
+                      <a:tailEnd type="none" w="med" len="med"/>
+                    </a:lnT>
+                    <a:lnB w="12700" cap="flat" cmpd="sng" algn="ctr">
+                      <a:solidFill>
+                        <a:schemeClr val="tx1">
+                          <a:lumMod val="85000"/>
+                        </a:schemeClr>
+                      </a:solidFill>
+                      <a:prstDash val="sysDash"/>
+                      <a:round/>
+                      <a:headEnd type="none" w="med" len="med"/>
+                      <a:tailEnd type="none" w="med" len="med"/>
+                    </a:lnB>
+                    <a:solidFill>
+                      <a:srgbClr val="31A4E2">
+                        <a:alpha val="60000"/>
+                      </a:srgbClr>
+                    </a:solidFill>
+                  </a:tcPr>
+                </a:tc>
+                <a:tc>
+                  <a:txBody>
+                    <a:bodyPr/>
+                    <a:lstStyle/>
+                    <a:p>
+                      <a:pPr algn="ctr" fontAlgn="ctr"/>
+                      <a:r>
+                        <a:rPr lang="es-AR" sz="900" b="0" i="0" u="none" strike="noStrike">
+                          <a:solidFill>
+                            <a:srgbClr val="000000"/>
+                          </a:solidFill>
+                          <a:effectLst/>
+                          <a:latin typeface="Walbaum Display (Cuerpo)"/>
+                        </a:rPr>
+                        <a:t>0,01</a:t>
+                      </a:r>
+                    </a:p>
+                  </a:txBody>
+                  <a:tcPr marL="9525" marR="9525" marT="9525" marB="0" anchor="ctr">
+                    <a:lnL w="12700" cap="flat" cmpd="sng" algn="ctr">
+                      <a:solidFill>
+                        <a:schemeClr val="tx1">
+                          <a:lumMod val="85000"/>
+                        </a:schemeClr>
+                      </a:solidFill>
+                      <a:prstDash val="sysDash"/>
+                      <a:round/>
+                      <a:headEnd type="none" w="med" len="med"/>
+                      <a:tailEnd type="none" w="med" len="med"/>
+                    </a:lnL>
+                    <a:lnR w="12700" cap="flat" cmpd="sng" algn="ctr">
+                      <a:solidFill>
+                        <a:schemeClr val="tx1">
+                          <a:lumMod val="85000"/>
+                        </a:schemeClr>
+                      </a:solidFill>
+                      <a:prstDash val="sysDash"/>
+                      <a:round/>
+                      <a:headEnd type="none" w="med" len="med"/>
+                      <a:tailEnd type="none" w="med" len="med"/>
+                    </a:lnR>
+                    <a:lnT w="12700" cap="flat" cmpd="sng" algn="ctr">
+                      <a:solidFill>
+                        <a:schemeClr val="tx1">
+                          <a:lumMod val="85000"/>
+                        </a:schemeClr>
+                      </a:solidFill>
+                      <a:prstDash val="sysDash"/>
+                      <a:round/>
+                      <a:headEnd type="none" w="med" len="med"/>
+                      <a:tailEnd type="none" w="med" len="med"/>
+                    </a:lnT>
+                    <a:lnB w="12700" cap="flat" cmpd="sng" algn="ctr">
+                      <a:solidFill>
+                        <a:schemeClr val="tx1">
+                          <a:lumMod val="85000"/>
+                        </a:schemeClr>
+                      </a:solidFill>
+                      <a:prstDash val="sysDash"/>
+                      <a:round/>
+                      <a:headEnd type="none" w="med" len="med"/>
+                      <a:tailEnd type="none" w="med" len="med"/>
+                    </a:lnB>
+                    <a:noFill/>
+                  </a:tcPr>
+                </a:tc>
+                <a:tc>
+                  <a:txBody>
+                    <a:bodyPr/>
+                    <a:lstStyle/>
+                    <a:p>
+                      <a:pPr algn="ctr" fontAlgn="ctr"/>
+                      <a:r>
+                        <a:rPr lang="es-AR" sz="900" b="0" i="0" u="none" strike="noStrike">
+                          <a:solidFill>
+                            <a:srgbClr val="000000"/>
+                          </a:solidFill>
+                          <a:effectLst/>
+                          <a:latin typeface="Walbaum Display (Cuerpo)"/>
+                        </a:rPr>
+                        <a:t>0,10</a:t>
+                      </a:r>
+                    </a:p>
+                  </a:txBody>
+                  <a:tcPr marL="9525" marR="9525" marT="9525" marB="0" anchor="ctr">
+                    <a:lnL w="12700" cap="flat" cmpd="sng" algn="ctr">
+                      <a:solidFill>
+                        <a:schemeClr val="tx1">
+                          <a:lumMod val="85000"/>
+                        </a:schemeClr>
+                      </a:solidFill>
+                      <a:prstDash val="sysDash"/>
+                      <a:round/>
+                      <a:headEnd type="none" w="med" len="med"/>
+                      <a:tailEnd type="none" w="med" len="med"/>
+                    </a:lnL>
+                    <a:lnR w="12700" cap="flat" cmpd="sng" algn="ctr">
+                      <a:solidFill>
+                        <a:schemeClr val="tx1">
+                          <a:lumMod val="85000"/>
+                        </a:schemeClr>
+                      </a:solidFill>
+                      <a:prstDash val="sysDash"/>
+                      <a:round/>
+                      <a:headEnd type="none" w="med" len="med"/>
+                      <a:tailEnd type="none" w="med" len="med"/>
+                    </a:lnR>
+                    <a:lnT w="12700" cap="flat" cmpd="sng" algn="ctr">
+                      <a:solidFill>
+                        <a:schemeClr val="tx1">
+                          <a:lumMod val="85000"/>
+                        </a:schemeClr>
+                      </a:solidFill>
+                      <a:prstDash val="sysDash"/>
+                      <a:round/>
+                      <a:headEnd type="none" w="med" len="med"/>
+                      <a:tailEnd type="none" w="med" len="med"/>
+                    </a:lnT>
+                    <a:lnB w="12700" cap="flat" cmpd="sng" algn="ctr">
+                      <a:solidFill>
+                        <a:schemeClr val="tx1">
+                          <a:lumMod val="85000"/>
+                        </a:schemeClr>
+                      </a:solidFill>
+                      <a:prstDash val="sysDash"/>
+                      <a:round/>
+                      <a:headEnd type="none" w="med" len="med"/>
+                      <a:tailEnd type="none" w="med" len="med"/>
+                    </a:lnB>
+                    <a:noFill/>
+                  </a:tcPr>
+                </a:tc>
+                <a:tc>
+                  <a:txBody>
+                    <a:bodyPr/>
+                    <a:lstStyle/>
+                    <a:p>
+                      <a:pPr algn="ctr" fontAlgn="ctr"/>
+                      <a:r>
+                        <a:rPr lang="es-AR" sz="900" b="0" i="0" u="none" strike="noStrike">
+                          <a:solidFill>
+                            <a:srgbClr val="000000"/>
+                          </a:solidFill>
+                          <a:effectLst/>
+                          <a:latin typeface="Walbaum Display (Cuerpo)"/>
+                        </a:rPr>
+                        <a:t>0,14</a:t>
+                      </a:r>
+                    </a:p>
+                  </a:txBody>
+                  <a:tcPr marL="9525" marR="9525" marT="9525" marB="0" anchor="ctr">
+                    <a:lnL w="12700" cap="flat" cmpd="sng" algn="ctr">
+                      <a:solidFill>
+                        <a:schemeClr val="tx1">
+                          <a:lumMod val="85000"/>
+                        </a:schemeClr>
+                      </a:solidFill>
+                      <a:prstDash val="sysDash"/>
+                      <a:round/>
+                      <a:headEnd type="none" w="med" len="med"/>
+                      <a:tailEnd type="none" w="med" len="med"/>
+                    </a:lnL>
+                    <a:lnR w="12700" cap="flat" cmpd="sng" algn="ctr">
+                      <a:solidFill>
+                        <a:schemeClr val="tx1">
+                          <a:lumMod val="85000"/>
+                        </a:schemeClr>
+                      </a:solidFill>
+                      <a:prstDash val="sysDash"/>
+                      <a:round/>
+                      <a:headEnd type="none" w="med" len="med"/>
+                      <a:tailEnd type="none" w="med" len="med"/>
+                    </a:lnR>
+                    <a:lnT w="12700" cap="flat" cmpd="sng" algn="ctr">
+                      <a:solidFill>
+                        <a:schemeClr val="tx1">
+                          <a:lumMod val="85000"/>
+                        </a:schemeClr>
+                      </a:solidFill>
+                      <a:prstDash val="sysDash"/>
+                      <a:round/>
+                      <a:headEnd type="none" w="med" len="med"/>
+                      <a:tailEnd type="none" w="med" len="med"/>
+                    </a:lnT>
+                    <a:lnB w="12700" cap="flat" cmpd="sng" algn="ctr">
+                      <a:solidFill>
+                        <a:schemeClr val="tx1">
+                          <a:lumMod val="85000"/>
+                        </a:schemeClr>
+                      </a:solidFill>
+                      <a:prstDash val="sysDash"/>
+                      <a:round/>
+                      <a:headEnd type="none" w="med" len="med"/>
+                      <a:tailEnd type="none" w="med" len="med"/>
+                    </a:lnB>
+                    <a:noFill/>
+                  </a:tcPr>
+                </a:tc>
+                <a:tc>
+                  <a:txBody>
+                    <a:bodyPr/>
+                    <a:lstStyle/>
+                    <a:p>
+                      <a:pPr algn="ctr" fontAlgn="ctr"/>
+                      <a:r>
+                        <a:rPr lang="es-AR" sz="900" b="0" i="0" u="none" strike="noStrike">
+                          <a:solidFill>
+                            <a:srgbClr val="000000"/>
+                          </a:solidFill>
+                          <a:effectLst/>
+                          <a:latin typeface="Walbaum Display (Cuerpo)"/>
+                        </a:rPr>
+                        <a:t>0,96</a:t>
+                      </a:r>
+                    </a:p>
+                  </a:txBody>
+                  <a:tcPr marL="9525" marR="9525" marT="9525" marB="0" anchor="ctr">
+                    <a:lnL w="12700" cap="flat" cmpd="sng" algn="ctr">
+                      <a:solidFill>
+                        <a:schemeClr val="tx1">
+                          <a:lumMod val="85000"/>
+                        </a:schemeClr>
+                      </a:solidFill>
+                      <a:prstDash val="sysDash"/>
+                      <a:round/>
+                      <a:headEnd type="none" w="med" len="med"/>
+                      <a:tailEnd type="none" w="med" len="med"/>
+                    </a:lnL>
+                    <a:lnR w="12700" cap="flat" cmpd="sng" algn="ctr">
+                      <a:solidFill>
+                        <a:schemeClr val="tx1">
+                          <a:lumMod val="85000"/>
+                        </a:schemeClr>
+                      </a:solidFill>
+                      <a:prstDash val="sysDash"/>
+                      <a:round/>
+                      <a:headEnd type="none" w="med" len="med"/>
+                      <a:tailEnd type="none" w="med" len="med"/>
+                    </a:lnR>
+                    <a:lnT w="12700" cap="flat" cmpd="sng" algn="ctr">
+                      <a:solidFill>
+                        <a:schemeClr val="tx1">
+                          <a:lumMod val="85000"/>
+                        </a:schemeClr>
+                      </a:solidFill>
+                      <a:prstDash val="sysDash"/>
+                      <a:round/>
+                      <a:headEnd type="none" w="med" len="med"/>
+                      <a:tailEnd type="none" w="med" len="med"/>
+                    </a:lnT>
+                    <a:lnB w="12700" cap="flat" cmpd="sng" algn="ctr">
+                      <a:solidFill>
+                        <a:schemeClr val="tx1">
+                          <a:lumMod val="85000"/>
+                        </a:schemeClr>
+                      </a:solidFill>
+                      <a:prstDash val="sysDash"/>
+                      <a:round/>
+                      <a:headEnd type="none" w="med" len="med"/>
+                      <a:tailEnd type="none" w="med" len="med"/>
+                    </a:lnB>
+                    <a:noFill/>
+                  </a:tcPr>
+                </a:tc>
+                <a:extLst>
+                  <a:ext uri="{0D108BD9-81ED-4DB2-BD59-A6C34878D82A}">
+                    <a16:rowId xmlns:a16="http://schemas.microsoft.com/office/drawing/2014/main" val="709087982"/>
+                  </a:ext>
+                </a:extLst>
+              </a:tr>
+              <a:tr h="126170">
+                <a:tc>
+                  <a:txBody>
+                    <a:bodyPr/>
+                    <a:lstStyle/>
+                    <a:p>
+                      <a:pPr algn="l" fontAlgn="b"/>
+                      <a:r>
+                        <a:rPr lang="es-AR" sz="800" b="1" u="none" strike="noStrike" dirty="0">
+                          <a:effectLst/>
+                        </a:rPr>
+                        <a:t>Componente 4</a:t>
+                      </a:r>
+                      <a:endParaRPr lang="es-AR" sz="800" b="1" i="0" u="none" strike="noStrike" dirty="0">
+                        <a:solidFill>
+                          <a:srgbClr val="000000"/>
+                        </a:solidFill>
+                        <a:effectLst/>
+                        <a:latin typeface="Calibri" panose="020F0502020204030204" pitchFamily="34" charset="0"/>
+                      </a:endParaRPr>
+                    </a:p>
+                  </a:txBody>
+                  <a:tcPr marL="9525" marR="9525" marT="9525" marB="0" anchor="ctr">
+                    <a:lnL w="12700" cap="flat" cmpd="sng" algn="ctr">
+                      <a:solidFill>
+                        <a:schemeClr val="tx1">
+                          <a:lumMod val="85000"/>
+                        </a:schemeClr>
+                      </a:solidFill>
+                      <a:prstDash val="sysDash"/>
+                      <a:round/>
+                      <a:headEnd type="none" w="med" len="med"/>
+                      <a:tailEnd type="none" w="med" len="med"/>
+                    </a:lnL>
+                    <a:lnR w="12700" cap="flat" cmpd="sng" algn="ctr">
+                      <a:solidFill>
+                        <a:schemeClr val="tx1">
+                          <a:lumMod val="85000"/>
+                        </a:schemeClr>
+                      </a:solidFill>
+                      <a:prstDash val="sysDash"/>
+                      <a:round/>
+                      <a:headEnd type="none" w="med" len="med"/>
+                      <a:tailEnd type="none" w="med" len="med"/>
+                    </a:lnR>
+                    <a:lnT w="12700" cap="flat" cmpd="sng" algn="ctr">
+                      <a:solidFill>
+                        <a:schemeClr val="tx1">
+                          <a:lumMod val="85000"/>
+                        </a:schemeClr>
+                      </a:solidFill>
+                      <a:prstDash val="sysDash"/>
+                      <a:round/>
+                      <a:headEnd type="none" w="med" len="med"/>
+                      <a:tailEnd type="none" w="med" len="med"/>
+                    </a:lnT>
+                    <a:lnB w="12700" cap="flat" cmpd="sng" algn="ctr">
+                      <a:solidFill>
+                        <a:schemeClr val="tx1">
+                          <a:lumMod val="85000"/>
+                        </a:schemeClr>
+                      </a:solidFill>
+                      <a:prstDash val="sysDash"/>
+                      <a:round/>
+                      <a:headEnd type="none" w="med" len="med"/>
+                      <a:tailEnd type="none" w="med" len="med"/>
+                    </a:lnB>
+                    <a:solidFill>
+                      <a:srgbClr val="31A4E2">
+                        <a:alpha val="60000"/>
+                      </a:srgbClr>
+                    </a:solidFill>
+                  </a:tcPr>
+                </a:tc>
+                <a:tc>
+                  <a:txBody>
+                    <a:bodyPr/>
+                    <a:lstStyle/>
+                    <a:p>
+                      <a:pPr algn="ctr" fontAlgn="ctr"/>
+                      <a:r>
+                        <a:rPr lang="es-AR" sz="900" b="0" i="0" u="none" strike="noStrike">
+                          <a:solidFill>
+                            <a:srgbClr val="000000"/>
+                          </a:solidFill>
+                          <a:effectLst/>
+                          <a:latin typeface="Walbaum Display (Cuerpo)"/>
+                        </a:rPr>
+                        <a:t>0,00</a:t>
+                      </a:r>
+                    </a:p>
+                  </a:txBody>
+                  <a:tcPr marL="9525" marR="9525" marT="9525" marB="0" anchor="ctr">
+                    <a:lnL w="12700" cap="flat" cmpd="sng" algn="ctr">
+                      <a:solidFill>
+                        <a:schemeClr val="tx1">
+                          <a:lumMod val="85000"/>
+                        </a:schemeClr>
+                      </a:solidFill>
+                      <a:prstDash val="sysDash"/>
+                      <a:round/>
+                      <a:headEnd type="none" w="med" len="med"/>
+                      <a:tailEnd type="none" w="med" len="med"/>
+                    </a:lnL>
+                    <a:lnR w="12700" cap="flat" cmpd="sng" algn="ctr">
+                      <a:solidFill>
+                        <a:schemeClr val="tx1">
+                          <a:lumMod val="85000"/>
+                        </a:schemeClr>
+                      </a:solidFill>
+                      <a:prstDash val="sysDash"/>
+                      <a:round/>
+                      <a:headEnd type="none" w="med" len="med"/>
+                      <a:tailEnd type="none" w="med" len="med"/>
+                    </a:lnR>
+                    <a:lnT w="12700" cap="flat" cmpd="sng" algn="ctr">
+                      <a:solidFill>
+                        <a:schemeClr val="tx1">
+                          <a:lumMod val="85000"/>
+                        </a:schemeClr>
+                      </a:solidFill>
+                      <a:prstDash val="sysDash"/>
+                      <a:round/>
+                      <a:headEnd type="none" w="med" len="med"/>
+                      <a:tailEnd type="none" w="med" len="med"/>
+                    </a:lnT>
+                    <a:lnB w="12700" cap="flat" cmpd="sng" algn="ctr">
+                      <a:solidFill>
+                        <a:schemeClr val="tx1">
+                          <a:lumMod val="85000"/>
+                        </a:schemeClr>
+                      </a:solidFill>
+                      <a:prstDash val="sysDash"/>
+                      <a:round/>
+                      <a:headEnd type="none" w="med" len="med"/>
+                      <a:tailEnd type="none" w="med" len="med"/>
+                    </a:lnB>
+                    <a:noFill/>
+                  </a:tcPr>
+                </a:tc>
+                <a:tc>
+                  <a:txBody>
+                    <a:bodyPr/>
+                    <a:lstStyle/>
+                    <a:p>
+                      <a:pPr algn="ctr" fontAlgn="ctr"/>
+                      <a:r>
+                        <a:rPr lang="es-AR" sz="900" b="0" i="0" u="none" strike="noStrike" dirty="0">
+                          <a:solidFill>
+                            <a:srgbClr val="000000"/>
+                          </a:solidFill>
+                          <a:effectLst/>
+                          <a:latin typeface="Walbaum Display (Cuerpo)"/>
+                        </a:rPr>
+                        <a:t>0,04</a:t>
+                      </a:r>
+                    </a:p>
+                  </a:txBody>
+                  <a:tcPr marL="9525" marR="9525" marT="9525" marB="0" anchor="ctr">
+                    <a:lnL w="12700" cap="flat" cmpd="sng" algn="ctr">
+                      <a:solidFill>
+                        <a:schemeClr val="tx1">
+                          <a:lumMod val="85000"/>
+                        </a:schemeClr>
+                      </a:solidFill>
+                      <a:prstDash val="sysDash"/>
+                      <a:round/>
+                      <a:headEnd type="none" w="med" len="med"/>
+                      <a:tailEnd type="none" w="med" len="med"/>
+                    </a:lnL>
+                    <a:lnR w="12700" cap="flat" cmpd="sng" algn="ctr">
+                      <a:solidFill>
+                        <a:schemeClr val="tx1">
+                          <a:lumMod val="85000"/>
+                        </a:schemeClr>
+                      </a:solidFill>
+                      <a:prstDash val="sysDash"/>
+                      <a:round/>
+                      <a:headEnd type="none" w="med" len="med"/>
+                      <a:tailEnd type="none" w="med" len="med"/>
+                    </a:lnR>
+                    <a:lnT w="12700" cap="flat" cmpd="sng" algn="ctr">
+                      <a:solidFill>
+                        <a:schemeClr val="tx1">
+                          <a:lumMod val="85000"/>
+                        </a:schemeClr>
+                      </a:solidFill>
+                      <a:prstDash val="sysDash"/>
+                      <a:round/>
+                      <a:headEnd type="none" w="med" len="med"/>
+                      <a:tailEnd type="none" w="med" len="med"/>
+                    </a:lnT>
+                    <a:lnB w="12700" cap="flat" cmpd="sng" algn="ctr">
+                      <a:solidFill>
+                        <a:schemeClr val="tx1">
+                          <a:lumMod val="85000"/>
+                        </a:schemeClr>
+                      </a:solidFill>
+                      <a:prstDash val="sysDash"/>
+                      <a:round/>
+                      <a:headEnd type="none" w="med" len="med"/>
+                      <a:tailEnd type="none" w="med" len="med"/>
+                    </a:lnB>
+                    <a:noFill/>
+                  </a:tcPr>
+                </a:tc>
+                <a:tc>
+                  <a:txBody>
+                    <a:bodyPr/>
+                    <a:lstStyle/>
+                    <a:p>
+                      <a:pPr algn="ctr" fontAlgn="ctr"/>
+                      <a:r>
+                        <a:rPr lang="es-AR" sz="900" b="0" i="0" u="none" strike="noStrike">
+                          <a:solidFill>
+                            <a:srgbClr val="000000"/>
+                          </a:solidFill>
+                          <a:effectLst/>
+                          <a:latin typeface="Walbaum Display (Cuerpo)"/>
+                        </a:rPr>
+                        <a:t>0,03</a:t>
+                      </a:r>
+                    </a:p>
+                  </a:txBody>
+                  <a:tcPr marL="9525" marR="9525" marT="9525" marB="0" anchor="ctr">
+                    <a:lnL w="12700" cap="flat" cmpd="sng" algn="ctr">
+                      <a:solidFill>
+                        <a:schemeClr val="tx1">
+                          <a:lumMod val="85000"/>
+                        </a:schemeClr>
+                      </a:solidFill>
+                      <a:prstDash val="sysDash"/>
+                      <a:round/>
+                      <a:headEnd type="none" w="med" len="med"/>
+                      <a:tailEnd type="none" w="med" len="med"/>
+                    </a:lnL>
+                    <a:lnR w="12700" cap="flat" cmpd="sng" algn="ctr">
+                      <a:solidFill>
+                        <a:schemeClr val="tx1">
+                          <a:lumMod val="85000"/>
+                        </a:schemeClr>
+                      </a:solidFill>
+                      <a:prstDash val="sysDash"/>
+                      <a:round/>
+                      <a:headEnd type="none" w="med" len="med"/>
+                      <a:tailEnd type="none" w="med" len="med"/>
+                    </a:lnR>
+                    <a:lnT w="12700" cap="flat" cmpd="sng" algn="ctr">
+                      <a:solidFill>
+                        <a:schemeClr val="tx1">
+                          <a:lumMod val="85000"/>
+                        </a:schemeClr>
+                      </a:solidFill>
+                      <a:prstDash val="sysDash"/>
+                      <a:round/>
+                      <a:headEnd type="none" w="med" len="med"/>
+                      <a:tailEnd type="none" w="med" len="med"/>
+                    </a:lnT>
+                    <a:lnB w="12700" cap="flat" cmpd="sng" algn="ctr">
+                      <a:solidFill>
+                        <a:schemeClr val="tx1">
+                          <a:lumMod val="85000"/>
+                        </a:schemeClr>
+                      </a:solidFill>
+                      <a:prstDash val="sysDash"/>
+                      <a:round/>
+                      <a:headEnd type="none" w="med" len="med"/>
+                      <a:tailEnd type="none" w="med" len="med"/>
+                    </a:lnB>
+                    <a:noFill/>
+                  </a:tcPr>
+                </a:tc>
+                <a:tc>
+                  <a:txBody>
+                    <a:bodyPr/>
+                    <a:lstStyle/>
+                    <a:p>
+                      <a:pPr algn="ctr" fontAlgn="ctr"/>
+                      <a:r>
+                        <a:rPr lang="es-AR" sz="900" b="0" i="0" u="none" strike="noStrike">
+                          <a:solidFill>
+                            <a:srgbClr val="000000"/>
+                          </a:solidFill>
+                          <a:effectLst/>
+                          <a:latin typeface="Walbaum Display (Cuerpo)"/>
+                        </a:rPr>
+                        <a:t>0,99</a:t>
+                      </a:r>
+                    </a:p>
+                  </a:txBody>
+                  <a:tcPr marL="9525" marR="9525" marT="9525" marB="0" anchor="ctr">
+                    <a:lnL w="12700" cap="flat" cmpd="sng" algn="ctr">
+                      <a:solidFill>
+                        <a:schemeClr val="tx1">
+                          <a:lumMod val="85000"/>
+                        </a:schemeClr>
+                      </a:solidFill>
+                      <a:prstDash val="sysDash"/>
+                      <a:round/>
+                      <a:headEnd type="none" w="med" len="med"/>
+                      <a:tailEnd type="none" w="med" len="med"/>
+                    </a:lnL>
+                    <a:lnR w="12700" cap="flat" cmpd="sng" algn="ctr">
+                      <a:solidFill>
+                        <a:schemeClr val="tx1">
+                          <a:lumMod val="85000"/>
+                        </a:schemeClr>
+                      </a:solidFill>
+                      <a:prstDash val="sysDash"/>
+                      <a:round/>
+                      <a:headEnd type="none" w="med" len="med"/>
+                      <a:tailEnd type="none" w="med" len="med"/>
+                    </a:lnR>
+                    <a:lnT w="12700" cap="flat" cmpd="sng" algn="ctr">
+                      <a:solidFill>
+                        <a:schemeClr val="tx1">
+                          <a:lumMod val="85000"/>
+                        </a:schemeClr>
+                      </a:solidFill>
+                      <a:prstDash val="sysDash"/>
+                      <a:round/>
+                      <a:headEnd type="none" w="med" len="med"/>
+                      <a:tailEnd type="none" w="med" len="med"/>
+                    </a:lnT>
+                    <a:lnB w="12700" cap="flat" cmpd="sng" algn="ctr">
+                      <a:solidFill>
+                        <a:schemeClr val="tx1">
+                          <a:lumMod val="85000"/>
+                        </a:schemeClr>
+                      </a:solidFill>
+                      <a:prstDash val="sysDash"/>
+                      <a:round/>
+                      <a:headEnd type="none" w="med" len="med"/>
+                      <a:tailEnd type="none" w="med" len="med"/>
+                    </a:lnB>
+                    <a:noFill/>
+                  </a:tcPr>
+                </a:tc>
+                <a:extLst>
+                  <a:ext uri="{0D108BD9-81ED-4DB2-BD59-A6C34878D82A}">
+                    <a16:rowId xmlns:a16="http://schemas.microsoft.com/office/drawing/2014/main" val="3909983222"/>
+                  </a:ext>
+                </a:extLst>
+              </a:tr>
+              <a:tr h="126170">
+                <a:tc>
+                  <a:txBody>
+                    <a:bodyPr/>
+                    <a:lstStyle/>
+                    <a:p>
+                      <a:pPr algn="l" fontAlgn="b"/>
+                      <a:r>
+                        <a:rPr lang="es-AR" sz="800" b="1" u="none" strike="noStrike" dirty="0">
+                          <a:effectLst/>
+                        </a:rPr>
+                        <a:t>Componente 5</a:t>
+                      </a:r>
+                      <a:endParaRPr lang="es-AR" sz="800" b="1" i="0" u="none" strike="noStrike" dirty="0">
+                        <a:solidFill>
+                          <a:srgbClr val="000000"/>
+                        </a:solidFill>
+                        <a:effectLst/>
+                        <a:latin typeface="Calibri" panose="020F0502020204030204" pitchFamily="34" charset="0"/>
+                      </a:endParaRPr>
+                    </a:p>
+                  </a:txBody>
+                  <a:tcPr marL="9525" marR="9525" marT="9525" marB="0" anchor="ctr">
+                    <a:lnL w="12700" cap="flat" cmpd="sng" algn="ctr">
+                      <a:solidFill>
+                        <a:schemeClr val="tx1">
+                          <a:lumMod val="85000"/>
+                        </a:schemeClr>
+                      </a:solidFill>
+                      <a:prstDash val="sysDash"/>
+                      <a:round/>
+                      <a:headEnd type="none" w="med" len="med"/>
+                      <a:tailEnd type="none" w="med" len="med"/>
+                    </a:lnL>
+                    <a:lnR w="12700" cap="flat" cmpd="sng" algn="ctr">
+                      <a:solidFill>
+                        <a:schemeClr val="tx1">
+                          <a:lumMod val="85000"/>
+                        </a:schemeClr>
+                      </a:solidFill>
+                      <a:prstDash val="sysDash"/>
+                      <a:round/>
+                      <a:headEnd type="none" w="med" len="med"/>
+                      <a:tailEnd type="none" w="med" len="med"/>
+                    </a:lnR>
+                    <a:lnT w="12700" cap="flat" cmpd="sng" algn="ctr">
+                      <a:solidFill>
+                        <a:schemeClr val="tx1">
+                          <a:lumMod val="85000"/>
+                        </a:schemeClr>
+                      </a:solidFill>
+                      <a:prstDash val="sysDash"/>
+                      <a:round/>
+                      <a:headEnd type="none" w="med" len="med"/>
+                      <a:tailEnd type="none" w="med" len="med"/>
+                    </a:lnT>
+                    <a:lnB w="12700" cap="flat" cmpd="sng" algn="ctr">
+                      <a:solidFill>
+                        <a:schemeClr val="tx1">
+                          <a:lumMod val="85000"/>
+                        </a:schemeClr>
+                      </a:solidFill>
+                      <a:prstDash val="sysDash"/>
+                      <a:round/>
+                      <a:headEnd type="none" w="med" len="med"/>
+                      <a:tailEnd type="none" w="med" len="med"/>
+                    </a:lnB>
+                    <a:solidFill>
+                      <a:srgbClr val="31A4E2">
+                        <a:alpha val="60000"/>
+                      </a:srgbClr>
+                    </a:solidFill>
+                  </a:tcPr>
+                </a:tc>
+                <a:tc>
+                  <a:txBody>
+                    <a:bodyPr/>
+                    <a:lstStyle/>
+                    <a:p>
+                      <a:pPr algn="ctr" fontAlgn="ctr"/>
+                      <a:r>
+                        <a:rPr lang="es-AR" sz="900" b="0" i="0" u="none" strike="noStrike">
+                          <a:solidFill>
+                            <a:srgbClr val="000000"/>
+                          </a:solidFill>
+                          <a:effectLst/>
+                          <a:latin typeface="Walbaum Display (Cuerpo)"/>
+                        </a:rPr>
+                        <a:t>0,00</a:t>
+                      </a:r>
+                    </a:p>
+                  </a:txBody>
+                  <a:tcPr marL="9525" marR="9525" marT="9525" marB="0" anchor="ctr">
+                    <a:lnL w="12700" cap="flat" cmpd="sng" algn="ctr">
+                      <a:solidFill>
+                        <a:schemeClr val="tx1">
+                          <a:lumMod val="85000"/>
+                        </a:schemeClr>
+                      </a:solidFill>
+                      <a:prstDash val="sysDash"/>
+                      <a:round/>
+                      <a:headEnd type="none" w="med" len="med"/>
+                      <a:tailEnd type="none" w="med" len="med"/>
+                    </a:lnL>
+                    <a:lnR w="12700" cap="flat" cmpd="sng" algn="ctr">
+                      <a:solidFill>
+                        <a:schemeClr val="tx1">
+                          <a:lumMod val="85000"/>
+                        </a:schemeClr>
+                      </a:solidFill>
+                      <a:prstDash val="sysDash"/>
+                      <a:round/>
+                      <a:headEnd type="none" w="med" len="med"/>
+                      <a:tailEnd type="none" w="med" len="med"/>
+                    </a:lnR>
+                    <a:lnT w="12700" cap="flat" cmpd="sng" algn="ctr">
+                      <a:solidFill>
+                        <a:schemeClr val="tx1">
+                          <a:lumMod val="85000"/>
+                        </a:schemeClr>
+                      </a:solidFill>
+                      <a:prstDash val="sysDash"/>
+                      <a:round/>
+                      <a:headEnd type="none" w="med" len="med"/>
+                      <a:tailEnd type="none" w="med" len="med"/>
+                    </a:lnT>
+                    <a:lnB w="12700" cap="flat" cmpd="sng" algn="ctr">
+                      <a:solidFill>
+                        <a:schemeClr val="tx1">
+                          <a:lumMod val="85000"/>
+                        </a:schemeClr>
+                      </a:solidFill>
+                      <a:prstDash val="sysDash"/>
+                      <a:round/>
+                      <a:headEnd type="none" w="med" len="med"/>
+                      <a:tailEnd type="none" w="med" len="med"/>
+                    </a:lnB>
+                    <a:noFill/>
+                  </a:tcPr>
+                </a:tc>
+                <a:tc>
+                  <a:txBody>
+                    <a:bodyPr/>
+                    <a:lstStyle/>
+                    <a:p>
+                      <a:pPr algn="ctr" fontAlgn="ctr"/>
+                      <a:r>
+                        <a:rPr lang="es-AR" sz="900" b="0" i="0" u="none" strike="noStrike">
+                          <a:solidFill>
+                            <a:srgbClr val="000000"/>
+                          </a:solidFill>
+                          <a:effectLst/>
+                          <a:latin typeface="Walbaum Display (Cuerpo)"/>
+                        </a:rPr>
+                        <a:t>0,03</a:t>
+                      </a:r>
+                    </a:p>
+                  </a:txBody>
+                  <a:tcPr marL="9525" marR="9525" marT="9525" marB="0" anchor="ctr">
+                    <a:lnL w="12700" cap="flat" cmpd="sng" algn="ctr">
+                      <a:solidFill>
+                        <a:schemeClr val="tx1">
+                          <a:lumMod val="85000"/>
+                        </a:schemeClr>
+                      </a:solidFill>
+                      <a:prstDash val="sysDash"/>
+                      <a:round/>
+                      <a:headEnd type="none" w="med" len="med"/>
+                      <a:tailEnd type="none" w="med" len="med"/>
+                    </a:lnL>
+                    <a:lnR w="12700" cap="flat" cmpd="sng" algn="ctr">
+                      <a:solidFill>
+                        <a:schemeClr val="tx1">
+                          <a:lumMod val="85000"/>
+                        </a:schemeClr>
+                      </a:solidFill>
+                      <a:prstDash val="sysDash"/>
+                      <a:round/>
+                      <a:headEnd type="none" w="med" len="med"/>
+                      <a:tailEnd type="none" w="med" len="med"/>
+                    </a:lnR>
+                    <a:lnT w="12700" cap="flat" cmpd="sng" algn="ctr">
+                      <a:solidFill>
+                        <a:schemeClr val="tx1">
+                          <a:lumMod val="85000"/>
+                        </a:schemeClr>
+                      </a:solidFill>
+                      <a:prstDash val="sysDash"/>
+                      <a:round/>
+                      <a:headEnd type="none" w="med" len="med"/>
+                      <a:tailEnd type="none" w="med" len="med"/>
+                    </a:lnT>
+                    <a:lnB w="12700" cap="flat" cmpd="sng" algn="ctr">
+                      <a:solidFill>
+                        <a:schemeClr val="tx1">
+                          <a:lumMod val="85000"/>
+                        </a:schemeClr>
+                      </a:solidFill>
+                      <a:prstDash val="sysDash"/>
+                      <a:round/>
+                      <a:headEnd type="none" w="med" len="med"/>
+                      <a:tailEnd type="none" w="med" len="med"/>
+                    </a:lnB>
+                    <a:noFill/>
+                  </a:tcPr>
+                </a:tc>
+                <a:tc>
+                  <a:txBody>
+                    <a:bodyPr/>
+                    <a:lstStyle/>
+                    <a:p>
+                      <a:pPr algn="ctr" fontAlgn="ctr"/>
+                      <a:r>
+                        <a:rPr lang="es-AR" sz="900" b="0" i="0" u="none" strike="noStrike" dirty="0">
+                          <a:solidFill>
+                            <a:srgbClr val="000000"/>
+                          </a:solidFill>
+                          <a:effectLst/>
+                          <a:latin typeface="Walbaum Display (Cuerpo)"/>
+                        </a:rPr>
+                        <a:t>0,01</a:t>
+                      </a:r>
+                    </a:p>
+                  </a:txBody>
+                  <a:tcPr marL="9525" marR="9525" marT="9525" marB="0" anchor="ctr">
+                    <a:lnL w="12700" cap="flat" cmpd="sng" algn="ctr">
+                      <a:solidFill>
+                        <a:schemeClr val="tx1">
+                          <a:lumMod val="85000"/>
+                        </a:schemeClr>
+                      </a:solidFill>
+                      <a:prstDash val="sysDash"/>
+                      <a:round/>
+                      <a:headEnd type="none" w="med" len="med"/>
+                      <a:tailEnd type="none" w="med" len="med"/>
+                    </a:lnL>
+                    <a:lnR w="12700" cap="flat" cmpd="sng" algn="ctr">
+                      <a:solidFill>
+                        <a:schemeClr val="tx1">
+                          <a:lumMod val="85000"/>
+                        </a:schemeClr>
+                      </a:solidFill>
+                      <a:prstDash val="sysDash"/>
+                      <a:round/>
+                      <a:headEnd type="none" w="med" len="med"/>
+                      <a:tailEnd type="none" w="med" len="med"/>
+                    </a:lnR>
+                    <a:lnT w="12700" cap="flat" cmpd="sng" algn="ctr">
+                      <a:solidFill>
+                        <a:schemeClr val="tx1">
+                          <a:lumMod val="85000"/>
+                        </a:schemeClr>
+                      </a:solidFill>
+                      <a:prstDash val="sysDash"/>
+                      <a:round/>
+                      <a:headEnd type="none" w="med" len="med"/>
+                      <a:tailEnd type="none" w="med" len="med"/>
+                    </a:lnT>
+                    <a:lnB w="12700" cap="flat" cmpd="sng" algn="ctr">
+                      <a:solidFill>
+                        <a:schemeClr val="tx1">
+                          <a:lumMod val="85000"/>
+                        </a:schemeClr>
+                      </a:solidFill>
+                      <a:prstDash val="sysDash"/>
+                      <a:round/>
+                      <a:headEnd type="none" w="med" len="med"/>
+                      <a:tailEnd type="none" w="med" len="med"/>
+                    </a:lnB>
+                    <a:noFill/>
+                  </a:tcPr>
+                </a:tc>
+                <a:tc>
+                  <a:txBody>
+                    <a:bodyPr/>
+                    <a:lstStyle/>
+                    <a:p>
+                      <a:pPr algn="ctr" fontAlgn="ctr"/>
+                      <a:r>
+                        <a:rPr lang="es-AR" sz="900" b="0" i="0" u="none" strike="noStrike">
+                          <a:solidFill>
+                            <a:srgbClr val="000000"/>
+                          </a:solidFill>
+                          <a:effectLst/>
+                          <a:latin typeface="Walbaum Display (Cuerpo)"/>
+                        </a:rPr>
+                        <a:t>1,00</a:t>
+                      </a:r>
+                    </a:p>
+                  </a:txBody>
+                  <a:tcPr marL="9525" marR="9525" marT="9525" marB="0" anchor="ctr">
+                    <a:lnL w="12700" cap="flat" cmpd="sng" algn="ctr">
+                      <a:solidFill>
+                        <a:schemeClr val="tx1">
+                          <a:lumMod val="85000"/>
+                        </a:schemeClr>
+                      </a:solidFill>
+                      <a:prstDash val="sysDash"/>
+                      <a:round/>
+                      <a:headEnd type="none" w="med" len="med"/>
+                      <a:tailEnd type="none" w="med" len="med"/>
+                    </a:lnL>
+                    <a:lnR w="12700" cap="flat" cmpd="sng" algn="ctr">
+                      <a:solidFill>
+                        <a:schemeClr val="tx1">
+                          <a:lumMod val="85000"/>
+                        </a:schemeClr>
+                      </a:solidFill>
+                      <a:prstDash val="sysDash"/>
+                      <a:round/>
+                      <a:headEnd type="none" w="med" len="med"/>
+                      <a:tailEnd type="none" w="med" len="med"/>
+                    </a:lnR>
+                    <a:lnT w="12700" cap="flat" cmpd="sng" algn="ctr">
+                      <a:solidFill>
+                        <a:schemeClr val="tx1">
+                          <a:lumMod val="85000"/>
+                        </a:schemeClr>
+                      </a:solidFill>
+                      <a:prstDash val="sysDash"/>
+                      <a:round/>
+                      <a:headEnd type="none" w="med" len="med"/>
+                      <a:tailEnd type="none" w="med" len="med"/>
+                    </a:lnT>
+                    <a:lnB w="12700" cap="flat" cmpd="sng" algn="ctr">
+                      <a:solidFill>
+                        <a:schemeClr val="tx1">
+                          <a:lumMod val="85000"/>
+                        </a:schemeClr>
+                      </a:solidFill>
+                      <a:prstDash val="sysDash"/>
+                      <a:round/>
+                      <a:headEnd type="none" w="med" len="med"/>
+                      <a:tailEnd type="none" w="med" len="med"/>
+                    </a:lnB>
+                    <a:noFill/>
+                  </a:tcPr>
+                </a:tc>
+                <a:extLst>
+                  <a:ext uri="{0D108BD9-81ED-4DB2-BD59-A6C34878D82A}">
+                    <a16:rowId xmlns:a16="http://schemas.microsoft.com/office/drawing/2014/main" val="2473658310"/>
+                  </a:ext>
+                </a:extLst>
+              </a:tr>
+              <a:tr h="126170">
+                <a:tc>
+                  <a:txBody>
+                    <a:bodyPr/>
+                    <a:lstStyle/>
+                    <a:p>
+                      <a:pPr algn="l" fontAlgn="b"/>
+                      <a:r>
+                        <a:rPr lang="es-AR" sz="800" b="1" u="none" strike="noStrike" dirty="0">
+                          <a:effectLst/>
+                        </a:rPr>
+                        <a:t>Componente 6</a:t>
+                      </a:r>
+                      <a:endParaRPr lang="es-AR" sz="800" b="1" i="0" u="none" strike="noStrike" dirty="0">
+                        <a:solidFill>
+                          <a:srgbClr val="000000"/>
+                        </a:solidFill>
+                        <a:effectLst/>
+                        <a:latin typeface="Calibri" panose="020F0502020204030204" pitchFamily="34" charset="0"/>
+                      </a:endParaRPr>
+                    </a:p>
+                  </a:txBody>
+                  <a:tcPr marL="9525" marR="9525" marT="9525" marB="0" anchor="ctr">
+                    <a:lnL w="12700" cap="flat" cmpd="sng" algn="ctr">
+                      <a:solidFill>
+                        <a:schemeClr val="tx1">
+                          <a:lumMod val="85000"/>
+                        </a:schemeClr>
+                      </a:solidFill>
+                      <a:prstDash val="sysDash"/>
+                      <a:round/>
+                      <a:headEnd type="none" w="med" len="med"/>
+                      <a:tailEnd type="none" w="med" len="med"/>
+                    </a:lnL>
+                    <a:lnR w="12700" cap="flat" cmpd="sng" algn="ctr">
+                      <a:solidFill>
+                        <a:schemeClr val="tx1">
+                          <a:lumMod val="85000"/>
+                        </a:schemeClr>
+                      </a:solidFill>
+                      <a:prstDash val="sysDash"/>
+                      <a:round/>
+                      <a:headEnd type="none" w="med" len="med"/>
+                      <a:tailEnd type="none" w="med" len="med"/>
+                    </a:lnR>
+                    <a:lnT w="12700" cap="flat" cmpd="sng" algn="ctr">
+                      <a:solidFill>
+                        <a:schemeClr val="tx1">
+                          <a:lumMod val="85000"/>
+                        </a:schemeClr>
+                      </a:solidFill>
+                      <a:prstDash val="sysDash"/>
+                      <a:round/>
+                      <a:headEnd type="none" w="med" len="med"/>
+                      <a:tailEnd type="none" w="med" len="med"/>
+                    </a:lnT>
+                    <a:lnB w="12700" cap="flat" cmpd="sng" algn="ctr">
+                      <a:solidFill>
+                        <a:schemeClr val="tx1">
+                          <a:lumMod val="85000"/>
+                        </a:schemeClr>
+                      </a:solidFill>
+                      <a:prstDash val="sysDash"/>
+                      <a:round/>
+                      <a:headEnd type="none" w="med" len="med"/>
+                      <a:tailEnd type="none" w="med" len="med"/>
+                    </a:lnB>
+                    <a:solidFill>
+                      <a:srgbClr val="31A4E2">
+                        <a:alpha val="60000"/>
+                      </a:srgbClr>
+                    </a:solidFill>
+                  </a:tcPr>
+                </a:tc>
+                <a:tc>
+                  <a:txBody>
+                    <a:bodyPr/>
+                    <a:lstStyle/>
+                    <a:p>
+                      <a:pPr algn="ctr" fontAlgn="ctr"/>
+                      <a:r>
+                        <a:rPr lang="es-AR" sz="900" b="0" i="0" u="none" strike="noStrike">
+                          <a:solidFill>
+                            <a:srgbClr val="000000"/>
+                          </a:solidFill>
+                          <a:effectLst/>
+                          <a:latin typeface="Walbaum Display (Cuerpo)"/>
+                        </a:rPr>
+                        <a:t>0,00</a:t>
+                      </a:r>
+                    </a:p>
+                  </a:txBody>
+                  <a:tcPr marL="9525" marR="9525" marT="9525" marB="0" anchor="ctr">
+                    <a:lnL w="12700" cap="flat" cmpd="sng" algn="ctr">
+                      <a:solidFill>
+                        <a:schemeClr val="tx1">
+                          <a:lumMod val="85000"/>
+                        </a:schemeClr>
+                      </a:solidFill>
+                      <a:prstDash val="sysDash"/>
+                      <a:round/>
+                      <a:headEnd type="none" w="med" len="med"/>
+                      <a:tailEnd type="none" w="med" len="med"/>
+                    </a:lnL>
+                    <a:lnR w="12700" cap="flat" cmpd="sng" algn="ctr">
+                      <a:solidFill>
+                        <a:schemeClr val="tx1">
+                          <a:lumMod val="85000"/>
+                        </a:schemeClr>
+                      </a:solidFill>
+                      <a:prstDash val="sysDash"/>
+                      <a:round/>
+                      <a:headEnd type="none" w="med" len="med"/>
+                      <a:tailEnd type="none" w="med" len="med"/>
+                    </a:lnR>
+                    <a:lnT w="12700" cap="flat" cmpd="sng" algn="ctr">
+                      <a:solidFill>
+                        <a:schemeClr val="tx1">
+                          <a:lumMod val="85000"/>
+                        </a:schemeClr>
+                      </a:solidFill>
+                      <a:prstDash val="sysDash"/>
+                      <a:round/>
+                      <a:headEnd type="none" w="med" len="med"/>
+                      <a:tailEnd type="none" w="med" len="med"/>
+                    </a:lnT>
+                    <a:lnB w="12700" cap="flat" cmpd="sng" algn="ctr">
+                      <a:solidFill>
+                        <a:schemeClr val="tx1">
+                          <a:lumMod val="85000"/>
+                        </a:schemeClr>
+                      </a:solidFill>
+                      <a:prstDash val="sysDash"/>
+                      <a:round/>
+                      <a:headEnd type="none" w="med" len="med"/>
+                      <a:tailEnd type="none" w="med" len="med"/>
+                    </a:lnB>
+                    <a:noFill/>
+                  </a:tcPr>
+                </a:tc>
+                <a:tc>
+                  <a:txBody>
+                    <a:bodyPr/>
+                    <a:lstStyle/>
+                    <a:p>
+                      <a:pPr algn="ctr" fontAlgn="ctr"/>
+                      <a:r>
+                        <a:rPr lang="es-AR" sz="900" b="0" i="0" u="none" strike="noStrike">
+                          <a:solidFill>
+                            <a:srgbClr val="000000"/>
+                          </a:solidFill>
+                          <a:effectLst/>
+                          <a:latin typeface="Walbaum Display (Cuerpo)"/>
+                        </a:rPr>
+                        <a:t>0,01</a:t>
+                      </a:r>
+                    </a:p>
+                  </a:txBody>
+                  <a:tcPr marL="9525" marR="9525" marT="9525" marB="0" anchor="ctr">
+                    <a:lnL w="12700" cap="flat" cmpd="sng" algn="ctr">
+                      <a:solidFill>
+                        <a:schemeClr val="tx1">
+                          <a:lumMod val="85000"/>
+                        </a:schemeClr>
+                      </a:solidFill>
+                      <a:prstDash val="sysDash"/>
+                      <a:round/>
+                      <a:headEnd type="none" w="med" len="med"/>
+                      <a:tailEnd type="none" w="med" len="med"/>
+                    </a:lnL>
+                    <a:lnR w="12700" cap="flat" cmpd="sng" algn="ctr">
+                      <a:solidFill>
+                        <a:schemeClr val="tx1">
+                          <a:lumMod val="85000"/>
+                        </a:schemeClr>
+                      </a:solidFill>
+                      <a:prstDash val="sysDash"/>
+                      <a:round/>
+                      <a:headEnd type="none" w="med" len="med"/>
+                      <a:tailEnd type="none" w="med" len="med"/>
+                    </a:lnR>
+                    <a:lnT w="12700" cap="flat" cmpd="sng" algn="ctr">
+                      <a:solidFill>
+                        <a:schemeClr val="tx1">
+                          <a:lumMod val="85000"/>
+                        </a:schemeClr>
+                      </a:solidFill>
+                      <a:prstDash val="sysDash"/>
+                      <a:round/>
+                      <a:headEnd type="none" w="med" len="med"/>
+                      <a:tailEnd type="none" w="med" len="med"/>
+                    </a:lnT>
+                    <a:lnB w="12700" cap="flat" cmpd="sng" algn="ctr">
+                      <a:solidFill>
+                        <a:schemeClr val="tx1">
+                          <a:lumMod val="85000"/>
+                        </a:schemeClr>
+                      </a:solidFill>
+                      <a:prstDash val="sysDash"/>
+                      <a:round/>
+                      <a:headEnd type="none" w="med" len="med"/>
+                      <a:tailEnd type="none" w="med" len="med"/>
+                    </a:lnB>
+                    <a:noFill/>
+                  </a:tcPr>
+                </a:tc>
+                <a:tc>
+                  <a:txBody>
+                    <a:bodyPr/>
+                    <a:lstStyle/>
+                    <a:p>
+                      <a:pPr algn="ctr" fontAlgn="ctr"/>
+                      <a:r>
+                        <a:rPr lang="es-AR" sz="900" b="0" i="0" u="none" strike="noStrike" dirty="0">
+                          <a:solidFill>
+                            <a:srgbClr val="000000"/>
+                          </a:solidFill>
+                          <a:effectLst/>
+                          <a:latin typeface="Walbaum Display (Cuerpo)"/>
+                        </a:rPr>
+                        <a:t>0,00</a:t>
+                      </a:r>
+                    </a:p>
+                  </a:txBody>
+                  <a:tcPr marL="9525" marR="9525" marT="9525" marB="0" anchor="ctr">
+                    <a:lnL w="12700" cap="flat" cmpd="sng" algn="ctr">
+                      <a:solidFill>
+                        <a:schemeClr val="tx1">
+                          <a:lumMod val="85000"/>
+                        </a:schemeClr>
+                      </a:solidFill>
+                      <a:prstDash val="sysDash"/>
+                      <a:round/>
+                      <a:headEnd type="none" w="med" len="med"/>
+                      <a:tailEnd type="none" w="med" len="med"/>
+                    </a:lnL>
+                    <a:lnR w="12700" cap="flat" cmpd="sng" algn="ctr">
+                      <a:solidFill>
+                        <a:schemeClr val="tx1">
+                          <a:lumMod val="85000"/>
+                        </a:schemeClr>
+                      </a:solidFill>
+                      <a:prstDash val="sysDash"/>
+                      <a:round/>
+                      <a:headEnd type="none" w="med" len="med"/>
+                      <a:tailEnd type="none" w="med" len="med"/>
+                    </a:lnR>
+                    <a:lnT w="12700" cap="flat" cmpd="sng" algn="ctr">
+                      <a:solidFill>
+                        <a:schemeClr val="tx1">
+                          <a:lumMod val="85000"/>
+                        </a:schemeClr>
+                      </a:solidFill>
+                      <a:prstDash val="sysDash"/>
+                      <a:round/>
+                      <a:headEnd type="none" w="med" len="med"/>
+                      <a:tailEnd type="none" w="med" len="med"/>
+                    </a:lnT>
+                    <a:lnB w="12700" cap="flat" cmpd="sng" algn="ctr">
+                      <a:solidFill>
+                        <a:schemeClr val="tx1">
+                          <a:lumMod val="85000"/>
+                        </a:schemeClr>
+                      </a:solidFill>
+                      <a:prstDash val="sysDash"/>
+                      <a:round/>
+                      <a:headEnd type="none" w="med" len="med"/>
+                      <a:tailEnd type="none" w="med" len="med"/>
+                    </a:lnB>
+                    <a:noFill/>
+                  </a:tcPr>
+                </a:tc>
+                <a:tc>
+                  <a:txBody>
+                    <a:bodyPr/>
+                    <a:lstStyle/>
+                    <a:p>
+                      <a:pPr algn="ctr" fontAlgn="ctr"/>
+                      <a:r>
+                        <a:rPr lang="es-AR" sz="900" b="0" i="0" u="none" strike="noStrike">
+                          <a:solidFill>
+                            <a:srgbClr val="000000"/>
+                          </a:solidFill>
+                          <a:effectLst/>
+                          <a:latin typeface="Walbaum Display (Cuerpo)"/>
+                        </a:rPr>
+                        <a:t>1,00</a:t>
+                      </a:r>
+                    </a:p>
+                  </a:txBody>
+                  <a:tcPr marL="9525" marR="9525" marT="9525" marB="0" anchor="ctr">
+                    <a:lnL w="12700" cap="flat" cmpd="sng" algn="ctr">
+                      <a:solidFill>
+                        <a:schemeClr val="tx1">
+                          <a:lumMod val="85000"/>
+                        </a:schemeClr>
+                      </a:solidFill>
+                      <a:prstDash val="sysDash"/>
+                      <a:round/>
+                      <a:headEnd type="none" w="med" len="med"/>
+                      <a:tailEnd type="none" w="med" len="med"/>
+                    </a:lnL>
+                    <a:lnR w="12700" cap="flat" cmpd="sng" algn="ctr">
+                      <a:solidFill>
+                        <a:schemeClr val="tx1">
+                          <a:lumMod val="85000"/>
+                        </a:schemeClr>
+                      </a:solidFill>
+                      <a:prstDash val="sysDash"/>
+                      <a:round/>
+                      <a:headEnd type="none" w="med" len="med"/>
+                      <a:tailEnd type="none" w="med" len="med"/>
+                    </a:lnR>
+                    <a:lnT w="12700" cap="flat" cmpd="sng" algn="ctr">
+                      <a:solidFill>
+                        <a:schemeClr val="tx1">
+                          <a:lumMod val="85000"/>
+                        </a:schemeClr>
+                      </a:solidFill>
+                      <a:prstDash val="sysDash"/>
+                      <a:round/>
+                      <a:headEnd type="none" w="med" len="med"/>
+                      <a:tailEnd type="none" w="med" len="med"/>
+                    </a:lnT>
+                    <a:lnB w="12700" cap="flat" cmpd="sng" algn="ctr">
+                      <a:solidFill>
+                        <a:schemeClr val="tx1">
+                          <a:lumMod val="85000"/>
+                        </a:schemeClr>
+                      </a:solidFill>
+                      <a:prstDash val="sysDash"/>
+                      <a:round/>
+                      <a:headEnd type="none" w="med" len="med"/>
+                      <a:tailEnd type="none" w="med" len="med"/>
+                    </a:lnB>
+                    <a:noFill/>
+                  </a:tcPr>
+                </a:tc>
+                <a:extLst>
+                  <a:ext uri="{0D108BD9-81ED-4DB2-BD59-A6C34878D82A}">
+                    <a16:rowId xmlns:a16="http://schemas.microsoft.com/office/drawing/2014/main" val="3328198353"/>
+                  </a:ext>
+                </a:extLst>
+              </a:tr>
+              <a:tr h="126170">
+                <a:tc>
+                  <a:txBody>
+                    <a:bodyPr/>
+                    <a:lstStyle/>
+                    <a:p>
+                      <a:pPr algn="l" fontAlgn="b"/>
+                      <a:r>
+                        <a:rPr lang="es-AR" sz="800" b="1" u="none" strike="noStrike" dirty="0">
+                          <a:effectLst/>
+                        </a:rPr>
+                        <a:t>Componente 7</a:t>
+                      </a:r>
+                      <a:endParaRPr lang="es-AR" sz="800" b="1" i="0" u="none" strike="noStrike" dirty="0">
+                        <a:solidFill>
+                          <a:srgbClr val="000000"/>
+                        </a:solidFill>
+                        <a:effectLst/>
+                        <a:latin typeface="Calibri" panose="020F0502020204030204" pitchFamily="34" charset="0"/>
+                      </a:endParaRPr>
+                    </a:p>
+                  </a:txBody>
+                  <a:tcPr marL="9525" marR="9525" marT="9525" marB="0" anchor="ctr">
+                    <a:lnL w="12700" cap="flat" cmpd="sng" algn="ctr">
+                      <a:solidFill>
+                        <a:schemeClr val="tx1">
+                          <a:lumMod val="85000"/>
+                        </a:schemeClr>
+                      </a:solidFill>
+                      <a:prstDash val="sysDash"/>
+                      <a:round/>
+                      <a:headEnd type="none" w="med" len="med"/>
+                      <a:tailEnd type="none" w="med" len="med"/>
+                    </a:lnL>
+                    <a:lnR w="12700" cap="flat" cmpd="sng" algn="ctr">
+                      <a:solidFill>
+                        <a:schemeClr val="tx1">
+                          <a:lumMod val="85000"/>
+                        </a:schemeClr>
+                      </a:solidFill>
+                      <a:prstDash val="sysDash"/>
+                      <a:round/>
+                      <a:headEnd type="none" w="med" len="med"/>
+                      <a:tailEnd type="none" w="med" len="med"/>
+                    </a:lnR>
+                    <a:lnT w="12700" cap="flat" cmpd="sng" algn="ctr">
+                      <a:solidFill>
+                        <a:schemeClr val="tx1">
+                          <a:lumMod val="85000"/>
+                        </a:schemeClr>
+                      </a:solidFill>
+                      <a:prstDash val="sysDash"/>
+                      <a:round/>
+                      <a:headEnd type="none" w="med" len="med"/>
+                      <a:tailEnd type="none" w="med" len="med"/>
+                    </a:lnT>
+                    <a:lnB w="12700" cap="flat" cmpd="sng" algn="ctr">
+                      <a:solidFill>
+                        <a:schemeClr val="tx1">
+                          <a:lumMod val="85000"/>
+                        </a:schemeClr>
+                      </a:solidFill>
+                      <a:prstDash val="sysDash"/>
+                      <a:round/>
+                      <a:headEnd type="none" w="med" len="med"/>
+                      <a:tailEnd type="none" w="med" len="med"/>
+                    </a:lnB>
+                    <a:solidFill>
+                      <a:srgbClr val="31A4E2">
+                        <a:alpha val="60000"/>
+                      </a:srgbClr>
+                    </a:solidFill>
+                  </a:tcPr>
+                </a:tc>
+                <a:tc>
+                  <a:txBody>
+                    <a:bodyPr/>
+                    <a:lstStyle/>
+                    <a:p>
+                      <a:pPr algn="ctr" fontAlgn="ctr"/>
+                      <a:r>
+                        <a:rPr lang="es-AR" sz="900" b="0" i="0" u="none" strike="noStrike">
+                          <a:solidFill>
+                            <a:srgbClr val="000000"/>
+                          </a:solidFill>
+                          <a:effectLst/>
+                          <a:latin typeface="Walbaum Display (Cuerpo)"/>
+                        </a:rPr>
+                        <a:t>0,00</a:t>
+                      </a:r>
+                    </a:p>
+                  </a:txBody>
+                  <a:tcPr marL="9525" marR="9525" marT="9525" marB="0" anchor="ctr">
+                    <a:lnL w="12700" cap="flat" cmpd="sng" algn="ctr">
+                      <a:solidFill>
+                        <a:schemeClr val="tx1">
+                          <a:lumMod val="85000"/>
+                        </a:schemeClr>
+                      </a:solidFill>
+                      <a:prstDash val="sysDash"/>
+                      <a:round/>
+                      <a:headEnd type="none" w="med" len="med"/>
+                      <a:tailEnd type="none" w="med" len="med"/>
+                    </a:lnL>
+                    <a:lnR w="12700" cap="flat" cmpd="sng" algn="ctr">
+                      <a:solidFill>
+                        <a:schemeClr val="tx1">
+                          <a:lumMod val="85000"/>
+                        </a:schemeClr>
+                      </a:solidFill>
+                      <a:prstDash val="sysDash"/>
+                      <a:round/>
+                      <a:headEnd type="none" w="med" len="med"/>
+                      <a:tailEnd type="none" w="med" len="med"/>
+                    </a:lnR>
+                    <a:lnT w="12700" cap="flat" cmpd="sng" algn="ctr">
+                      <a:solidFill>
+                        <a:schemeClr val="tx1">
+                          <a:lumMod val="85000"/>
+                        </a:schemeClr>
+                      </a:solidFill>
+                      <a:prstDash val="sysDash"/>
+                      <a:round/>
+                      <a:headEnd type="none" w="med" len="med"/>
+                      <a:tailEnd type="none" w="med" len="med"/>
+                    </a:lnT>
+                    <a:lnB w="12700" cap="flat" cmpd="sng" algn="ctr">
+                      <a:solidFill>
+                        <a:schemeClr val="tx1">
+                          <a:lumMod val="85000"/>
+                        </a:schemeClr>
+                      </a:solidFill>
+                      <a:prstDash val="sysDash"/>
+                      <a:round/>
+                      <a:headEnd type="none" w="med" len="med"/>
+                      <a:tailEnd type="none" w="med" len="med"/>
+                    </a:lnB>
+                    <a:noFill/>
+                  </a:tcPr>
+                </a:tc>
+                <a:tc>
+                  <a:txBody>
+                    <a:bodyPr/>
+                    <a:lstStyle/>
+                    <a:p>
+                      <a:pPr algn="ctr" fontAlgn="ctr"/>
+                      <a:r>
+                        <a:rPr lang="es-AR" sz="900" b="0" i="0" u="none" strike="noStrike">
+                          <a:solidFill>
+                            <a:srgbClr val="000000"/>
+                          </a:solidFill>
+                          <a:effectLst/>
+                          <a:latin typeface="Walbaum Display (Cuerpo)"/>
+                        </a:rPr>
+                        <a:t>0,00</a:t>
+                      </a:r>
+                    </a:p>
+                  </a:txBody>
+                  <a:tcPr marL="9525" marR="9525" marT="9525" marB="0" anchor="ctr">
+                    <a:lnL w="12700" cap="flat" cmpd="sng" algn="ctr">
+                      <a:solidFill>
+                        <a:schemeClr val="tx1">
+                          <a:lumMod val="85000"/>
+                        </a:schemeClr>
+                      </a:solidFill>
+                      <a:prstDash val="sysDash"/>
+                      <a:round/>
+                      <a:headEnd type="none" w="med" len="med"/>
+                      <a:tailEnd type="none" w="med" len="med"/>
+                    </a:lnL>
+                    <a:lnR w="12700" cap="flat" cmpd="sng" algn="ctr">
+                      <a:solidFill>
+                        <a:schemeClr val="tx1">
+                          <a:lumMod val="85000"/>
+                        </a:schemeClr>
+                      </a:solidFill>
+                      <a:prstDash val="sysDash"/>
+                      <a:round/>
+                      <a:headEnd type="none" w="med" len="med"/>
+                      <a:tailEnd type="none" w="med" len="med"/>
+                    </a:lnR>
+                    <a:lnT w="12700" cap="flat" cmpd="sng" algn="ctr">
+                      <a:solidFill>
+                        <a:schemeClr val="tx1">
+                          <a:lumMod val="85000"/>
+                        </a:schemeClr>
+                      </a:solidFill>
+                      <a:prstDash val="sysDash"/>
+                      <a:round/>
+                      <a:headEnd type="none" w="med" len="med"/>
+                      <a:tailEnd type="none" w="med" len="med"/>
+                    </a:lnT>
+                    <a:lnB w="12700" cap="flat" cmpd="sng" algn="ctr">
+                      <a:solidFill>
+                        <a:schemeClr val="tx1">
+                          <a:lumMod val="85000"/>
+                        </a:schemeClr>
+                      </a:solidFill>
+                      <a:prstDash val="sysDash"/>
+                      <a:round/>
+                      <a:headEnd type="none" w="med" len="med"/>
+                      <a:tailEnd type="none" w="med" len="med"/>
+                    </a:lnB>
+                    <a:noFill/>
+                  </a:tcPr>
+                </a:tc>
+                <a:tc>
+                  <a:txBody>
+                    <a:bodyPr/>
+                    <a:lstStyle/>
+                    <a:p>
+                      <a:pPr algn="ctr" fontAlgn="ctr"/>
+                      <a:r>
+                        <a:rPr lang="es-AR" sz="900" b="0" i="0" u="none" strike="noStrike">
+                          <a:solidFill>
+                            <a:srgbClr val="000000"/>
+                          </a:solidFill>
+                          <a:effectLst/>
+                          <a:latin typeface="Walbaum Display (Cuerpo)"/>
+                        </a:rPr>
+                        <a:t>0,00</a:t>
+                      </a:r>
+                    </a:p>
+                  </a:txBody>
+                  <a:tcPr marL="9525" marR="9525" marT="9525" marB="0" anchor="ctr">
+                    <a:lnL w="12700" cap="flat" cmpd="sng" algn="ctr">
+                      <a:solidFill>
+                        <a:schemeClr val="tx1">
+                          <a:lumMod val="85000"/>
+                        </a:schemeClr>
+                      </a:solidFill>
+                      <a:prstDash val="sysDash"/>
+                      <a:round/>
+                      <a:headEnd type="none" w="med" len="med"/>
+                      <a:tailEnd type="none" w="med" len="med"/>
+                    </a:lnL>
+                    <a:lnR w="12700" cap="flat" cmpd="sng" algn="ctr">
+                      <a:solidFill>
+                        <a:schemeClr val="tx1">
+                          <a:lumMod val="85000"/>
+                        </a:schemeClr>
+                      </a:solidFill>
+                      <a:prstDash val="sysDash"/>
+                      <a:round/>
+                      <a:headEnd type="none" w="med" len="med"/>
+                      <a:tailEnd type="none" w="med" len="med"/>
+                    </a:lnR>
+                    <a:lnT w="12700" cap="flat" cmpd="sng" algn="ctr">
+                      <a:solidFill>
+                        <a:schemeClr val="tx1">
+                          <a:lumMod val="85000"/>
+                        </a:schemeClr>
+                      </a:solidFill>
+                      <a:prstDash val="sysDash"/>
+                      <a:round/>
+                      <a:headEnd type="none" w="med" len="med"/>
+                      <a:tailEnd type="none" w="med" len="med"/>
+                    </a:lnT>
+                    <a:lnB w="12700" cap="flat" cmpd="sng" algn="ctr">
+                      <a:solidFill>
+                        <a:schemeClr val="tx1">
+                          <a:lumMod val="85000"/>
+                        </a:schemeClr>
+                      </a:solidFill>
+                      <a:prstDash val="sysDash"/>
+                      <a:round/>
+                      <a:headEnd type="none" w="med" len="med"/>
+                      <a:tailEnd type="none" w="med" len="med"/>
+                    </a:lnB>
+                    <a:noFill/>
+                  </a:tcPr>
+                </a:tc>
+                <a:tc>
+                  <a:txBody>
+                    <a:bodyPr/>
+                    <a:lstStyle/>
+                    <a:p>
+                      <a:pPr algn="ctr" fontAlgn="ctr"/>
+                      <a:r>
+                        <a:rPr lang="es-AR" sz="900" b="0" i="0" u="none" strike="noStrike" dirty="0">
+                          <a:solidFill>
+                            <a:srgbClr val="000000"/>
+                          </a:solidFill>
+                          <a:effectLst/>
+                          <a:latin typeface="Walbaum Display (Cuerpo)"/>
+                        </a:rPr>
+                        <a:t>1,00</a:t>
+                      </a:r>
+                    </a:p>
+                  </a:txBody>
+                  <a:tcPr marL="9525" marR="9525" marT="9525" marB="0" anchor="ctr">
+                    <a:lnL w="12700" cap="flat" cmpd="sng" algn="ctr">
+                      <a:solidFill>
+                        <a:schemeClr val="tx1">
+                          <a:lumMod val="85000"/>
+                        </a:schemeClr>
+                      </a:solidFill>
+                      <a:prstDash val="sysDash"/>
+                      <a:round/>
+                      <a:headEnd type="none" w="med" len="med"/>
+                      <a:tailEnd type="none" w="med" len="med"/>
+                    </a:lnL>
+                    <a:lnR w="12700" cap="flat" cmpd="sng" algn="ctr">
+                      <a:solidFill>
+                        <a:schemeClr val="tx1">
+                          <a:lumMod val="85000"/>
+                        </a:schemeClr>
+                      </a:solidFill>
+                      <a:prstDash val="sysDash"/>
+                      <a:round/>
+                      <a:headEnd type="none" w="med" len="med"/>
+                      <a:tailEnd type="none" w="med" len="med"/>
+                    </a:lnR>
+                    <a:lnT w="12700" cap="flat" cmpd="sng" algn="ctr">
+                      <a:solidFill>
+                        <a:schemeClr val="tx1">
+                          <a:lumMod val="85000"/>
+                        </a:schemeClr>
+                      </a:solidFill>
+                      <a:prstDash val="sysDash"/>
+                      <a:round/>
+                      <a:headEnd type="none" w="med" len="med"/>
+                      <a:tailEnd type="none" w="med" len="med"/>
+                    </a:lnT>
+                    <a:lnB w="12700" cap="flat" cmpd="sng" algn="ctr">
+                      <a:solidFill>
+                        <a:schemeClr val="tx1">
+                          <a:lumMod val="85000"/>
+                        </a:schemeClr>
+                      </a:solidFill>
+                      <a:prstDash val="sysDash"/>
+                      <a:round/>
+                      <a:headEnd type="none" w="med" len="med"/>
+                      <a:tailEnd type="none" w="med" len="med"/>
+                    </a:lnB>
+                    <a:noFill/>
+                  </a:tcPr>
+                </a:tc>
+                <a:extLst>
+                  <a:ext uri="{0D108BD9-81ED-4DB2-BD59-A6C34878D82A}">
+                    <a16:rowId xmlns:a16="http://schemas.microsoft.com/office/drawing/2014/main" val="3448120567"/>
+                  </a:ext>
+                </a:extLst>
+              </a:tr>
+            </a:tbl>
+          </a:graphicData>
+        </a:graphic>
+      </p:graphicFrame>
+      <p:sp>
+        <p:nvSpPr>
+          <p:cNvPr id="14" name="Marcador de contenido 2">
+            <a:extLst>
+              <a:ext uri="{FF2B5EF4-FFF2-40B4-BE49-F238E27FC236}">
+                <a16:creationId xmlns:a16="http://schemas.microsoft.com/office/drawing/2014/main" id="{F08A2BD3-E5C3-8F45-0113-B4EE42201576}"/>
+              </a:ext>
+            </a:extLst>
+          </p:cNvPr>
+          <p:cNvSpPr txBox="1">
+            <a:spLocks/>
+          </p:cNvSpPr>
+          <p:nvPr/>
+        </p:nvSpPr>
+        <p:spPr>
+          <a:xfrm>
+            <a:off x="339364" y="2822842"/>
+            <a:ext cx="6482059" cy="285052"/>
+          </a:xfrm>
+          <a:prstGeom prst="rect">
+            <a:avLst/>
+          </a:prstGeom>
+        </p:spPr>
+        <p:txBody>
+          <a:bodyPr vert="horz" lIns="45720" tIns="45720" rIns="45720" bIns="45720" rtlCol="0">
+            <a:normAutofit/>
+          </a:bodyPr>
+          <a:lstStyle>
+            <a:lvl1pPr marL="91440" indent="-91440" algn="l" defTabSz="914400" rtl="0" eaLnBrk="1" latinLnBrk="0" hangingPunct="1">
+              <a:lnSpc>
+                <a:spcPct val="90000"/>
+              </a:lnSpc>
+              <a:spcBef>
+                <a:spcPts val="1200"/>
+              </a:spcBef>
+              <a:spcAft>
+                <a:spcPts val="200"/>
+              </a:spcAft>
+              <a:buClr>
+                <a:schemeClr val="accent1"/>
+              </a:buClr>
+              <a:buSzPct val="100000"/>
+              <a:buFont typeface="Tw Cen MT" panose="020B0602020104020603" pitchFamily="34" charset="0"/>
+              <a:buChar char=" "/>
+              <a:defRPr sz="2200" kern="1200">
+                <a:solidFill>
+                  <a:schemeClr val="tx1"/>
+                </a:solidFill>
+                <a:latin typeface="+mn-lt"/>
+                <a:ea typeface="+mn-ea"/>
+                <a:cs typeface="+mn-cs"/>
+              </a:defRPr>
+            </a:lvl1pPr>
+            <a:lvl2pPr marL="265176" indent="-137160" algn="l" defTabSz="914400" rtl="0" eaLnBrk="1" latinLnBrk="0" hangingPunct="1">
+              <a:lnSpc>
+                <a:spcPct val="90000"/>
+              </a:lnSpc>
+              <a:spcBef>
+                <a:spcPts val="200"/>
+              </a:spcBef>
+              <a:spcAft>
+                <a:spcPts val="400"/>
+              </a:spcAft>
+              <a:buClr>
+                <a:schemeClr val="accent1"/>
+              </a:buClr>
+              <a:buFont typeface="Wingdings 3" pitchFamily="18" charset="2"/>
+              <a:buChar char=""/>
+              <a:defRPr sz="1800" kern="1200">
+                <a:solidFill>
+                  <a:schemeClr val="tx1"/>
+                </a:solidFill>
+                <a:latin typeface="+mn-lt"/>
+                <a:ea typeface="+mn-ea"/>
+                <a:cs typeface="+mn-cs"/>
+              </a:defRPr>
+            </a:lvl2pPr>
+            <a:lvl3pPr marL="448056" indent="-137160" algn="l" defTabSz="914400" rtl="0" eaLnBrk="1" latinLnBrk="0" hangingPunct="1">
+              <a:lnSpc>
+                <a:spcPct val="90000"/>
+              </a:lnSpc>
+              <a:spcBef>
+                <a:spcPts val="200"/>
+              </a:spcBef>
+              <a:spcAft>
+                <a:spcPts val="400"/>
+              </a:spcAft>
+              <a:buClr>
+                <a:schemeClr val="accent1"/>
+              </a:buClr>
+              <a:buFont typeface="Wingdings 3" pitchFamily="18" charset="2"/>
+              <a:buChar char=""/>
+              <a:defRPr sz="1400" kern="1200">
+                <a:solidFill>
+                  <a:schemeClr val="tx1"/>
+                </a:solidFill>
+                <a:latin typeface="+mn-lt"/>
+                <a:ea typeface="+mn-ea"/>
+                <a:cs typeface="+mn-cs"/>
+              </a:defRPr>
+            </a:lvl3pPr>
+            <a:lvl4pPr marL="594360" indent="-137160" algn="l" defTabSz="914400" rtl="0" eaLnBrk="1" latinLnBrk="0" hangingPunct="1">
+              <a:lnSpc>
+                <a:spcPct val="90000"/>
+              </a:lnSpc>
+              <a:spcBef>
+                <a:spcPts val="200"/>
+              </a:spcBef>
+              <a:spcAft>
+                <a:spcPts val="400"/>
+              </a:spcAft>
+              <a:buClr>
+                <a:schemeClr val="accent1"/>
+              </a:buClr>
+              <a:buFont typeface="Wingdings 3" pitchFamily="18" charset="2"/>
+              <a:buChar char=""/>
+              <a:defRPr sz="1400" kern="1200">
+                <a:solidFill>
+                  <a:schemeClr val="tx1"/>
+                </a:solidFill>
+                <a:latin typeface="+mn-lt"/>
+                <a:ea typeface="+mn-ea"/>
+                <a:cs typeface="+mn-cs"/>
+              </a:defRPr>
+            </a:lvl4pPr>
+            <a:lvl5pPr marL="777240" indent="-137160" algn="l" defTabSz="914400" rtl="0" eaLnBrk="1" latinLnBrk="0" hangingPunct="1">
+              <a:lnSpc>
+                <a:spcPct val="90000"/>
+              </a:lnSpc>
+              <a:spcBef>
+                <a:spcPts val="200"/>
+              </a:spcBef>
+              <a:spcAft>
+                <a:spcPts val="400"/>
+              </a:spcAft>
+              <a:buClr>
+                <a:schemeClr val="accent1"/>
+              </a:buClr>
+              <a:buFont typeface="Wingdings 3" pitchFamily="18" charset="2"/>
+              <a:buChar char=""/>
+              <a:defRPr sz="1400" kern="1200">
+                <a:solidFill>
+                  <a:schemeClr val="tx1"/>
+                </a:solidFill>
+                <a:latin typeface="+mn-lt"/>
+                <a:ea typeface="+mn-ea"/>
+                <a:cs typeface="+mn-cs"/>
+              </a:defRPr>
+            </a:lvl5pPr>
+            <a:lvl6pPr marL="914400" indent="-137160" algn="l" defTabSz="914400" rtl="0" eaLnBrk="1" latinLnBrk="0" hangingPunct="1">
+              <a:lnSpc>
+                <a:spcPct val="90000"/>
+              </a:lnSpc>
+              <a:spcBef>
+                <a:spcPts val="200"/>
+              </a:spcBef>
+              <a:spcAft>
+                <a:spcPts val="400"/>
+              </a:spcAft>
+              <a:buClr>
+                <a:schemeClr val="accent1"/>
+              </a:buClr>
+              <a:buFont typeface="Wingdings 3" pitchFamily="18" charset="2"/>
+              <a:buChar char=""/>
+              <a:defRPr sz="1400" kern="1200">
+                <a:solidFill>
+                  <a:schemeClr val="tx1"/>
+                </a:solidFill>
+                <a:latin typeface="+mn-lt"/>
+                <a:ea typeface="+mn-ea"/>
+                <a:cs typeface="+mn-cs"/>
+              </a:defRPr>
+            </a:lvl6pPr>
+            <a:lvl7pPr marL="1060704" indent="-137160" algn="l" defTabSz="914400" rtl="0" eaLnBrk="1" latinLnBrk="0" hangingPunct="1">
+              <a:lnSpc>
+                <a:spcPct val="90000"/>
+              </a:lnSpc>
+              <a:spcBef>
+                <a:spcPts val="200"/>
+              </a:spcBef>
+              <a:spcAft>
+                <a:spcPts val="400"/>
+              </a:spcAft>
+              <a:buClr>
+                <a:schemeClr val="accent1"/>
+              </a:buClr>
+              <a:buFont typeface="Wingdings 3" pitchFamily="18" charset="2"/>
+              <a:buChar char=""/>
+              <a:defRPr sz="1400" kern="1200">
+                <a:solidFill>
+                  <a:schemeClr val="tx1"/>
+                </a:solidFill>
+                <a:latin typeface="+mn-lt"/>
+                <a:ea typeface="+mn-ea"/>
+                <a:cs typeface="+mn-cs"/>
+              </a:defRPr>
+            </a:lvl7pPr>
+            <a:lvl8pPr marL="1216152" indent="-137160" algn="l" defTabSz="914400" rtl="0" eaLnBrk="1" latinLnBrk="0" hangingPunct="1">
+              <a:lnSpc>
+                <a:spcPct val="90000"/>
+              </a:lnSpc>
+              <a:spcBef>
+                <a:spcPts val="200"/>
+              </a:spcBef>
+              <a:spcAft>
+                <a:spcPts val="400"/>
+              </a:spcAft>
+              <a:buClr>
+                <a:schemeClr val="accent1"/>
+              </a:buClr>
+              <a:buFont typeface="Wingdings 3" pitchFamily="18" charset="2"/>
+              <a:buChar char=""/>
+              <a:defRPr sz="1400" kern="1200">
+                <a:solidFill>
+                  <a:schemeClr val="tx1"/>
+                </a:solidFill>
+                <a:latin typeface="+mn-lt"/>
+                <a:ea typeface="+mn-ea"/>
+                <a:cs typeface="+mn-cs"/>
+              </a:defRPr>
+            </a:lvl8pPr>
+            <a:lvl9pPr marL="1362456" indent="-137160" algn="l" defTabSz="914400" rtl="0" eaLnBrk="1" latinLnBrk="0" hangingPunct="1">
+              <a:lnSpc>
+                <a:spcPct val="90000"/>
+              </a:lnSpc>
+              <a:spcBef>
+                <a:spcPts val="200"/>
+              </a:spcBef>
+              <a:spcAft>
+                <a:spcPts val="400"/>
+              </a:spcAft>
+              <a:buClr>
+                <a:schemeClr val="accent1"/>
+              </a:buClr>
+              <a:buFont typeface="Wingdings 3" pitchFamily="18" charset="2"/>
+              <a:buChar char=""/>
+              <a:defRPr sz="1400" kern="1200">
+                <a:solidFill>
+                  <a:schemeClr val="tx1"/>
+                </a:solidFill>
+                <a:latin typeface="+mn-lt"/>
+                <a:ea typeface="+mn-ea"/>
+                <a:cs typeface="+mn-cs"/>
+              </a:defRPr>
+            </a:lvl9pPr>
+          </a:lstStyle>
+          <a:p>
+            <a:pPr marL="0" marR="0" lvl="0" indent="0" algn="just" defTabSz="914400" rtl="0" eaLnBrk="1" fontAlgn="auto" latinLnBrk="0" hangingPunct="1">
+              <a:lnSpc>
+                <a:spcPct val="90000"/>
+              </a:lnSpc>
+              <a:spcBef>
+                <a:spcPts val="1200"/>
+              </a:spcBef>
+              <a:spcAft>
+                <a:spcPts val="200"/>
+              </a:spcAft>
+              <a:buClr>
+                <a:srgbClr val="1CADE4"/>
+              </a:buClr>
+              <a:buSzPct val="100000"/>
+              <a:buNone/>
+              <a:tabLst/>
+              <a:defRPr/>
+            </a:pPr>
+            <a:r>
+              <a:rPr kumimoji="0" lang="es-ES" sz="1200" i="0" u="none" strike="noStrike" kern="1200" cap="none" spc="0" normalizeH="0" baseline="0" noProof="0" dirty="0">
+                <a:ln>
+                  <a:noFill/>
+                </a:ln>
+                <a:solidFill>
+                  <a:sysClr val="windowText" lastClr="000000"/>
+                </a:solidFill>
+                <a:effectLst/>
+                <a:uLnTx/>
+                <a:uFillTx/>
+                <a:latin typeface="Walbaum Display (Cuerpo)"/>
+              </a:rPr>
+              <a:t>Para una </a:t>
+            </a:r>
+            <a:r>
+              <a:rPr kumimoji="0" lang="es-ES" sz="1200" b="1" i="0" u="none" strike="noStrike" kern="1200" cap="none" spc="0" normalizeH="0" baseline="0" noProof="0" dirty="0">
+                <a:ln>
+                  <a:noFill/>
+                </a:ln>
+                <a:solidFill>
+                  <a:sysClr val="windowText" lastClr="000000"/>
+                </a:solidFill>
+                <a:effectLst/>
+                <a:uLnTx/>
+                <a:uFillTx/>
+                <a:latin typeface="Walbaum Display (Cuerpo)"/>
+              </a:rPr>
+              <a:t>matriz de datos no estandarizados </a:t>
+            </a:r>
+            <a:r>
+              <a:rPr kumimoji="0" lang="es-ES" sz="1200" i="0" u="none" strike="noStrike" kern="1200" cap="none" spc="0" normalizeH="0" baseline="0" noProof="0" dirty="0">
+                <a:ln>
+                  <a:noFill/>
+                </a:ln>
+                <a:solidFill>
+                  <a:sysClr val="windowText" lastClr="000000"/>
+                </a:solidFill>
+                <a:effectLst/>
+                <a:uLnTx/>
+                <a:uFillTx/>
+                <a:latin typeface="Walbaum Display (Cuerpo)"/>
+              </a:rPr>
+              <a:t>(</a:t>
+            </a:r>
+            <a:r>
+              <a:rPr kumimoji="0" lang="es-ES" sz="1200" b="1" i="0" u="none" strike="noStrike" kern="1200" cap="none" spc="0" normalizeH="0" baseline="0" noProof="0" dirty="0">
+                <a:ln>
+                  <a:noFill/>
+                </a:ln>
+                <a:solidFill>
+                  <a:sysClr val="windowText" lastClr="000000"/>
+                </a:solidFill>
+                <a:effectLst/>
+                <a:uLnTx/>
+                <a:uFillTx/>
+                <a:latin typeface="Walbaum Display (Cuerpo)"/>
+              </a:rPr>
+              <a:t>Matriz de Covarianzas</a:t>
+            </a:r>
+            <a:r>
+              <a:rPr kumimoji="0" lang="es-ES" sz="1200" i="0" u="none" strike="noStrike" kern="1200" cap="none" spc="0" normalizeH="0" baseline="0" noProof="0" dirty="0">
+                <a:ln>
+                  <a:noFill/>
+                </a:ln>
+                <a:solidFill>
+                  <a:sysClr val="windowText" lastClr="000000"/>
+                </a:solidFill>
+                <a:effectLst/>
+                <a:uLnTx/>
+                <a:uFillTx/>
+                <a:latin typeface="Walbaum Display (Cuerpo)"/>
+              </a:rPr>
+              <a:t>):</a:t>
+            </a:r>
+            <a:endParaRPr kumimoji="0" lang="es-AR" sz="1200" i="0" u="none" strike="noStrike" kern="1200" cap="none" spc="0" normalizeH="0" baseline="0" noProof="0" dirty="0">
+              <a:ln>
+                <a:noFill/>
+              </a:ln>
+              <a:solidFill>
+                <a:sysClr val="windowText" lastClr="000000"/>
+              </a:solidFill>
+              <a:effectLst/>
+              <a:uLnTx/>
+              <a:uFillTx/>
+              <a:latin typeface="Walbaum Display (Cuerpo)"/>
+            </a:endParaRPr>
+          </a:p>
+        </p:txBody>
+      </p:sp>
+      <p:sp>
+        <p:nvSpPr>
+          <p:cNvPr id="16" name="Marcador de contenido 2">
+            <a:extLst>
+              <a:ext uri="{FF2B5EF4-FFF2-40B4-BE49-F238E27FC236}">
+                <a16:creationId xmlns:a16="http://schemas.microsoft.com/office/drawing/2014/main" id="{FB718C48-AAE3-626F-83C5-15DB757B84EF}"/>
+              </a:ext>
+            </a:extLst>
+          </p:cNvPr>
+          <p:cNvSpPr txBox="1">
+            <a:spLocks/>
+          </p:cNvSpPr>
+          <p:nvPr/>
+        </p:nvSpPr>
+        <p:spPr>
+          <a:xfrm>
+            <a:off x="339364" y="4765378"/>
+            <a:ext cx="11271446" cy="1213593"/>
+          </a:xfrm>
+          <a:prstGeom prst="rect">
+            <a:avLst/>
+          </a:prstGeom>
+        </p:spPr>
+        <p:txBody>
+          <a:bodyPr vert="horz" lIns="45720" tIns="45720" rIns="45720" bIns="45720" rtlCol="0">
+            <a:noAutofit/>
+          </a:bodyPr>
+          <a:lstStyle>
+            <a:lvl1pPr marL="91440" indent="-91440" algn="l" defTabSz="914400" rtl="0" eaLnBrk="1" latinLnBrk="0" hangingPunct="1">
+              <a:lnSpc>
+                <a:spcPct val="90000"/>
+              </a:lnSpc>
+              <a:spcBef>
+                <a:spcPts val="1200"/>
+              </a:spcBef>
+              <a:spcAft>
+                <a:spcPts val="200"/>
+              </a:spcAft>
+              <a:buClr>
+                <a:schemeClr val="accent1"/>
+              </a:buClr>
+              <a:buSzPct val="100000"/>
+              <a:buFont typeface="Tw Cen MT" panose="020B0602020104020603" pitchFamily="34" charset="0"/>
+              <a:buChar char=" "/>
+              <a:defRPr sz="2200" kern="1200">
+                <a:solidFill>
+                  <a:schemeClr val="tx1"/>
+                </a:solidFill>
+                <a:latin typeface="+mn-lt"/>
+                <a:ea typeface="+mn-ea"/>
+                <a:cs typeface="+mn-cs"/>
+              </a:defRPr>
+            </a:lvl1pPr>
+            <a:lvl2pPr marL="265176" indent="-137160" algn="l" defTabSz="914400" rtl="0" eaLnBrk="1" latinLnBrk="0" hangingPunct="1">
+              <a:lnSpc>
+                <a:spcPct val="90000"/>
+              </a:lnSpc>
+              <a:spcBef>
+                <a:spcPts val="200"/>
+              </a:spcBef>
+              <a:spcAft>
+                <a:spcPts val="400"/>
+              </a:spcAft>
+              <a:buClr>
+                <a:schemeClr val="accent1"/>
+              </a:buClr>
+              <a:buFont typeface="Wingdings 3" pitchFamily="18" charset="2"/>
+              <a:buChar char=""/>
+              <a:defRPr sz="1800" kern="1200">
+                <a:solidFill>
+                  <a:schemeClr val="tx1"/>
+                </a:solidFill>
+                <a:latin typeface="+mn-lt"/>
+                <a:ea typeface="+mn-ea"/>
+                <a:cs typeface="+mn-cs"/>
+              </a:defRPr>
+            </a:lvl2pPr>
+            <a:lvl3pPr marL="448056" indent="-137160" algn="l" defTabSz="914400" rtl="0" eaLnBrk="1" latinLnBrk="0" hangingPunct="1">
+              <a:lnSpc>
+                <a:spcPct val="90000"/>
+              </a:lnSpc>
+              <a:spcBef>
+                <a:spcPts val="200"/>
+              </a:spcBef>
+              <a:spcAft>
+                <a:spcPts val="400"/>
+              </a:spcAft>
+              <a:buClr>
+                <a:schemeClr val="accent1"/>
+              </a:buClr>
+              <a:buFont typeface="Wingdings 3" pitchFamily="18" charset="2"/>
+              <a:buChar char=""/>
+              <a:defRPr sz="1400" kern="1200">
+                <a:solidFill>
+                  <a:schemeClr val="tx1"/>
+                </a:solidFill>
+                <a:latin typeface="+mn-lt"/>
+                <a:ea typeface="+mn-ea"/>
+                <a:cs typeface="+mn-cs"/>
+              </a:defRPr>
+            </a:lvl3pPr>
+            <a:lvl4pPr marL="594360" indent="-137160" algn="l" defTabSz="914400" rtl="0" eaLnBrk="1" latinLnBrk="0" hangingPunct="1">
+              <a:lnSpc>
+                <a:spcPct val="90000"/>
+              </a:lnSpc>
+              <a:spcBef>
+                <a:spcPts val="200"/>
+              </a:spcBef>
+              <a:spcAft>
+                <a:spcPts val="400"/>
+              </a:spcAft>
+              <a:buClr>
+                <a:schemeClr val="accent1"/>
+              </a:buClr>
+              <a:buFont typeface="Wingdings 3" pitchFamily="18" charset="2"/>
+              <a:buChar char=""/>
+              <a:defRPr sz="1400" kern="1200">
+                <a:solidFill>
+                  <a:schemeClr val="tx1"/>
+                </a:solidFill>
+                <a:latin typeface="+mn-lt"/>
+                <a:ea typeface="+mn-ea"/>
+                <a:cs typeface="+mn-cs"/>
+              </a:defRPr>
+            </a:lvl4pPr>
+            <a:lvl5pPr marL="777240" indent="-137160" algn="l" defTabSz="914400" rtl="0" eaLnBrk="1" latinLnBrk="0" hangingPunct="1">
+              <a:lnSpc>
+                <a:spcPct val="90000"/>
+              </a:lnSpc>
+              <a:spcBef>
+                <a:spcPts val="200"/>
+              </a:spcBef>
+              <a:spcAft>
+                <a:spcPts val="400"/>
+              </a:spcAft>
+              <a:buClr>
+                <a:schemeClr val="accent1"/>
+              </a:buClr>
+              <a:buFont typeface="Wingdings 3" pitchFamily="18" charset="2"/>
+              <a:buChar char=""/>
+              <a:defRPr sz="1400" kern="1200">
+                <a:solidFill>
+                  <a:schemeClr val="tx1"/>
+                </a:solidFill>
+                <a:latin typeface="+mn-lt"/>
+                <a:ea typeface="+mn-ea"/>
+                <a:cs typeface="+mn-cs"/>
+              </a:defRPr>
+            </a:lvl5pPr>
+            <a:lvl6pPr marL="914400" indent="-137160" algn="l" defTabSz="914400" rtl="0" eaLnBrk="1" latinLnBrk="0" hangingPunct="1">
+              <a:lnSpc>
+                <a:spcPct val="90000"/>
+              </a:lnSpc>
+              <a:spcBef>
+                <a:spcPts val="200"/>
+              </a:spcBef>
+              <a:spcAft>
+                <a:spcPts val="400"/>
+              </a:spcAft>
+              <a:buClr>
+                <a:schemeClr val="accent1"/>
+              </a:buClr>
+              <a:buFont typeface="Wingdings 3" pitchFamily="18" charset="2"/>
+              <a:buChar char=""/>
+              <a:defRPr sz="1400" kern="1200">
+                <a:solidFill>
+                  <a:schemeClr val="tx1"/>
+                </a:solidFill>
+                <a:latin typeface="+mn-lt"/>
+                <a:ea typeface="+mn-ea"/>
+                <a:cs typeface="+mn-cs"/>
+              </a:defRPr>
+            </a:lvl6pPr>
+            <a:lvl7pPr marL="1060704" indent="-137160" algn="l" defTabSz="914400" rtl="0" eaLnBrk="1" latinLnBrk="0" hangingPunct="1">
+              <a:lnSpc>
+                <a:spcPct val="90000"/>
+              </a:lnSpc>
+              <a:spcBef>
+                <a:spcPts val="200"/>
+              </a:spcBef>
+              <a:spcAft>
+                <a:spcPts val="400"/>
+              </a:spcAft>
+              <a:buClr>
+                <a:schemeClr val="accent1"/>
+              </a:buClr>
+              <a:buFont typeface="Wingdings 3" pitchFamily="18" charset="2"/>
+              <a:buChar char=""/>
+              <a:defRPr sz="1400" kern="1200">
+                <a:solidFill>
+                  <a:schemeClr val="tx1"/>
+                </a:solidFill>
+                <a:latin typeface="+mn-lt"/>
+                <a:ea typeface="+mn-ea"/>
+                <a:cs typeface="+mn-cs"/>
+              </a:defRPr>
+            </a:lvl7pPr>
+            <a:lvl8pPr marL="1216152" indent="-137160" algn="l" defTabSz="914400" rtl="0" eaLnBrk="1" latinLnBrk="0" hangingPunct="1">
+              <a:lnSpc>
+                <a:spcPct val="90000"/>
+              </a:lnSpc>
+              <a:spcBef>
+                <a:spcPts val="200"/>
+              </a:spcBef>
+              <a:spcAft>
+                <a:spcPts val="400"/>
+              </a:spcAft>
+              <a:buClr>
+                <a:schemeClr val="accent1"/>
+              </a:buClr>
+              <a:buFont typeface="Wingdings 3" pitchFamily="18" charset="2"/>
+              <a:buChar char=""/>
+              <a:defRPr sz="1400" kern="1200">
+                <a:solidFill>
+                  <a:schemeClr val="tx1"/>
+                </a:solidFill>
+                <a:latin typeface="+mn-lt"/>
+                <a:ea typeface="+mn-ea"/>
+                <a:cs typeface="+mn-cs"/>
+              </a:defRPr>
+            </a:lvl8pPr>
+            <a:lvl9pPr marL="1362456" indent="-137160" algn="l" defTabSz="914400" rtl="0" eaLnBrk="1" latinLnBrk="0" hangingPunct="1">
+              <a:lnSpc>
+                <a:spcPct val="90000"/>
+              </a:lnSpc>
+              <a:spcBef>
+                <a:spcPts val="200"/>
+              </a:spcBef>
+              <a:spcAft>
+                <a:spcPts val="400"/>
+              </a:spcAft>
+              <a:buClr>
+                <a:schemeClr val="accent1"/>
+              </a:buClr>
+              <a:buFont typeface="Wingdings 3" pitchFamily="18" charset="2"/>
+              <a:buChar char=""/>
+              <a:defRPr sz="1400" kern="1200">
+                <a:solidFill>
+                  <a:schemeClr val="tx1"/>
+                </a:solidFill>
+                <a:latin typeface="+mn-lt"/>
+                <a:ea typeface="+mn-ea"/>
+                <a:cs typeface="+mn-cs"/>
+              </a:defRPr>
+            </a:lvl9pPr>
+          </a:lstStyle>
+          <a:p>
+            <a:pPr marL="0" marR="0" lvl="0" indent="0" algn="just" defTabSz="914400" rtl="0" eaLnBrk="1" fontAlgn="auto" latinLnBrk="0" hangingPunct="1">
+              <a:lnSpc>
+                <a:spcPct val="90000"/>
+              </a:lnSpc>
+              <a:spcBef>
+                <a:spcPts val="0"/>
+              </a:spcBef>
+              <a:spcAft>
+                <a:spcPts val="0"/>
+              </a:spcAft>
+              <a:buClr>
+                <a:srgbClr val="1CADE4"/>
+              </a:buClr>
+              <a:buSzPct val="100000"/>
+              <a:buNone/>
+              <a:tabLst/>
+              <a:defRPr/>
+            </a:pPr>
+            <a:r>
+              <a:rPr lang="es-ES" sz="1050" b="1" dirty="0">
+                <a:solidFill>
+                  <a:sysClr val="windowText" lastClr="000000"/>
+                </a:solidFill>
+                <a:latin typeface="Walbaum Display (Cuerpo)"/>
+              </a:rPr>
+              <a:t>Comentarios:</a:t>
+            </a:r>
+          </a:p>
+          <a:p>
+            <a:pPr marR="0" lvl="0" algn="just" defTabSz="914400" rtl="0" eaLnBrk="1" fontAlgn="auto" latinLnBrk="0" hangingPunct="1">
+              <a:lnSpc>
+                <a:spcPct val="90000"/>
+              </a:lnSpc>
+              <a:spcBef>
+                <a:spcPts val="0"/>
+              </a:spcBef>
+              <a:spcAft>
+                <a:spcPts val="0"/>
+              </a:spcAft>
+              <a:buClr>
+                <a:srgbClr val="1CADE4"/>
+              </a:buClr>
+              <a:buSzPct val="100000"/>
+              <a:buFontTx/>
+              <a:buChar char="-"/>
+              <a:tabLst/>
+              <a:defRPr/>
+            </a:pPr>
+            <a:r>
+              <a:rPr lang="es-ES" sz="1050" dirty="0">
+                <a:solidFill>
+                  <a:sysClr val="windowText" lastClr="000000"/>
+                </a:solidFill>
+                <a:latin typeface="Walbaum Display (Cuerpo)"/>
+              </a:rPr>
+              <a:t>Dado el objetivo de reducción de cantidad de variables con la menor pérdida de varianza posible para la matriz de datos analizada, se ha realizado un análisis de componente principales (PCA) de dos formas distintas, cuyos resultados son sensiblemente distintos. </a:t>
+            </a:r>
+          </a:p>
+          <a:p>
+            <a:pPr marR="0" lvl="0" algn="just" defTabSz="914400" rtl="0" eaLnBrk="1" fontAlgn="auto" latinLnBrk="0" hangingPunct="1">
+              <a:lnSpc>
+                <a:spcPct val="90000"/>
+              </a:lnSpc>
+              <a:spcBef>
+                <a:spcPts val="0"/>
+              </a:spcBef>
+              <a:spcAft>
+                <a:spcPts val="0"/>
+              </a:spcAft>
+              <a:buClr>
+                <a:srgbClr val="1CADE4"/>
+              </a:buClr>
+              <a:buSzPct val="100000"/>
+              <a:buFontTx/>
+              <a:buChar char="-"/>
+              <a:tabLst/>
+              <a:defRPr/>
+            </a:pPr>
+            <a:r>
+              <a:rPr lang="es-ES" sz="1050" dirty="0">
+                <a:solidFill>
+                  <a:sysClr val="windowText" lastClr="000000"/>
+                </a:solidFill>
+                <a:latin typeface="Walbaum Display (Cuerpo)"/>
+              </a:rPr>
+              <a:t>Dada la matriz de datos estandarizada, PCA nos indica que el primer componente explica en un 31% la varianza total de los datos. Sin embargo, dada la matriz de datos no estandarizada, PCA nos indica que este mismo guarismo es del 63%. </a:t>
+            </a:r>
+          </a:p>
+          <a:p>
+            <a:pPr marR="0" lvl="0" algn="just" defTabSz="914400" rtl="0" eaLnBrk="1" fontAlgn="auto" latinLnBrk="0" hangingPunct="1">
+              <a:lnSpc>
+                <a:spcPct val="90000"/>
+              </a:lnSpc>
+              <a:spcBef>
+                <a:spcPts val="0"/>
+              </a:spcBef>
+              <a:spcAft>
+                <a:spcPts val="0"/>
+              </a:spcAft>
+              <a:buClr>
+                <a:srgbClr val="1CADE4"/>
+              </a:buClr>
+              <a:buSzPct val="100000"/>
+              <a:buFontTx/>
+              <a:buChar char="-"/>
+              <a:tabLst/>
+              <a:defRPr/>
+            </a:pPr>
+            <a:r>
+              <a:rPr lang="es-ES" sz="1050" dirty="0">
+                <a:solidFill>
+                  <a:sysClr val="windowText" lastClr="000000"/>
+                </a:solidFill>
+                <a:latin typeface="Walbaum Display (Cuerpo)"/>
+              </a:rPr>
+              <a:t>Al presentar la información de varianzas explicadas de forma gráfica y conjunta para ambos análisis de PCA, puede concluirse que las diferencias entre ambos resultados se mantienen: mientras que el primer análisis indicaría que para contar con un nivel de varianza explicada del 95% se requerirían 5 componentes, el segundo análisis concluiría que mismo guarismo podría conseguirse con tan solo 3 componentes. </a:t>
+            </a:r>
+          </a:p>
+        </p:txBody>
+      </p:sp>
+      <p:sp>
+        <p:nvSpPr>
+          <p:cNvPr id="2" name="CuadroTexto 1">
+            <a:extLst>
+              <a:ext uri="{FF2B5EF4-FFF2-40B4-BE49-F238E27FC236}">
+                <a16:creationId xmlns:a16="http://schemas.microsoft.com/office/drawing/2014/main" id="{805CDE67-4A45-7C69-7E87-B6F0AF9B73EE}"/>
+              </a:ext>
+            </a:extLst>
+          </p:cNvPr>
+          <p:cNvSpPr txBox="1"/>
+          <p:nvPr/>
+        </p:nvSpPr>
+        <p:spPr>
+          <a:xfrm>
+            <a:off x="84842" y="127388"/>
+            <a:ext cx="11085922" cy="523220"/>
+          </a:xfrm>
+          <a:prstGeom prst="rect">
+            <a:avLst/>
+          </a:prstGeom>
+          <a:noFill/>
+        </p:spPr>
+        <p:txBody>
+          <a:bodyPr wrap="square" rtlCol="0">
+            <a:spAutoFit/>
+          </a:bodyPr>
+          <a:lstStyle/>
+          <a:p>
+            <a:r>
+              <a:rPr lang="es-AR" sz="2800" b="1">
+                <a:solidFill>
+                  <a:schemeClr val="bg1"/>
+                </a:solidFill>
+              </a:rPr>
+              <a:t>ANÁLISIS DE COMPONENTES PRINCIPALES</a:t>
+            </a:r>
+            <a:endParaRPr lang="es-AR" sz="2800" b="1" dirty="0">
+              <a:solidFill>
+                <a:schemeClr val="bg1"/>
+              </a:solidFill>
             </a:endParaRPr>
           </a:p>
         </p:txBody>

--- a/AEM PPT 20240802.pptx
+++ b/AEM PPT 20240802.pptx
@@ -1157,7 +1157,7 @@
           <a:p>
             <a:fld id="{5F31A7F1-75F3-4CA5-9A72-4C5E4B10EFF5}" type="datetimeFigureOut">
               <a:rPr lang="es-AR" smtClean="0"/>
-              <a:t>2/8/2024</a:t>
+              <a:t>7/9/2024</a:t>
             </a:fld>
             <a:endParaRPr lang="es-AR"/>
           </a:p>
@@ -1773,7 +1773,7 @@
           <a:p>
             <a:fld id="{AFF1CAD7-3EF3-4501-AE17-82589F2953A8}" type="datetime1">
               <a:rPr lang="en-US" smtClean="0"/>
-              <a:t>8/2/2024</a:t>
+              <a:t>9/7/2024</a:t>
             </a:fld>
             <a:endParaRPr lang="en-US"/>
           </a:p>
@@ -2017,7 +2017,7 @@
           <a:p>
             <a:fld id="{1E6B9C50-49B6-44B4-8E81-4056B20A29FA}" type="datetime1">
               <a:rPr lang="en-US" smtClean="0"/>
-              <a:t>8/2/2024</a:t>
+              <a:t>9/7/2024</a:t>
             </a:fld>
             <a:endParaRPr lang="en-US"/>
           </a:p>
@@ -2228,7 +2228,7 @@
           <a:p>
             <a:fld id="{DA31512F-31F1-473C-A5BA-146197174566}" type="datetime1">
               <a:rPr lang="en-US" smtClean="0"/>
-              <a:t>8/2/2024</a:t>
+              <a:t>9/7/2024</a:t>
             </a:fld>
             <a:endParaRPr lang="en-US"/>
           </a:p>
@@ -2429,7 +2429,7 @@
           <a:p>
             <a:fld id="{89F580CD-4C6E-4428-8CB6-318AC49465E2}" type="datetime1">
               <a:rPr lang="en-US" smtClean="0"/>
-              <a:t>8/2/2024</a:t>
+              <a:t>9/7/2024</a:t>
             </a:fld>
             <a:endParaRPr lang="en-US"/>
           </a:p>
@@ -2709,7 +2709,7 @@
           <a:p>
             <a:fld id="{2C47DBA1-BE42-40AD-8252-90F5F3C450C0}" type="datetime1">
               <a:rPr lang="en-US" smtClean="0"/>
-              <a:t>8/2/2024</a:t>
+              <a:t>9/7/2024</a:t>
             </a:fld>
             <a:endParaRPr lang="en-US"/>
           </a:p>
@@ -2977,7 +2977,7 @@
           <a:p>
             <a:fld id="{70BB6778-C28D-4ECE-A051-D87A20C2BA5E}" type="datetime1">
               <a:rPr lang="en-US" smtClean="0"/>
-              <a:t>8/2/2024</a:t>
+              <a:t>9/7/2024</a:t>
             </a:fld>
             <a:endParaRPr lang="en-US"/>
           </a:p>
@@ -3396,7 +3396,7 @@
           <a:p>
             <a:fld id="{C9AA1D89-D9C1-4B4E-9634-03B89D581099}" type="datetime1">
               <a:rPr lang="en-US" smtClean="0"/>
-              <a:t>8/2/2024</a:t>
+              <a:t>9/7/2024</a:t>
             </a:fld>
             <a:endParaRPr lang="en-US"/>
           </a:p>
@@ -3549,7 +3549,7 @@
           <a:p>
             <a:fld id="{F1C22BE2-41BA-4C52-998C-12E9853EA847}" type="datetime1">
               <a:rPr lang="en-US" smtClean="0"/>
-              <a:t>8/2/2024</a:t>
+              <a:t>9/7/2024</a:t>
             </a:fld>
             <a:endParaRPr lang="en-US"/>
           </a:p>
@@ -3665,7 +3665,7 @@
           <a:p>
             <a:fld id="{83BA4855-AD58-4AF6-8881-67CC3FDDAE7E}" type="datetime1">
               <a:rPr lang="en-US" smtClean="0"/>
-              <a:t>8/2/2024</a:t>
+              <a:t>9/7/2024</a:t>
             </a:fld>
             <a:endParaRPr lang="en-US"/>
           </a:p>
@@ -3984,7 +3984,7 @@
           <a:p>
             <a:fld id="{EBBC769C-F2EB-4698-81D1-D09C59F8478C}" type="datetime1">
               <a:rPr lang="en-US" smtClean="0"/>
-              <a:t>8/2/2024</a:t>
+              <a:t>9/7/2024</a:t>
             </a:fld>
             <a:endParaRPr lang="en-US"/>
           </a:p>
@@ -4238,7 +4238,7 @@
           <a:p>
             <a:fld id="{6BD3AC4B-B4B2-4128-9DEF-207B6F1FE6A3}" type="datetime1">
               <a:rPr lang="en-US" smtClean="0"/>
-              <a:t>8/2/2024</a:t>
+              <a:t>9/7/2024</a:t>
             </a:fld>
             <a:endParaRPr lang="en-US"/>
           </a:p>
@@ -4749,7 +4749,7 @@
           <a:p>
             <a:fld id="{E100D23B-9E5B-4D17-8C6F-9B1C7BA788C7}" type="datetime1">
               <a:rPr lang="en-US" smtClean="0"/>
-              <a:t>8/2/2024</a:t>
+              <a:t>9/7/2024</a:t>
             </a:fld>
             <a:endParaRPr lang="en-US" dirty="0"/>
           </a:p>
@@ -39324,7 +39324,7 @@
                 </a:solidFill>
                 <a:latin typeface="Walbaum Display (Cuerpo)"/>
               </a:rPr>
-              <a:t>Al presentar la información de varianzas explicadas de forma gráfica y conjunta para ambos análisis de PCA, puede concluirse que las diferencias entre ambos resultados se mantienen: mientras que el primer análisis indicaría que para contar con un nivel de varianza explicada del 95% se requerirían 5 componentes, el segundo análisis concluiría que mismo guarismo podría conseguirse con tan solo 3 componentes. </a:t>
+              <a:t>Al presentar la información de varianzas explicadas de forma gráfica y conjunta para ambos análisis de PCA, puede concluirse que las diferencias entre ambos resultados se mantienen: mientras que el primer análisis indicaría que para contar con un nivel de varianza explicada del 95% se requerirían 5 componentes, el segundo análisis concluiría que mismo guarismo podría conseguirse con tan solo 3 componentes. HOLA</a:t>
             </a:r>
           </a:p>
         </p:txBody>
